--- a/documents/presentation/TallyFinal.pptx
+++ b/documents/presentation/TallyFinal.pptx
@@ -5,15 +5,23 @@
     <p:sldMasterId id="2147483648" r:id="rId1"/>
   </p:sldMasterIdLst>
   <p:notesMasterIdLst>
-    <p:notesMasterId r:id="rId5"/>
+    <p:notesMasterId r:id="rId13"/>
   </p:notesMasterIdLst>
   <p:handoutMasterIdLst>
-    <p:handoutMasterId r:id="rId6"/>
+    <p:handoutMasterId r:id="rId14"/>
   </p:handoutMasterIdLst>
   <p:sldIdLst>
     <p:sldId id="256" r:id="rId2"/>
     <p:sldId id="257" r:id="rId3"/>
     <p:sldId id="258" r:id="rId4"/>
+    <p:sldId id="259" r:id="rId5"/>
+    <p:sldId id="260" r:id="rId6"/>
+    <p:sldId id="261" r:id="rId7"/>
+    <p:sldId id="262" r:id="rId8"/>
+    <p:sldId id="263" r:id="rId9"/>
+    <p:sldId id="264" r:id="rId10"/>
+    <p:sldId id="265" r:id="rId11"/>
+    <p:sldId id="266" r:id="rId12"/>
   </p:sldIdLst>
   <p:sldSz cx="9144000" cy="6858000" type="screen4x3"/>
   <p:notesSz cx="6858000" cy="9144000"/>
@@ -210,14 +218,14 @@
           </a:ln>
           <a:extLst>
             <a:ext uri="{909E8E84-426E-40dd-AFC4-6F175D3DCCD1}">
-              <a14:hiddenFill xmlns:a14="http://schemas.microsoft.com/office/drawing/2010/main" xmlns="">
+              <a14:hiddenFill xmlns="" xmlns:a14="http://schemas.microsoft.com/office/drawing/2010/main">
                 <a:solidFill>
                   <a:schemeClr val="accent1"/>
                 </a:solidFill>
               </a14:hiddenFill>
             </a:ext>
             <a:ext uri="{91240B29-F687-4f45-9708-019B960494DF}">
-              <a14:hiddenLine xmlns:a14="http://schemas.microsoft.com/office/drawing/2010/main" xmlns="" w="9525">
+              <a14:hiddenLine xmlns="" xmlns:a14="http://schemas.microsoft.com/office/drawing/2010/main" w="9525">
                 <a:solidFill>
                   <a:schemeClr val="tx1"/>
                 </a:solidFill>
@@ -227,7 +235,7 @@
               </a14:hiddenLine>
             </a:ext>
             <a:ext uri="{FAA26D3D-D897-4be2-8F04-BA451C77F1D7}">
-              <ma14:placeholderFlag xmlns:ma14="http://schemas.microsoft.com/office/mac/drawingml/2011/main" xmlns="" val="1"/>
+              <ma14:placeholderFlag xmlns="" xmlns:ma14="http://schemas.microsoft.com/office/mac/drawingml/2011/main" val="1"/>
             </a:ext>
           </a:extLst>
         </p:spPr>
@@ -271,14 +279,14 @@
           </a:ln>
           <a:extLst>
             <a:ext uri="{909E8E84-426E-40dd-AFC4-6F175D3DCCD1}">
-              <a14:hiddenFill xmlns:a14="http://schemas.microsoft.com/office/drawing/2010/main" xmlns="">
+              <a14:hiddenFill xmlns="" xmlns:a14="http://schemas.microsoft.com/office/drawing/2010/main">
                 <a:solidFill>
                   <a:schemeClr val="accent1"/>
                 </a:solidFill>
               </a14:hiddenFill>
             </a:ext>
             <a:ext uri="{91240B29-F687-4f45-9708-019B960494DF}">
-              <a14:hiddenLine xmlns:a14="http://schemas.microsoft.com/office/drawing/2010/main" xmlns="" w="9525">
+              <a14:hiddenLine xmlns="" xmlns:a14="http://schemas.microsoft.com/office/drawing/2010/main" w="9525">
                 <a:solidFill>
                   <a:schemeClr val="tx1"/>
                 </a:solidFill>
@@ -288,7 +296,7 @@
               </a14:hiddenLine>
             </a:ext>
             <a:ext uri="{FAA26D3D-D897-4be2-8F04-BA451C77F1D7}">
-              <ma14:placeholderFlag xmlns:ma14="http://schemas.microsoft.com/office/mac/drawingml/2011/main" xmlns="" val="1"/>
+              <ma14:placeholderFlag xmlns="" xmlns:ma14="http://schemas.microsoft.com/office/mac/drawingml/2011/main" val="1"/>
             </a:ext>
           </a:extLst>
         </p:spPr>
@@ -332,14 +340,14 @@
           </a:ln>
           <a:extLst>
             <a:ext uri="{909E8E84-426E-40dd-AFC4-6F175D3DCCD1}">
-              <a14:hiddenFill xmlns:a14="http://schemas.microsoft.com/office/drawing/2010/main" xmlns="">
+              <a14:hiddenFill xmlns="" xmlns:a14="http://schemas.microsoft.com/office/drawing/2010/main">
                 <a:solidFill>
                   <a:schemeClr val="accent1"/>
                 </a:solidFill>
               </a14:hiddenFill>
             </a:ext>
             <a:ext uri="{91240B29-F687-4f45-9708-019B960494DF}">
-              <a14:hiddenLine xmlns:a14="http://schemas.microsoft.com/office/drawing/2010/main" xmlns="" w="9525">
+              <a14:hiddenLine xmlns="" xmlns:a14="http://schemas.microsoft.com/office/drawing/2010/main" w="9525">
                 <a:solidFill>
                   <a:schemeClr val="tx1"/>
                 </a:solidFill>
@@ -349,7 +357,7 @@
               </a14:hiddenLine>
             </a:ext>
             <a:ext uri="{FAA26D3D-D897-4be2-8F04-BA451C77F1D7}">
-              <ma14:placeholderFlag xmlns:ma14="http://schemas.microsoft.com/office/mac/drawingml/2011/main" xmlns="" val="1"/>
+              <ma14:placeholderFlag xmlns="" xmlns:ma14="http://schemas.microsoft.com/office/mac/drawingml/2011/main" val="1"/>
             </a:ext>
           </a:extLst>
         </p:spPr>
@@ -393,14 +401,14 @@
           </a:ln>
           <a:extLst>
             <a:ext uri="{909E8E84-426E-40dd-AFC4-6F175D3DCCD1}">
-              <a14:hiddenFill xmlns:a14="http://schemas.microsoft.com/office/drawing/2010/main" xmlns="">
+              <a14:hiddenFill xmlns="" xmlns:a14="http://schemas.microsoft.com/office/drawing/2010/main">
                 <a:solidFill>
                   <a:schemeClr val="accent1"/>
                 </a:solidFill>
               </a14:hiddenFill>
             </a:ext>
             <a:ext uri="{91240B29-F687-4f45-9708-019B960494DF}">
-              <a14:hiddenLine xmlns:a14="http://schemas.microsoft.com/office/drawing/2010/main" xmlns="" w="9525">
+              <a14:hiddenLine xmlns="" xmlns:a14="http://schemas.microsoft.com/office/drawing/2010/main" w="9525">
                 <a:solidFill>
                   <a:schemeClr val="tx1"/>
                 </a:solidFill>
@@ -410,7 +418,7 @@
               </a14:hiddenLine>
             </a:ext>
             <a:ext uri="{FAA26D3D-D897-4be2-8F04-BA451C77F1D7}">
-              <ma14:placeholderFlag xmlns:ma14="http://schemas.microsoft.com/office/mac/drawingml/2011/main" xmlns="" val="1"/>
+              <ma14:placeholderFlag xmlns="" xmlns:ma14="http://schemas.microsoft.com/office/mac/drawingml/2011/main" val="1"/>
             </a:ext>
           </a:extLst>
         </p:spPr>
@@ -495,14 +503,14 @@
           </a:ln>
           <a:extLst>
             <a:ext uri="{909E8E84-426E-40dd-AFC4-6F175D3DCCD1}">
-              <a14:hiddenFill xmlns:a14="http://schemas.microsoft.com/office/drawing/2010/main" xmlns="">
+              <a14:hiddenFill xmlns="" xmlns:a14="http://schemas.microsoft.com/office/drawing/2010/main">
                 <a:solidFill>
                   <a:schemeClr val="accent1"/>
                 </a:solidFill>
               </a14:hiddenFill>
             </a:ext>
             <a:ext uri="{91240B29-F687-4f45-9708-019B960494DF}">
-              <a14:hiddenLine xmlns:a14="http://schemas.microsoft.com/office/drawing/2010/main" xmlns="" w="9525">
+              <a14:hiddenLine xmlns="" xmlns:a14="http://schemas.microsoft.com/office/drawing/2010/main" w="9525">
                 <a:solidFill>
                   <a:schemeClr val="tx1"/>
                 </a:solidFill>
@@ -512,7 +520,7 @@
               </a14:hiddenLine>
             </a:ext>
             <a:ext uri="{FAA26D3D-D897-4be2-8F04-BA451C77F1D7}">
-              <ma14:placeholderFlag xmlns:ma14="http://schemas.microsoft.com/office/mac/drawingml/2011/main" xmlns="" val="1"/>
+              <ma14:placeholderFlag xmlns="" xmlns:ma14="http://schemas.microsoft.com/office/mac/drawingml/2011/main" val="1"/>
             </a:ext>
           </a:extLst>
         </p:spPr>
@@ -556,14 +564,14 @@
           </a:ln>
           <a:extLst>
             <a:ext uri="{909E8E84-426E-40dd-AFC4-6F175D3DCCD1}">
-              <a14:hiddenFill xmlns:a14="http://schemas.microsoft.com/office/drawing/2010/main" xmlns="">
+              <a14:hiddenFill xmlns="" xmlns:a14="http://schemas.microsoft.com/office/drawing/2010/main">
                 <a:solidFill>
                   <a:schemeClr val="accent1"/>
                 </a:solidFill>
               </a14:hiddenFill>
             </a:ext>
             <a:ext uri="{91240B29-F687-4f45-9708-019B960494DF}">
-              <a14:hiddenLine xmlns:a14="http://schemas.microsoft.com/office/drawing/2010/main" xmlns="" w="9525">
+              <a14:hiddenLine xmlns="" xmlns:a14="http://schemas.microsoft.com/office/drawing/2010/main" w="9525">
                 <a:solidFill>
                   <a:schemeClr val="tx1"/>
                 </a:solidFill>
@@ -573,7 +581,7 @@
               </a14:hiddenLine>
             </a:ext>
             <a:ext uri="{FAA26D3D-D897-4be2-8F04-BA451C77F1D7}">
-              <ma14:placeholderFlag xmlns:ma14="http://schemas.microsoft.com/office/mac/drawingml/2011/main" xmlns="" val="1"/>
+              <ma14:placeholderFlag xmlns="" xmlns:ma14="http://schemas.microsoft.com/office/mac/drawingml/2011/main" val="1"/>
             </a:ext>
           </a:extLst>
         </p:spPr>
@@ -623,7 +631,7 @@
           <a:effectLst/>
           <a:extLst>
             <a:ext uri="{AF507438-7753-43e0-B8FC-AC1667EBCBE1}">
-              <a14:hiddenEffects xmlns:a14="http://schemas.microsoft.com/office/drawing/2010/main" xmlns="">
+              <a14:hiddenEffects xmlns="" xmlns:a14="http://schemas.microsoft.com/office/drawing/2010/main">
                 <a:effectLst>
                   <a:outerShdw blurRad="63500" dist="38099" dir="2700000" algn="ctr" rotWithShape="0">
                     <a:srgbClr val="000000">
@@ -634,7 +642,7 @@
               </a14:hiddenEffects>
             </a:ext>
             <a:ext uri="{53640926-AAD7-44d8-BBD7-CCE9431645EC}">
-              <a14:shadowObscured xmlns:a14="http://schemas.microsoft.com/office/drawing/2010/main" xmlns="" val="1"/>
+              <a14:shadowObscured xmlns="" xmlns:a14="http://schemas.microsoft.com/office/drawing/2010/main" val="1"/>
             </a:ext>
           </a:extLst>
         </p:spPr>
@@ -663,14 +671,14 @@
           </a:ln>
           <a:extLst>
             <a:ext uri="{909E8E84-426E-40dd-AFC4-6F175D3DCCD1}">
-              <a14:hiddenFill xmlns:a14="http://schemas.microsoft.com/office/drawing/2010/main" xmlns="">
+              <a14:hiddenFill xmlns="" xmlns:a14="http://schemas.microsoft.com/office/drawing/2010/main">
                 <a:solidFill>
                   <a:schemeClr val="accent1"/>
                 </a:solidFill>
               </a14:hiddenFill>
             </a:ext>
             <a:ext uri="{91240B29-F687-4f45-9708-019B960494DF}">
-              <a14:hiddenLine xmlns:a14="http://schemas.microsoft.com/office/drawing/2010/main" xmlns="" w="9525">
+              <a14:hiddenLine xmlns="" xmlns:a14="http://schemas.microsoft.com/office/drawing/2010/main" w="9525">
                 <a:solidFill>
                   <a:schemeClr val="tx1"/>
                 </a:solidFill>
@@ -680,7 +688,7 @@
               </a14:hiddenLine>
             </a:ext>
             <a:ext uri="{FAA26D3D-D897-4be2-8F04-BA451C77F1D7}">
-              <ma14:placeholderFlag xmlns:ma14="http://schemas.microsoft.com/office/mac/drawingml/2011/main" xmlns="" val="1"/>
+              <ma14:placeholderFlag xmlns="" xmlns:ma14="http://schemas.microsoft.com/office/mac/drawingml/2011/main" val="1"/>
             </a:ext>
           </a:extLst>
         </p:spPr>
@@ -752,14 +760,14 @@
           </a:ln>
           <a:extLst>
             <a:ext uri="{909E8E84-426E-40dd-AFC4-6F175D3DCCD1}">
-              <a14:hiddenFill xmlns:a14="http://schemas.microsoft.com/office/drawing/2010/main" xmlns="">
+              <a14:hiddenFill xmlns="" xmlns:a14="http://schemas.microsoft.com/office/drawing/2010/main">
                 <a:solidFill>
                   <a:schemeClr val="accent1"/>
                 </a:solidFill>
               </a14:hiddenFill>
             </a:ext>
             <a:ext uri="{91240B29-F687-4f45-9708-019B960494DF}">
-              <a14:hiddenLine xmlns:a14="http://schemas.microsoft.com/office/drawing/2010/main" xmlns="" w="9525">
+              <a14:hiddenLine xmlns="" xmlns:a14="http://schemas.microsoft.com/office/drawing/2010/main" w="9525">
                 <a:solidFill>
                   <a:schemeClr val="tx1"/>
                 </a:solidFill>
@@ -769,7 +777,7 @@
               </a14:hiddenLine>
             </a:ext>
             <a:ext uri="{FAA26D3D-D897-4be2-8F04-BA451C77F1D7}">
-              <ma14:placeholderFlag xmlns:ma14="http://schemas.microsoft.com/office/mac/drawingml/2011/main" xmlns="" val="1"/>
+              <ma14:placeholderFlag xmlns="" xmlns:ma14="http://schemas.microsoft.com/office/mac/drawingml/2011/main" val="1"/>
             </a:ext>
           </a:extLst>
         </p:spPr>
@@ -813,14 +821,14 @@
           </a:ln>
           <a:extLst>
             <a:ext uri="{909E8E84-426E-40dd-AFC4-6F175D3DCCD1}">
-              <a14:hiddenFill xmlns:a14="http://schemas.microsoft.com/office/drawing/2010/main" xmlns="">
+              <a14:hiddenFill xmlns="" xmlns:a14="http://schemas.microsoft.com/office/drawing/2010/main">
                 <a:solidFill>
                   <a:schemeClr val="accent1"/>
                 </a:solidFill>
               </a14:hiddenFill>
             </a:ext>
             <a:ext uri="{91240B29-F687-4f45-9708-019B960494DF}">
-              <a14:hiddenLine xmlns:a14="http://schemas.microsoft.com/office/drawing/2010/main" xmlns="" w="9525">
+              <a14:hiddenLine xmlns="" xmlns:a14="http://schemas.microsoft.com/office/drawing/2010/main" w="9525">
                 <a:solidFill>
                   <a:schemeClr val="tx1"/>
                 </a:solidFill>
@@ -830,7 +838,7 @@
               </a14:hiddenLine>
             </a:ext>
             <a:ext uri="{FAA26D3D-D897-4be2-8F04-BA451C77F1D7}">
-              <ma14:placeholderFlag xmlns:ma14="http://schemas.microsoft.com/office/mac/drawingml/2011/main" xmlns="" val="1"/>
+              <ma14:placeholderFlag xmlns="" xmlns:ma14="http://schemas.microsoft.com/office/mac/drawingml/2011/main" val="1"/>
             </a:ext>
           </a:extLst>
         </p:spPr>
@@ -1045,7 +1053,7 @@
           <a:ln/>
           <a:extLst>
             <a:ext uri="{FAA26D3D-D897-4be2-8F04-BA451C77F1D7}">
-              <ma14:placeholderFlag xmlns:ma14="http://schemas.microsoft.com/office/mac/drawingml/2011/main" xmlns="" val="1"/>
+              <ma14:placeholderFlag xmlns="" xmlns:ma14="http://schemas.microsoft.com/office/mac/drawingml/2011/main" val="1"/>
             </a:ext>
           </a:extLst>
         </p:spPr>
@@ -1139,7 +1147,7 @@
           <a:ln/>
           <a:extLst>
             <a:ext uri="{FAA26D3D-D897-4be2-8F04-BA451C77F1D7}">
-              <ma14:placeholderFlag xmlns:ma14="http://schemas.microsoft.com/office/mac/drawingml/2011/main" xmlns="" val="1"/>
+              <ma14:placeholderFlag xmlns="" xmlns:ma14="http://schemas.microsoft.com/office/mac/drawingml/2011/main" val="1"/>
             </a:ext>
           </a:extLst>
         </p:spPr>
@@ -1218,7 +1226,7 @@
           <a:effectLst/>
           <a:extLst>
             <a:ext uri="{91240B29-F687-4f45-9708-019B960494DF}">
-              <a14:hiddenLine xmlns:a14="http://schemas.microsoft.com/office/drawing/2010/main" xmlns="" w="9525">
+              <a14:hiddenLine xmlns="" xmlns:a14="http://schemas.microsoft.com/office/drawing/2010/main" w="9525">
                 <a:solidFill>
                   <a:srgbClr val="0E1B44"/>
                 </a:solidFill>
@@ -1228,7 +1236,7 @@
               </a14:hiddenLine>
             </a:ext>
             <a:ext uri="{AF507438-7753-43e0-B8FC-AC1667EBCBE1}">
-              <a14:hiddenEffects xmlns:a14="http://schemas.microsoft.com/office/drawing/2010/main" xmlns="">
+              <a14:hiddenEffects xmlns="" xmlns:a14="http://schemas.microsoft.com/office/drawing/2010/main">
                 <a:effectLst>
                   <a:outerShdw blurRad="63500" dist="38099" dir="2700000" algn="ctr" rotWithShape="0">
                     <a:srgbClr val="000000">
@@ -1272,7 +1280,7 @@
           </a:ln>
           <a:extLst>
             <a:ext uri="{91240B29-F687-4f45-9708-019B960494DF}">
-              <a14:hiddenLine xmlns:a14="http://schemas.microsoft.com/office/drawing/2010/main" xmlns="" w="9525">
+              <a14:hiddenLine xmlns="" xmlns:a14="http://schemas.microsoft.com/office/drawing/2010/main" w="9525">
                 <a:solidFill>
                   <a:schemeClr val="tx1"/>
                 </a:solidFill>
@@ -1323,7 +1331,7 @@
           <a:noFill/>
           <a:extLst>
             <a:ext uri="{909E8E84-426E-40dd-AFC4-6F175D3DCCD1}">
-              <a14:hiddenFill xmlns:a14="http://schemas.microsoft.com/office/drawing/2010/main" xmlns="">
+              <a14:hiddenFill xmlns="" xmlns:a14="http://schemas.microsoft.com/office/drawing/2010/main">
                 <a:solidFill>
                   <a:srgbClr val="FFFFFF"/>
                 </a:solidFill>
@@ -1359,7 +1367,7 @@
           </a:ln>
           <a:extLst>
             <a:ext uri="{909E8E84-426E-40dd-AFC4-6F175D3DCCD1}">
-              <a14:hiddenFill xmlns:a14="http://schemas.microsoft.com/office/drawing/2010/main" xmlns="">
+              <a14:hiddenFill xmlns="" xmlns:a14="http://schemas.microsoft.com/office/drawing/2010/main">
                 <a:noFill/>
               </a14:hiddenFill>
             </a:ext>
@@ -3083,7 +3091,7 @@
           <a:effectLst/>
           <a:extLst>
             <a:ext uri="{91240B29-F687-4f45-9708-019B960494DF}">
-              <a14:hiddenLine xmlns:a14="http://schemas.microsoft.com/office/drawing/2010/main" xmlns="" w="9525">
+              <a14:hiddenLine xmlns="" xmlns:a14="http://schemas.microsoft.com/office/drawing/2010/main" w="9525">
                 <a:solidFill>
                   <a:srgbClr val="0E1B44"/>
                 </a:solidFill>
@@ -3093,7 +3101,7 @@
               </a14:hiddenLine>
             </a:ext>
             <a:ext uri="{AF507438-7753-43e0-B8FC-AC1667EBCBE1}">
-              <a14:hiddenEffects xmlns:a14="http://schemas.microsoft.com/office/drawing/2010/main" xmlns="">
+              <a14:hiddenEffects xmlns="" xmlns:a14="http://schemas.microsoft.com/office/drawing/2010/main">
                 <a:effectLst>
                   <a:outerShdw blurRad="63500" dist="38099" dir="2700000" algn="ctr" rotWithShape="0">
                     <a:srgbClr val="000000">
@@ -3137,7 +3145,7 @@
           </a:ln>
           <a:extLst>
             <a:ext uri="{91240B29-F687-4f45-9708-019B960494DF}">
-              <a14:hiddenLine xmlns:a14="http://schemas.microsoft.com/office/drawing/2010/main" xmlns="" w="9525">
+              <a14:hiddenLine xmlns="" xmlns:a14="http://schemas.microsoft.com/office/drawing/2010/main" w="9525">
                 <a:solidFill>
                   <a:schemeClr val="tx1"/>
                 </a:solidFill>
@@ -3188,7 +3196,7 @@
           <a:noFill/>
           <a:extLst>
             <a:ext uri="{909E8E84-426E-40dd-AFC4-6F175D3DCCD1}">
-              <a14:hiddenFill xmlns:a14="http://schemas.microsoft.com/office/drawing/2010/main" xmlns="">
+              <a14:hiddenFill xmlns="" xmlns:a14="http://schemas.microsoft.com/office/drawing/2010/main">
                 <a:solidFill>
                   <a:srgbClr val="FFFFFF"/>
                 </a:solidFill>
@@ -3224,7 +3232,7 @@
           </a:ln>
           <a:extLst>
             <a:ext uri="{909E8E84-426E-40dd-AFC4-6F175D3DCCD1}">
-              <a14:hiddenFill xmlns:a14="http://schemas.microsoft.com/office/drawing/2010/main" xmlns="">
+              <a14:hiddenFill xmlns="" xmlns:a14="http://schemas.microsoft.com/office/drawing/2010/main">
                 <a:noFill/>
               </a14:hiddenFill>
             </a:ext>
@@ -3689,14 +3697,14 @@
           </a:ln>
           <a:extLst>
             <a:ext uri="{909E8E84-426E-40dd-AFC4-6F175D3DCCD1}">
-              <a14:hiddenFill xmlns:a14="http://schemas.microsoft.com/office/drawing/2010/main" xmlns="">
+              <a14:hiddenFill xmlns="" xmlns:a14="http://schemas.microsoft.com/office/drawing/2010/main">
                 <a:solidFill>
                   <a:schemeClr val="accent1"/>
                 </a:solidFill>
               </a14:hiddenFill>
             </a:ext>
             <a:ext uri="{91240B29-F687-4f45-9708-019B960494DF}">
-              <a14:hiddenLine xmlns:a14="http://schemas.microsoft.com/office/drawing/2010/main" xmlns="" w="9525">
+              <a14:hiddenLine xmlns="" xmlns:a14="http://schemas.microsoft.com/office/drawing/2010/main" w="9525">
                 <a:solidFill>
                   <a:schemeClr val="tx1"/>
                 </a:solidFill>
@@ -3740,14 +3748,14 @@
           <a:effectLst/>
           <a:extLst>
             <a:ext uri="{909E8E84-426E-40dd-AFC4-6F175D3DCCD1}">
-              <a14:hiddenFill xmlns:a14="http://schemas.microsoft.com/office/drawing/2010/main" xmlns="">
+              <a14:hiddenFill xmlns="" xmlns:a14="http://schemas.microsoft.com/office/drawing/2010/main">
                 <a:solidFill>
                   <a:schemeClr val="accent1"/>
                 </a:solidFill>
               </a14:hiddenFill>
             </a:ext>
             <a:ext uri="{91240B29-F687-4f45-9708-019B960494DF}">
-              <a14:hiddenLine xmlns:a14="http://schemas.microsoft.com/office/drawing/2010/main" xmlns="" w="9525">
+              <a14:hiddenLine xmlns="" xmlns:a14="http://schemas.microsoft.com/office/drawing/2010/main" w="9525">
                 <a:solidFill>
                   <a:schemeClr val="tx1"/>
                 </a:solidFill>
@@ -3757,7 +3765,7 @@
               </a14:hiddenLine>
             </a:ext>
             <a:ext uri="{AF507438-7753-43e0-B8FC-AC1667EBCBE1}">
-              <a14:hiddenEffects xmlns:a14="http://schemas.microsoft.com/office/drawing/2010/main" xmlns="">
+              <a14:hiddenEffects xmlns="" xmlns:a14="http://schemas.microsoft.com/office/drawing/2010/main">
                 <a:effectLst>
                   <a:outerShdw blurRad="63500" dist="38099" dir="2700000" algn="ctr" rotWithShape="0">
                     <a:schemeClr val="bg2">
@@ -3831,14 +3839,14 @@
           <a:effectLst/>
           <a:extLst>
             <a:ext uri="{909E8E84-426E-40dd-AFC4-6F175D3DCCD1}">
-              <a14:hiddenFill xmlns:a14="http://schemas.microsoft.com/office/drawing/2010/main" xmlns="">
+              <a14:hiddenFill xmlns="" xmlns:a14="http://schemas.microsoft.com/office/drawing/2010/main">
                 <a:solidFill>
                   <a:schemeClr val="accent1"/>
                 </a:solidFill>
               </a14:hiddenFill>
             </a:ext>
             <a:ext uri="{91240B29-F687-4f45-9708-019B960494DF}">
-              <a14:hiddenLine xmlns:a14="http://schemas.microsoft.com/office/drawing/2010/main" xmlns="" w="9525">
+              <a14:hiddenLine xmlns="" xmlns:a14="http://schemas.microsoft.com/office/drawing/2010/main" w="9525">
                 <a:solidFill>
                   <a:schemeClr val="tx1"/>
                 </a:solidFill>
@@ -3848,7 +3856,7 @@
               </a14:hiddenLine>
             </a:ext>
             <a:ext uri="{AF507438-7753-43e0-B8FC-AC1667EBCBE1}">
-              <a14:hiddenEffects xmlns:a14="http://schemas.microsoft.com/office/drawing/2010/main" xmlns="">
+              <a14:hiddenEffects xmlns="" xmlns:a14="http://schemas.microsoft.com/office/drawing/2010/main">
                 <a:effectLst>
                   <a:outerShdw blurRad="63500" dist="38099" dir="2700000" algn="ctr" rotWithShape="0">
                     <a:schemeClr val="bg2">
@@ -3906,14 +3914,14 @@
           </a:ln>
           <a:extLst>
             <a:ext uri="{909E8E84-426E-40dd-AFC4-6F175D3DCCD1}">
-              <a14:hiddenFill xmlns:a14="http://schemas.microsoft.com/office/drawing/2010/main" xmlns="">
+              <a14:hiddenFill xmlns="" xmlns:a14="http://schemas.microsoft.com/office/drawing/2010/main">
                 <a:solidFill>
                   <a:schemeClr val="accent1"/>
                 </a:solidFill>
               </a14:hiddenFill>
             </a:ext>
             <a:ext uri="{91240B29-F687-4f45-9708-019B960494DF}">
-              <a14:hiddenLine xmlns:a14="http://schemas.microsoft.com/office/drawing/2010/main" xmlns="" w="9525">
+              <a14:hiddenLine xmlns="" xmlns:a14="http://schemas.microsoft.com/office/drawing/2010/main" w="9525">
                 <a:solidFill>
                   <a:schemeClr val="tx1"/>
                 </a:solidFill>
@@ -3965,6 +3973,292 @@
         </p:spPr>
       </p:pic>
     </p:spTree>
+  </p:cSld>
+  <p:clrMapOvr>
+    <a:masterClrMapping/>
+  </p:clrMapOvr>
+  <p:transition>
+    <p:dissolve/>
+  </p:transition>
+  <p:timing>
+    <p:tnLst>
+      <p:par>
+        <p:cTn id="1" dur="indefinite" restart="never" nodeType="tmRoot"/>
+      </p:par>
+    </p:tnLst>
+  </p:timing>
+</p:sld>
+</file>
+
+<file path=ppt/slides/slide10.xml><?xml version="1.0" encoding="utf-8"?>
+<p:sld xmlns:a="http://schemas.openxmlformats.org/drawingml/2006/main" xmlns:r="http://schemas.openxmlformats.org/officeDocument/2006/relationships" xmlns:p="http://schemas.openxmlformats.org/presentationml/2006/main">
+  <p:cSld>
+    <p:spTree>
+      <p:nvGrpSpPr>
+        <p:cNvPr id="1" name=""/>
+        <p:cNvGrpSpPr/>
+        <p:nvPr/>
+      </p:nvGrpSpPr>
+      <p:grpSpPr>
+        <a:xfrm>
+          <a:off x="0" y="0"/>
+          <a:ext cx="0" cy="0"/>
+          <a:chOff x="0" y="0"/>
+          <a:chExt cx="0" cy="0"/>
+        </a:xfrm>
+      </p:grpSpPr>
+      <p:sp>
+        <p:nvSpPr>
+          <p:cNvPr id="2" name="Titel 1"/>
+          <p:cNvSpPr>
+            <a:spLocks noGrp="1"/>
+          </p:cNvSpPr>
+          <p:nvPr>
+            <p:ph type="title"/>
+          </p:nvPr>
+        </p:nvSpPr>
+        <p:spPr>
+          <a:xfrm>
+            <a:off x="457200" y="1206243"/>
+            <a:ext cx="8229600" cy="1143000"/>
+          </a:xfrm>
+        </p:spPr>
+        <p:txBody>
+          <a:bodyPr/>
+          <a:lstStyle/>
+          <a:p>
+            <a:pPr algn="l"/>
+            <a:r>
+              <a:rPr lang="de-DE" sz="3600" dirty="0" smtClean="0"/>
+              <a:t>Der </a:t>
+            </a:r>
+            <a:r>
+              <a:rPr lang="de-DE" sz="3600" dirty="0" err="1" smtClean="0"/>
+              <a:t>Raspberry</a:t>
+            </a:r>
+            <a:r>
+              <a:rPr lang="de-DE" sz="3600" dirty="0" smtClean="0"/>
+              <a:t> Pi </a:t>
+            </a:r>
+            <a:r>
+              <a:rPr lang="de-DE" sz="3600" dirty="0" smtClean="0"/>
+              <a:t>2</a:t>
+            </a:r>
+            <a:r>
+              <a:rPr lang="de-DE" sz="3600" dirty="0"/>
+              <a:t/>
+            </a:r>
+            <a:br>
+              <a:rPr lang="de-DE" sz="3600" dirty="0"/>
+            </a:br>
+            <a:r>
+              <a:rPr lang="de-DE" sz="3200" dirty="0" smtClean="0"/>
+              <a:t>Backups und Mails</a:t>
+            </a:r>
+            <a:endParaRPr lang="de-DE" sz="3200" dirty="0"/>
+          </a:p>
+        </p:txBody>
+      </p:sp>
+      <p:sp>
+        <p:nvSpPr>
+          <p:cNvPr id="4" name="Inhaltsplatzhalter 3"/>
+          <p:cNvSpPr>
+            <a:spLocks noGrp="1"/>
+          </p:cNvSpPr>
+          <p:nvPr>
+            <p:ph sz="half" idx="1"/>
+          </p:nvPr>
+        </p:nvSpPr>
+        <p:spPr>
+          <a:xfrm>
+            <a:off x="457200" y="2438400"/>
+            <a:ext cx="4038600" cy="3687763"/>
+          </a:xfrm>
+        </p:spPr>
+        <p:txBody>
+          <a:bodyPr/>
+          <a:lstStyle/>
+          <a:p>
+            <a:pPr lvl="1"/>
+            <a:endParaRPr lang="de-DE" dirty="0" smtClean="0"/>
+          </a:p>
+        </p:txBody>
+      </p:sp>
+      <p:sp>
+        <p:nvSpPr>
+          <p:cNvPr id="6" name="Inhaltsplatzhalter 5"/>
+          <p:cNvSpPr>
+            <a:spLocks noGrp="1"/>
+          </p:cNvSpPr>
+          <p:nvPr>
+            <p:ph sz="half" idx="2"/>
+          </p:nvPr>
+        </p:nvSpPr>
+        <p:spPr>
+          <a:xfrm>
+            <a:off x="4648200" y="2438400"/>
+            <a:ext cx="4038600" cy="3687763"/>
+          </a:xfrm>
+        </p:spPr>
+        <p:txBody>
+          <a:bodyPr/>
+          <a:lstStyle/>
+          <a:p>
+            <a:endParaRPr lang="de-DE" dirty="0"/>
+          </a:p>
+        </p:txBody>
+      </p:sp>
+    </p:spTree>
+    <p:extLst>
+      <p:ext uri="{BB962C8B-B14F-4D97-AF65-F5344CB8AC3E}">
+        <p14:creationId xmlns:p14="http://schemas.microsoft.com/office/powerpoint/2010/main" val="1383918532"/>
+      </p:ext>
+    </p:extLst>
+  </p:cSld>
+  <p:clrMapOvr>
+    <a:masterClrMapping/>
+  </p:clrMapOvr>
+  <p:transition>
+    <p:dissolve/>
+  </p:transition>
+  <p:timing>
+    <p:tnLst>
+      <p:par>
+        <p:cTn id="1" dur="indefinite" restart="never" nodeType="tmRoot"/>
+      </p:par>
+    </p:tnLst>
+  </p:timing>
+</p:sld>
+</file>
+
+<file path=ppt/slides/slide11.xml><?xml version="1.0" encoding="utf-8"?>
+<p:sld xmlns:a="http://schemas.openxmlformats.org/drawingml/2006/main" xmlns:r="http://schemas.openxmlformats.org/officeDocument/2006/relationships" xmlns:p="http://schemas.openxmlformats.org/presentationml/2006/main">
+  <p:cSld>
+    <p:spTree>
+      <p:nvGrpSpPr>
+        <p:cNvPr id="1" name=""/>
+        <p:cNvGrpSpPr/>
+        <p:nvPr/>
+      </p:nvGrpSpPr>
+      <p:grpSpPr>
+        <a:xfrm>
+          <a:off x="0" y="0"/>
+          <a:ext cx="0" cy="0"/>
+          <a:chOff x="0" y="0"/>
+          <a:chExt cx="0" cy="0"/>
+        </a:xfrm>
+      </p:grpSpPr>
+      <p:sp>
+        <p:nvSpPr>
+          <p:cNvPr id="2" name="Titel 1"/>
+          <p:cNvSpPr>
+            <a:spLocks noGrp="1"/>
+          </p:cNvSpPr>
+          <p:nvPr>
+            <p:ph type="title"/>
+          </p:nvPr>
+        </p:nvSpPr>
+        <p:spPr>
+          <a:xfrm>
+            <a:off x="457200" y="1206243"/>
+            <a:ext cx="8229600" cy="1143000"/>
+          </a:xfrm>
+        </p:spPr>
+        <p:txBody>
+          <a:bodyPr/>
+          <a:lstStyle/>
+          <a:p>
+            <a:pPr algn="l"/>
+            <a:r>
+              <a:rPr lang="de-DE" sz="3600" dirty="0" smtClean="0"/>
+              <a:t>Der </a:t>
+            </a:r>
+            <a:r>
+              <a:rPr lang="de-DE" sz="3600" dirty="0" err="1" smtClean="0"/>
+              <a:t>Raspberry</a:t>
+            </a:r>
+            <a:r>
+              <a:rPr lang="de-DE" sz="3600" dirty="0" smtClean="0"/>
+              <a:t> Pi </a:t>
+            </a:r>
+            <a:r>
+              <a:rPr lang="de-DE" sz="3600" dirty="0" smtClean="0"/>
+              <a:t>2</a:t>
+            </a:r>
+            <a:r>
+              <a:rPr lang="de-DE" sz="3600" dirty="0"/>
+              <a:t/>
+            </a:r>
+            <a:br>
+              <a:rPr lang="de-DE" sz="3600" dirty="0"/>
+            </a:br>
+            <a:r>
+              <a:rPr lang="de-DE" sz="3200" dirty="0" smtClean="0"/>
+              <a:t>Autostart von </a:t>
+            </a:r>
+            <a:r>
+              <a:rPr lang="de-DE" sz="3200" smtClean="0"/>
+              <a:t>Tally</a:t>
+            </a:r>
+            <a:endParaRPr lang="de-DE" sz="3200" dirty="0"/>
+          </a:p>
+        </p:txBody>
+      </p:sp>
+      <p:sp>
+        <p:nvSpPr>
+          <p:cNvPr id="4" name="Inhaltsplatzhalter 3"/>
+          <p:cNvSpPr>
+            <a:spLocks noGrp="1"/>
+          </p:cNvSpPr>
+          <p:nvPr>
+            <p:ph sz="half" idx="1"/>
+          </p:nvPr>
+        </p:nvSpPr>
+        <p:spPr>
+          <a:xfrm>
+            <a:off x="457200" y="2438400"/>
+            <a:ext cx="4038600" cy="3687763"/>
+          </a:xfrm>
+        </p:spPr>
+        <p:txBody>
+          <a:bodyPr/>
+          <a:lstStyle/>
+          <a:p>
+            <a:pPr lvl="1"/>
+            <a:endParaRPr lang="de-DE" dirty="0" smtClean="0"/>
+          </a:p>
+        </p:txBody>
+      </p:sp>
+      <p:sp>
+        <p:nvSpPr>
+          <p:cNvPr id="6" name="Inhaltsplatzhalter 5"/>
+          <p:cNvSpPr>
+            <a:spLocks noGrp="1"/>
+          </p:cNvSpPr>
+          <p:nvPr>
+            <p:ph sz="half" idx="2"/>
+          </p:nvPr>
+        </p:nvSpPr>
+        <p:spPr>
+          <a:xfrm>
+            <a:off x="4648200" y="2438400"/>
+            <a:ext cx="4038600" cy="3687763"/>
+          </a:xfrm>
+        </p:spPr>
+        <p:txBody>
+          <a:bodyPr/>
+          <a:lstStyle/>
+          <a:p>
+            <a:endParaRPr lang="de-DE" dirty="0"/>
+          </a:p>
+        </p:txBody>
+      </p:sp>
+    </p:spTree>
+    <p:extLst>
+      <p:ext uri="{BB962C8B-B14F-4D97-AF65-F5344CB8AC3E}">
+        <p14:creationId xmlns:p14="http://schemas.microsoft.com/office/powerpoint/2010/main" val="176377381"/>
+      </p:ext>
+    </p:extLst>
   </p:cSld>
   <p:clrMapOvr>
     <a:masterClrMapping/>
@@ -4022,14 +4316,14 @@
           <a:effectLst/>
           <a:extLst>
             <a:ext uri="{909E8E84-426E-40dd-AFC4-6F175D3DCCD1}">
-              <a14:hiddenFill xmlns:a14="http://schemas.microsoft.com/office/drawing/2010/main" xmlns="">
+              <a14:hiddenFill xmlns="" xmlns:a14="http://schemas.microsoft.com/office/drawing/2010/main">
                 <a:solidFill>
                   <a:schemeClr val="accent1"/>
                 </a:solidFill>
               </a14:hiddenFill>
             </a:ext>
             <a:ext uri="{91240B29-F687-4f45-9708-019B960494DF}">
-              <a14:hiddenLine xmlns:a14="http://schemas.microsoft.com/office/drawing/2010/main" xmlns="" w="9525">
+              <a14:hiddenLine xmlns="" xmlns:a14="http://schemas.microsoft.com/office/drawing/2010/main" w="9525">
                 <a:solidFill>
                   <a:schemeClr val="tx1"/>
                 </a:solidFill>
@@ -4039,7 +4333,7 @@
               </a14:hiddenLine>
             </a:ext>
             <a:ext uri="{AF507438-7753-43e0-B8FC-AC1667EBCBE1}">
-              <a14:hiddenEffects xmlns:a14="http://schemas.microsoft.com/office/drawing/2010/main" xmlns="">
+              <a14:hiddenEffects xmlns="" xmlns:a14="http://schemas.microsoft.com/office/drawing/2010/main">
                 <a:effectLst>
                   <a:outerShdw blurRad="63500" dist="38099" dir="2700000" algn="ctr" rotWithShape="0">
                     <a:schemeClr val="bg2">
@@ -4078,8 +4372,8 @@
         </p:nvSpPr>
         <p:spPr bwMode="auto">
           <a:xfrm>
-            <a:off x="1206500" y="1692275"/>
-            <a:ext cx="1537600" cy="400110"/>
+            <a:off x="1" y="1473140"/>
+            <a:ext cx="9144000" cy="584775"/>
           </a:xfrm>
           <a:prstGeom prst="rect">
             <a:avLst/>
@@ -4091,14 +4385,14 @@
           <a:effectLst/>
           <a:extLst>
             <a:ext uri="{909E8E84-426E-40dd-AFC4-6F175D3DCCD1}">
-              <a14:hiddenFill xmlns:a14="http://schemas.microsoft.com/office/drawing/2010/main" xmlns="">
+              <a14:hiddenFill xmlns="" xmlns:a14="http://schemas.microsoft.com/office/drawing/2010/main">
                 <a:solidFill>
                   <a:schemeClr val="accent1"/>
                 </a:solidFill>
               </a14:hiddenFill>
             </a:ext>
             <a:ext uri="{91240B29-F687-4f45-9708-019B960494DF}">
-              <a14:hiddenLine xmlns:a14="http://schemas.microsoft.com/office/drawing/2010/main" xmlns="" w="9525">
+              <a14:hiddenLine xmlns="" xmlns:a14="http://schemas.microsoft.com/office/drawing/2010/main" w="9525">
                 <a:solidFill>
                   <a:schemeClr val="tx1"/>
                 </a:solidFill>
@@ -4108,7 +4402,7 @@
               </a14:hiddenLine>
             </a:ext>
             <a:ext uri="{AF507438-7753-43e0-B8FC-AC1667EBCBE1}">
-              <a14:hiddenEffects xmlns:a14="http://schemas.microsoft.com/office/drawing/2010/main" xmlns="">
+              <a14:hiddenEffects xmlns="" xmlns:a14="http://schemas.microsoft.com/office/drawing/2010/main">
                 <a:effectLst>
                   <a:outerShdw blurRad="63500" dist="38099" dir="2700000" algn="ctr" rotWithShape="0">
                     <a:schemeClr val="bg2">
@@ -4121,21 +4415,22 @@
           </a:extLst>
         </p:spPr>
         <p:txBody>
-          <a:bodyPr wrap="none">
+          <a:bodyPr wrap="square">
             <a:spAutoFit/>
           </a:bodyPr>
           <a:lstStyle/>
           <a:p>
-            <a:r>
-              <a:rPr lang="de-DE" sz="2000" b="1" dirty="0" smtClean="0">
+            <a:pPr algn="ctr"/>
+            <a:r>
+              <a:rPr lang="de-DE" sz="3200" b="1" dirty="0" smtClean="0">
                 <a:solidFill>
                   <a:srgbClr val="001F5B"/>
                 </a:solidFill>
                 <a:latin typeface="ArialBold" charset="0"/>
               </a:rPr>
-              <a:t>Gliederung</a:t>
-            </a:r>
-            <a:endParaRPr lang="de-DE" dirty="0">
+              <a:t>Die Gliederung</a:t>
+            </a:r>
+            <a:endParaRPr lang="de-DE" sz="3200" dirty="0">
               <a:solidFill>
                 <a:srgbClr val="002664"/>
               </a:solidFill>
@@ -4240,9 +4535,24 @@
             </a:r>
             <a:r>
               <a:rPr lang="de-DE" sz="3600" dirty="0" smtClean="0"/>
-              <a:t> Pi 2</a:t>
-            </a:r>
-            <a:endParaRPr lang="de-DE" sz="3600" dirty="0"/>
+              <a:t> Pi </a:t>
+            </a:r>
+            <a:r>
+              <a:rPr lang="de-DE" sz="3600" dirty="0" smtClean="0"/>
+              <a:t>2</a:t>
+            </a:r>
+            <a:r>
+              <a:rPr lang="de-DE" sz="3600" dirty="0"/>
+              <a:t/>
+            </a:r>
+            <a:br>
+              <a:rPr lang="de-DE" sz="3600" dirty="0"/>
+            </a:br>
+            <a:r>
+              <a:rPr lang="de-DE" sz="3200" dirty="0" smtClean="0"/>
+              <a:t>Die Hardware</a:t>
+            </a:r>
+            <a:endParaRPr lang="de-DE" sz="3200" dirty="0"/>
           </a:p>
         </p:txBody>
       </p:sp>
@@ -4266,34 +4576,67 @@
           <a:bodyPr/>
           <a:lstStyle/>
           <a:p>
+            <a:r>
+              <a:rPr lang="de-DE" dirty="0" smtClean="0"/>
+              <a:t>Vier Kerne a 900 MHz</a:t>
+            </a:r>
+          </a:p>
+          <a:p>
+            <a:r>
+              <a:rPr lang="de-DE" dirty="0" smtClean="0"/>
+              <a:t>1GB Arbeitsspeicher</a:t>
+            </a:r>
+          </a:p>
+          <a:p>
+            <a:r>
+              <a:rPr lang="de-DE" dirty="0" smtClean="0"/>
+              <a:t>1 Ethernet Port</a:t>
+            </a:r>
+          </a:p>
+          <a:p>
+            <a:r>
+              <a:rPr lang="de-DE" dirty="0" smtClean="0"/>
+              <a:t>4 USB Ports</a:t>
+            </a:r>
+          </a:p>
+          <a:p>
+            <a:r>
+              <a:rPr lang="de-DE" dirty="0" smtClean="0"/>
+              <a:t>SD-Kartenslot</a:t>
+            </a:r>
             <a:endParaRPr lang="de-DE" dirty="0"/>
           </a:p>
         </p:txBody>
       </p:sp>
-      <p:sp>
-        <p:nvSpPr>
-          <p:cNvPr id="5" name="Inhaltsplatzhalter 4"/>
-          <p:cNvSpPr>
-            <a:spLocks noGrp="1"/>
-          </p:cNvSpPr>
+      <p:pic>
+        <p:nvPicPr>
+          <p:cNvPr id="3" name="Inhaltsplatzhalter 2"/>
+          <p:cNvPicPr>
+            <a:picLocks noGrp="1" noChangeAspect="1"/>
+          </p:cNvPicPr>
           <p:nvPr>
             <p:ph sz="half" idx="2"/>
           </p:nvPr>
-        </p:nvSpPr>
+        </p:nvPicPr>
+        <p:blipFill>
+          <a:blip r:embed="rId2">
+            <a:extLst>
+              <a:ext uri="{28A0092B-C50C-407E-A947-70E740481C1C}">
+                <a14:useLocalDpi xmlns:a14="http://schemas.microsoft.com/office/drawing/2010/main" val="0"/>
+              </a:ext>
+            </a:extLst>
+          </a:blip>
+          <a:stretch>
+            <a:fillRect/>
+          </a:stretch>
+        </p:blipFill>
         <p:spPr>
           <a:xfrm>
-            <a:off x="4648200" y="2438400"/>
-            <a:ext cx="4038600" cy="3687763"/>
-          </a:xfrm>
-        </p:spPr>
-        <p:txBody>
-          <a:bodyPr/>
-          <a:lstStyle/>
-          <a:p>
-            <a:endParaRPr lang="de-DE" dirty="0"/>
-          </a:p>
-        </p:txBody>
-      </p:sp>
+            <a:off x="4648200" y="3144370"/>
+            <a:ext cx="4038600" cy="2275823"/>
+          </a:xfrm>
+        </p:spPr>
+      </p:pic>
     </p:spTree>
     <p:extLst>
       <p:ext uri="{BB962C8B-B14F-4D97-AF65-F5344CB8AC3E}">
@@ -4307,6 +4650,940 @@
   <p:transition>
     <p:dissolve/>
   </p:transition>
+</p:sld>
+</file>
+
+<file path=ppt/slides/slide4.xml><?xml version="1.0" encoding="utf-8"?>
+<p:sld xmlns:a="http://schemas.openxmlformats.org/drawingml/2006/main" xmlns:r="http://schemas.openxmlformats.org/officeDocument/2006/relationships" xmlns:p="http://schemas.openxmlformats.org/presentationml/2006/main">
+  <p:cSld>
+    <p:spTree>
+      <p:nvGrpSpPr>
+        <p:cNvPr id="1" name=""/>
+        <p:cNvGrpSpPr/>
+        <p:nvPr/>
+      </p:nvGrpSpPr>
+      <p:grpSpPr>
+        <a:xfrm>
+          <a:off x="0" y="0"/>
+          <a:ext cx="0" cy="0"/>
+          <a:chOff x="0" y="0"/>
+          <a:chExt cx="0" cy="0"/>
+        </a:xfrm>
+      </p:grpSpPr>
+      <p:sp>
+        <p:nvSpPr>
+          <p:cNvPr id="2" name="Titel 1"/>
+          <p:cNvSpPr>
+            <a:spLocks noGrp="1"/>
+          </p:cNvSpPr>
+          <p:nvPr>
+            <p:ph type="title"/>
+          </p:nvPr>
+        </p:nvSpPr>
+        <p:spPr>
+          <a:xfrm>
+            <a:off x="457200" y="1206243"/>
+            <a:ext cx="8229600" cy="1143000"/>
+          </a:xfrm>
+        </p:spPr>
+        <p:txBody>
+          <a:bodyPr/>
+          <a:lstStyle/>
+          <a:p>
+            <a:pPr algn="l"/>
+            <a:r>
+              <a:rPr lang="de-DE" sz="3600" dirty="0" smtClean="0"/>
+              <a:t>Der </a:t>
+            </a:r>
+            <a:r>
+              <a:rPr lang="de-DE" sz="3600" dirty="0" err="1" smtClean="0"/>
+              <a:t>Raspberry</a:t>
+            </a:r>
+            <a:r>
+              <a:rPr lang="de-DE" sz="3600" dirty="0" smtClean="0"/>
+              <a:t> Pi </a:t>
+            </a:r>
+            <a:r>
+              <a:rPr lang="de-DE" sz="3600" dirty="0" smtClean="0"/>
+              <a:t>2</a:t>
+            </a:r>
+            <a:r>
+              <a:rPr lang="de-DE" sz="3600" dirty="0"/>
+              <a:t/>
+            </a:r>
+            <a:br>
+              <a:rPr lang="de-DE" sz="3600" dirty="0"/>
+            </a:br>
+            <a:r>
+              <a:rPr lang="de-DE" sz="3200" dirty="0" smtClean="0"/>
+              <a:t>Das Betriebssystem</a:t>
+            </a:r>
+            <a:endParaRPr lang="de-DE" sz="3200" dirty="0"/>
+          </a:p>
+        </p:txBody>
+      </p:sp>
+      <p:sp>
+        <p:nvSpPr>
+          <p:cNvPr id="4" name="Inhaltsplatzhalter 3"/>
+          <p:cNvSpPr>
+            <a:spLocks noGrp="1"/>
+          </p:cNvSpPr>
+          <p:nvPr>
+            <p:ph sz="half" idx="1"/>
+          </p:nvPr>
+        </p:nvSpPr>
+        <p:spPr>
+          <a:xfrm>
+            <a:off x="457200" y="2438400"/>
+            <a:ext cx="4038600" cy="3687763"/>
+          </a:xfrm>
+        </p:spPr>
+        <p:txBody>
+          <a:bodyPr/>
+          <a:lstStyle/>
+          <a:p>
+            <a:r>
+              <a:rPr lang="de-DE" dirty="0" err="1" smtClean="0"/>
+              <a:t>Raspbian</a:t>
+            </a:r>
+            <a:r>
+              <a:rPr lang="de-DE" dirty="0" smtClean="0"/>
+              <a:t> OS</a:t>
+            </a:r>
+          </a:p>
+          <a:p>
+            <a:pPr lvl="1"/>
+            <a:r>
+              <a:rPr lang="de-DE" dirty="0" smtClean="0"/>
+              <a:t>LXDE </a:t>
+            </a:r>
+            <a:r>
+              <a:rPr lang="de-DE" dirty="0" err="1" smtClean="0"/>
+              <a:t>desktop</a:t>
+            </a:r>
+            <a:endParaRPr lang="de-DE" dirty="0" smtClean="0"/>
+          </a:p>
+          <a:p>
+            <a:pPr lvl="1"/>
+            <a:r>
+              <a:rPr lang="de-DE" dirty="0" err="1" smtClean="0"/>
+              <a:t>Debianderivat</a:t>
+            </a:r>
+            <a:endParaRPr lang="de-DE" dirty="0" smtClean="0"/>
+          </a:p>
+          <a:p>
+            <a:pPr lvl="1"/>
+            <a:r>
+              <a:rPr lang="de-DE" dirty="0" err="1" smtClean="0"/>
+              <a:t>Raspberry</a:t>
+            </a:r>
+            <a:r>
+              <a:rPr lang="de-DE" dirty="0" smtClean="0"/>
+              <a:t> optimiert</a:t>
+            </a:r>
+          </a:p>
+          <a:p>
+            <a:pPr lvl="1"/>
+            <a:r>
+              <a:rPr lang="de-DE" dirty="0" smtClean="0"/>
+              <a:t>Große Community</a:t>
+            </a:r>
+            <a:endParaRPr lang="de-DE" dirty="0"/>
+          </a:p>
+        </p:txBody>
+      </p:sp>
+      <p:sp>
+        <p:nvSpPr>
+          <p:cNvPr id="5" name="Inhaltsplatzhalter 4"/>
+          <p:cNvSpPr>
+            <a:spLocks noGrp="1"/>
+          </p:cNvSpPr>
+          <p:nvPr>
+            <p:ph sz="half" idx="2"/>
+          </p:nvPr>
+        </p:nvSpPr>
+        <p:spPr>
+          <a:xfrm>
+            <a:off x="4648200" y="2438400"/>
+            <a:ext cx="4038600" cy="3687763"/>
+          </a:xfrm>
+        </p:spPr>
+        <p:txBody>
+          <a:bodyPr/>
+          <a:lstStyle/>
+          <a:p>
+            <a:r>
+              <a:rPr lang="de-DE" dirty="0" smtClean="0"/>
+              <a:t>Ubuntu 14.04 LTS</a:t>
+            </a:r>
+          </a:p>
+          <a:p>
+            <a:pPr lvl="1"/>
+            <a:r>
+              <a:rPr lang="de-DE" dirty="0" err="1" smtClean="0"/>
+              <a:t>Unity</a:t>
+            </a:r>
+            <a:r>
+              <a:rPr lang="de-DE" dirty="0" smtClean="0"/>
+              <a:t> </a:t>
+            </a:r>
+            <a:r>
+              <a:rPr lang="de-DE" dirty="0" err="1" smtClean="0"/>
+              <a:t>desktop</a:t>
+            </a:r>
+            <a:endParaRPr lang="de-DE" dirty="0" smtClean="0"/>
+          </a:p>
+          <a:p>
+            <a:pPr lvl="1"/>
+            <a:r>
+              <a:rPr lang="de-DE" dirty="0" err="1" smtClean="0"/>
+              <a:t>Debianderivat</a:t>
+            </a:r>
+            <a:endParaRPr lang="de-DE" dirty="0" smtClean="0"/>
+          </a:p>
+          <a:p>
+            <a:pPr lvl="1"/>
+            <a:r>
+              <a:rPr lang="de-DE" dirty="0" smtClean="0"/>
+              <a:t>Einrichten für den </a:t>
+            </a:r>
+            <a:r>
+              <a:rPr lang="de-DE" dirty="0" err="1" smtClean="0"/>
+              <a:t>Raspberry</a:t>
+            </a:r>
+            <a:r>
+              <a:rPr lang="de-DE" dirty="0" smtClean="0"/>
+              <a:t> erforderlich</a:t>
+            </a:r>
+            <a:endParaRPr lang="de-DE" dirty="0"/>
+          </a:p>
+        </p:txBody>
+      </p:sp>
+    </p:spTree>
+    <p:extLst>
+      <p:ext uri="{BB962C8B-B14F-4D97-AF65-F5344CB8AC3E}">
+        <p14:creationId xmlns:p14="http://schemas.microsoft.com/office/powerpoint/2010/main" val="3064458738"/>
+      </p:ext>
+    </p:extLst>
+  </p:cSld>
+  <p:clrMapOvr>
+    <a:masterClrMapping/>
+  </p:clrMapOvr>
+  <p:transition>
+    <p:dissolve/>
+  </p:transition>
+  <p:timing>
+    <p:tnLst>
+      <p:par>
+        <p:cTn id="1" dur="indefinite" restart="never" nodeType="tmRoot"/>
+      </p:par>
+    </p:tnLst>
+  </p:timing>
+</p:sld>
+</file>
+
+<file path=ppt/slides/slide5.xml><?xml version="1.0" encoding="utf-8"?>
+<p:sld xmlns:a="http://schemas.openxmlformats.org/drawingml/2006/main" xmlns:r="http://schemas.openxmlformats.org/officeDocument/2006/relationships" xmlns:p="http://schemas.openxmlformats.org/presentationml/2006/main">
+  <p:cSld>
+    <p:spTree>
+      <p:nvGrpSpPr>
+        <p:cNvPr id="1" name=""/>
+        <p:cNvGrpSpPr/>
+        <p:nvPr/>
+      </p:nvGrpSpPr>
+      <p:grpSpPr>
+        <a:xfrm>
+          <a:off x="0" y="0"/>
+          <a:ext cx="0" cy="0"/>
+          <a:chOff x="0" y="0"/>
+          <a:chExt cx="0" cy="0"/>
+        </a:xfrm>
+      </p:grpSpPr>
+      <p:sp>
+        <p:nvSpPr>
+          <p:cNvPr id="2" name="Titel 1"/>
+          <p:cNvSpPr>
+            <a:spLocks noGrp="1"/>
+          </p:cNvSpPr>
+          <p:nvPr>
+            <p:ph type="title"/>
+          </p:nvPr>
+        </p:nvSpPr>
+        <p:spPr>
+          <a:xfrm>
+            <a:off x="457200" y="1206243"/>
+            <a:ext cx="8229600" cy="1143000"/>
+          </a:xfrm>
+        </p:spPr>
+        <p:txBody>
+          <a:bodyPr/>
+          <a:lstStyle/>
+          <a:p>
+            <a:pPr algn="l"/>
+            <a:r>
+              <a:rPr lang="de-DE" sz="3600" dirty="0" smtClean="0"/>
+              <a:t>Der </a:t>
+            </a:r>
+            <a:r>
+              <a:rPr lang="de-DE" sz="3600" dirty="0" err="1" smtClean="0"/>
+              <a:t>Raspberry</a:t>
+            </a:r>
+            <a:r>
+              <a:rPr lang="de-DE" sz="3600" dirty="0" smtClean="0"/>
+              <a:t> Pi </a:t>
+            </a:r>
+            <a:r>
+              <a:rPr lang="de-DE" sz="3600" dirty="0" smtClean="0"/>
+              <a:t>2</a:t>
+            </a:r>
+            <a:r>
+              <a:rPr lang="de-DE" sz="3600" dirty="0"/>
+              <a:t/>
+            </a:r>
+            <a:br>
+              <a:rPr lang="de-DE" sz="3600" dirty="0"/>
+            </a:br>
+            <a:r>
+              <a:rPr lang="de-DE" sz="3200" dirty="0" smtClean="0"/>
+              <a:t>Remote Desktop</a:t>
+            </a:r>
+            <a:endParaRPr lang="de-DE" sz="3200" dirty="0"/>
+          </a:p>
+        </p:txBody>
+      </p:sp>
+      <p:sp>
+        <p:nvSpPr>
+          <p:cNvPr id="4" name="Inhaltsplatzhalter 3"/>
+          <p:cNvSpPr>
+            <a:spLocks noGrp="1"/>
+          </p:cNvSpPr>
+          <p:nvPr>
+            <p:ph sz="half" idx="1"/>
+          </p:nvPr>
+        </p:nvSpPr>
+        <p:spPr>
+          <a:xfrm>
+            <a:off x="457200" y="2438400"/>
+            <a:ext cx="4038600" cy="3687763"/>
+          </a:xfrm>
+        </p:spPr>
+        <p:txBody>
+          <a:bodyPr/>
+          <a:lstStyle/>
+          <a:p>
+            <a:pPr lvl="1"/>
+            <a:endParaRPr lang="de-DE" dirty="0" smtClean="0"/>
+          </a:p>
+        </p:txBody>
+      </p:sp>
+      <p:sp>
+        <p:nvSpPr>
+          <p:cNvPr id="6" name="Inhaltsplatzhalter 5"/>
+          <p:cNvSpPr>
+            <a:spLocks noGrp="1"/>
+          </p:cNvSpPr>
+          <p:nvPr>
+            <p:ph sz="half" idx="2"/>
+          </p:nvPr>
+        </p:nvSpPr>
+        <p:spPr>
+          <a:xfrm>
+            <a:off x="4648200" y="2438400"/>
+            <a:ext cx="4038600" cy="3687763"/>
+          </a:xfrm>
+        </p:spPr>
+        <p:txBody>
+          <a:bodyPr/>
+          <a:lstStyle/>
+          <a:p>
+            <a:endParaRPr lang="de-DE" dirty="0"/>
+          </a:p>
+        </p:txBody>
+      </p:sp>
+    </p:spTree>
+    <p:extLst>
+      <p:ext uri="{BB962C8B-B14F-4D97-AF65-F5344CB8AC3E}">
+        <p14:creationId xmlns:p14="http://schemas.microsoft.com/office/powerpoint/2010/main" val="3245234187"/>
+      </p:ext>
+    </p:extLst>
+  </p:cSld>
+  <p:clrMapOvr>
+    <a:masterClrMapping/>
+  </p:clrMapOvr>
+  <p:transition>
+    <p:dissolve/>
+  </p:transition>
+  <p:timing>
+    <p:tnLst>
+      <p:par>
+        <p:cTn id="1" dur="indefinite" restart="never" nodeType="tmRoot"/>
+      </p:par>
+    </p:tnLst>
+  </p:timing>
+</p:sld>
+</file>
+
+<file path=ppt/slides/slide6.xml><?xml version="1.0" encoding="utf-8"?>
+<p:sld xmlns:a="http://schemas.openxmlformats.org/drawingml/2006/main" xmlns:r="http://schemas.openxmlformats.org/officeDocument/2006/relationships" xmlns:p="http://schemas.openxmlformats.org/presentationml/2006/main">
+  <p:cSld>
+    <p:spTree>
+      <p:nvGrpSpPr>
+        <p:cNvPr id="1" name=""/>
+        <p:cNvGrpSpPr/>
+        <p:nvPr/>
+      </p:nvGrpSpPr>
+      <p:grpSpPr>
+        <a:xfrm>
+          <a:off x="0" y="0"/>
+          <a:ext cx="0" cy="0"/>
+          <a:chOff x="0" y="0"/>
+          <a:chExt cx="0" cy="0"/>
+        </a:xfrm>
+      </p:grpSpPr>
+      <p:sp>
+        <p:nvSpPr>
+          <p:cNvPr id="2" name="Titel 1"/>
+          <p:cNvSpPr>
+            <a:spLocks noGrp="1"/>
+          </p:cNvSpPr>
+          <p:nvPr>
+            <p:ph type="title"/>
+          </p:nvPr>
+        </p:nvSpPr>
+        <p:spPr>
+          <a:xfrm>
+            <a:off x="457200" y="1206243"/>
+            <a:ext cx="8229600" cy="1143000"/>
+          </a:xfrm>
+        </p:spPr>
+        <p:txBody>
+          <a:bodyPr/>
+          <a:lstStyle/>
+          <a:p>
+            <a:pPr algn="l"/>
+            <a:r>
+              <a:rPr lang="de-DE" sz="3600" dirty="0" smtClean="0"/>
+              <a:t>Der </a:t>
+            </a:r>
+            <a:r>
+              <a:rPr lang="de-DE" sz="3600" dirty="0" err="1" smtClean="0"/>
+              <a:t>Raspberry</a:t>
+            </a:r>
+            <a:r>
+              <a:rPr lang="de-DE" sz="3600" dirty="0" smtClean="0"/>
+              <a:t> Pi </a:t>
+            </a:r>
+            <a:r>
+              <a:rPr lang="de-DE" sz="3600" dirty="0" smtClean="0"/>
+              <a:t>2</a:t>
+            </a:r>
+            <a:r>
+              <a:rPr lang="de-DE" sz="3600" dirty="0"/>
+              <a:t/>
+            </a:r>
+            <a:br>
+              <a:rPr lang="de-DE" sz="3600" dirty="0"/>
+            </a:br>
+            <a:r>
+              <a:rPr lang="de-DE" sz="3200" dirty="0" smtClean="0"/>
+              <a:t>Der Webserver</a:t>
+            </a:r>
+            <a:endParaRPr lang="de-DE" sz="3200" dirty="0"/>
+          </a:p>
+        </p:txBody>
+      </p:sp>
+      <p:sp>
+        <p:nvSpPr>
+          <p:cNvPr id="4" name="Inhaltsplatzhalter 3"/>
+          <p:cNvSpPr>
+            <a:spLocks noGrp="1"/>
+          </p:cNvSpPr>
+          <p:nvPr>
+            <p:ph sz="half" idx="1"/>
+          </p:nvPr>
+        </p:nvSpPr>
+        <p:spPr>
+          <a:xfrm>
+            <a:off x="457200" y="2438400"/>
+            <a:ext cx="4038600" cy="3687763"/>
+          </a:xfrm>
+        </p:spPr>
+        <p:txBody>
+          <a:bodyPr/>
+          <a:lstStyle/>
+          <a:p>
+            <a:pPr lvl="1"/>
+            <a:endParaRPr lang="de-DE" dirty="0" smtClean="0"/>
+          </a:p>
+        </p:txBody>
+      </p:sp>
+      <p:sp>
+        <p:nvSpPr>
+          <p:cNvPr id="6" name="Inhaltsplatzhalter 5"/>
+          <p:cNvSpPr>
+            <a:spLocks noGrp="1"/>
+          </p:cNvSpPr>
+          <p:nvPr>
+            <p:ph sz="half" idx="2"/>
+          </p:nvPr>
+        </p:nvSpPr>
+        <p:spPr>
+          <a:xfrm>
+            <a:off x="4648200" y="2438400"/>
+            <a:ext cx="4038600" cy="3687763"/>
+          </a:xfrm>
+        </p:spPr>
+        <p:txBody>
+          <a:bodyPr/>
+          <a:lstStyle/>
+          <a:p>
+            <a:endParaRPr lang="de-DE" dirty="0"/>
+          </a:p>
+        </p:txBody>
+      </p:sp>
+    </p:spTree>
+    <p:extLst>
+      <p:ext uri="{BB962C8B-B14F-4D97-AF65-F5344CB8AC3E}">
+        <p14:creationId xmlns:p14="http://schemas.microsoft.com/office/powerpoint/2010/main" val="1461945958"/>
+      </p:ext>
+    </p:extLst>
+  </p:cSld>
+  <p:clrMapOvr>
+    <a:masterClrMapping/>
+  </p:clrMapOvr>
+  <p:transition>
+    <p:dissolve/>
+  </p:transition>
+  <p:timing>
+    <p:tnLst>
+      <p:par>
+        <p:cTn id="1" dur="indefinite" restart="never" nodeType="tmRoot"/>
+      </p:par>
+    </p:tnLst>
+  </p:timing>
+</p:sld>
+</file>
+
+<file path=ppt/slides/slide7.xml><?xml version="1.0" encoding="utf-8"?>
+<p:sld xmlns:a="http://schemas.openxmlformats.org/drawingml/2006/main" xmlns:r="http://schemas.openxmlformats.org/officeDocument/2006/relationships" xmlns:p="http://schemas.openxmlformats.org/presentationml/2006/main">
+  <p:cSld>
+    <p:spTree>
+      <p:nvGrpSpPr>
+        <p:cNvPr id="1" name=""/>
+        <p:cNvGrpSpPr/>
+        <p:nvPr/>
+      </p:nvGrpSpPr>
+      <p:grpSpPr>
+        <a:xfrm>
+          <a:off x="0" y="0"/>
+          <a:ext cx="0" cy="0"/>
+          <a:chOff x="0" y="0"/>
+          <a:chExt cx="0" cy="0"/>
+        </a:xfrm>
+      </p:grpSpPr>
+      <p:sp>
+        <p:nvSpPr>
+          <p:cNvPr id="2" name="Titel 1"/>
+          <p:cNvSpPr>
+            <a:spLocks noGrp="1"/>
+          </p:cNvSpPr>
+          <p:nvPr>
+            <p:ph type="title"/>
+          </p:nvPr>
+        </p:nvSpPr>
+        <p:spPr>
+          <a:xfrm>
+            <a:off x="457200" y="1206243"/>
+            <a:ext cx="8229600" cy="1143000"/>
+          </a:xfrm>
+        </p:spPr>
+        <p:txBody>
+          <a:bodyPr/>
+          <a:lstStyle/>
+          <a:p>
+            <a:pPr algn="l"/>
+            <a:r>
+              <a:rPr lang="de-DE" sz="3600" dirty="0" smtClean="0"/>
+              <a:t>Der </a:t>
+            </a:r>
+            <a:r>
+              <a:rPr lang="de-DE" sz="3600" dirty="0" err="1" smtClean="0"/>
+              <a:t>Raspberry</a:t>
+            </a:r>
+            <a:r>
+              <a:rPr lang="de-DE" sz="3600" dirty="0" smtClean="0"/>
+              <a:t> Pi </a:t>
+            </a:r>
+            <a:r>
+              <a:rPr lang="de-DE" sz="3600" dirty="0" smtClean="0"/>
+              <a:t>2</a:t>
+            </a:r>
+            <a:r>
+              <a:rPr lang="de-DE" sz="3600" dirty="0"/>
+              <a:t/>
+            </a:r>
+            <a:br>
+              <a:rPr lang="de-DE" sz="3600" dirty="0"/>
+            </a:br>
+            <a:r>
+              <a:rPr lang="de-DE" sz="3200" dirty="0" smtClean="0"/>
+              <a:t>Der passende Touchscreen</a:t>
+            </a:r>
+            <a:endParaRPr lang="de-DE" sz="3200" dirty="0"/>
+          </a:p>
+        </p:txBody>
+      </p:sp>
+      <p:sp>
+        <p:nvSpPr>
+          <p:cNvPr id="4" name="Inhaltsplatzhalter 3"/>
+          <p:cNvSpPr>
+            <a:spLocks noGrp="1"/>
+          </p:cNvSpPr>
+          <p:nvPr>
+            <p:ph sz="half" idx="1"/>
+          </p:nvPr>
+        </p:nvSpPr>
+        <p:spPr>
+          <a:xfrm>
+            <a:off x="457200" y="2438400"/>
+            <a:ext cx="4038600" cy="3687763"/>
+          </a:xfrm>
+        </p:spPr>
+        <p:txBody>
+          <a:bodyPr/>
+          <a:lstStyle/>
+          <a:p>
+            <a:pPr lvl="1"/>
+            <a:endParaRPr lang="de-DE" dirty="0" smtClean="0"/>
+          </a:p>
+        </p:txBody>
+      </p:sp>
+      <p:sp>
+        <p:nvSpPr>
+          <p:cNvPr id="6" name="Inhaltsplatzhalter 5"/>
+          <p:cNvSpPr>
+            <a:spLocks noGrp="1"/>
+          </p:cNvSpPr>
+          <p:nvPr>
+            <p:ph sz="half" idx="2"/>
+          </p:nvPr>
+        </p:nvSpPr>
+        <p:spPr>
+          <a:xfrm>
+            <a:off x="4648200" y="2438400"/>
+            <a:ext cx="4038600" cy="3687763"/>
+          </a:xfrm>
+        </p:spPr>
+        <p:txBody>
+          <a:bodyPr/>
+          <a:lstStyle/>
+          <a:p>
+            <a:endParaRPr lang="de-DE" dirty="0"/>
+          </a:p>
+        </p:txBody>
+      </p:sp>
+    </p:spTree>
+    <p:extLst>
+      <p:ext uri="{BB962C8B-B14F-4D97-AF65-F5344CB8AC3E}">
+        <p14:creationId xmlns:p14="http://schemas.microsoft.com/office/powerpoint/2010/main" val="2680953876"/>
+      </p:ext>
+    </p:extLst>
+  </p:cSld>
+  <p:clrMapOvr>
+    <a:masterClrMapping/>
+  </p:clrMapOvr>
+  <p:transition>
+    <p:dissolve/>
+  </p:transition>
+  <p:timing>
+    <p:tnLst>
+      <p:par>
+        <p:cTn id="1" dur="indefinite" restart="never" nodeType="tmRoot"/>
+      </p:par>
+    </p:tnLst>
+  </p:timing>
+</p:sld>
+</file>
+
+<file path=ppt/slides/slide8.xml><?xml version="1.0" encoding="utf-8"?>
+<p:sld xmlns:a="http://schemas.openxmlformats.org/drawingml/2006/main" xmlns:r="http://schemas.openxmlformats.org/officeDocument/2006/relationships" xmlns:p="http://schemas.openxmlformats.org/presentationml/2006/main">
+  <p:cSld>
+    <p:spTree>
+      <p:nvGrpSpPr>
+        <p:cNvPr id="1" name=""/>
+        <p:cNvGrpSpPr/>
+        <p:nvPr/>
+      </p:nvGrpSpPr>
+      <p:grpSpPr>
+        <a:xfrm>
+          <a:off x="0" y="0"/>
+          <a:ext cx="0" cy="0"/>
+          <a:chOff x="0" y="0"/>
+          <a:chExt cx="0" cy="0"/>
+        </a:xfrm>
+      </p:grpSpPr>
+      <p:sp>
+        <p:nvSpPr>
+          <p:cNvPr id="2" name="Titel 1"/>
+          <p:cNvSpPr>
+            <a:spLocks noGrp="1"/>
+          </p:cNvSpPr>
+          <p:nvPr>
+            <p:ph type="title"/>
+          </p:nvPr>
+        </p:nvSpPr>
+        <p:spPr>
+          <a:xfrm>
+            <a:off x="457200" y="1206243"/>
+            <a:ext cx="8229600" cy="1143000"/>
+          </a:xfrm>
+        </p:spPr>
+        <p:txBody>
+          <a:bodyPr/>
+          <a:lstStyle/>
+          <a:p>
+            <a:pPr algn="l"/>
+            <a:r>
+              <a:rPr lang="de-DE" sz="3600" dirty="0" smtClean="0"/>
+              <a:t>Der </a:t>
+            </a:r>
+            <a:r>
+              <a:rPr lang="de-DE" sz="3600" dirty="0" err="1" smtClean="0"/>
+              <a:t>Raspberry</a:t>
+            </a:r>
+            <a:r>
+              <a:rPr lang="de-DE" sz="3600" dirty="0" smtClean="0"/>
+              <a:t> Pi </a:t>
+            </a:r>
+            <a:r>
+              <a:rPr lang="de-DE" sz="3600" dirty="0" smtClean="0"/>
+              <a:t>2</a:t>
+            </a:r>
+            <a:r>
+              <a:rPr lang="de-DE" sz="3600" dirty="0"/>
+              <a:t/>
+            </a:r>
+            <a:br>
+              <a:rPr lang="de-DE" sz="3600" dirty="0"/>
+            </a:br>
+            <a:r>
+              <a:rPr lang="de-DE" sz="3200" dirty="0" smtClean="0"/>
+              <a:t>drahtlose Verbindung</a:t>
+            </a:r>
+            <a:endParaRPr lang="de-DE" sz="3200" dirty="0"/>
+          </a:p>
+        </p:txBody>
+      </p:sp>
+      <p:sp>
+        <p:nvSpPr>
+          <p:cNvPr id="4" name="Inhaltsplatzhalter 3"/>
+          <p:cNvSpPr>
+            <a:spLocks noGrp="1"/>
+          </p:cNvSpPr>
+          <p:nvPr>
+            <p:ph sz="half" idx="1"/>
+          </p:nvPr>
+        </p:nvSpPr>
+        <p:spPr>
+          <a:xfrm>
+            <a:off x="457200" y="2438400"/>
+            <a:ext cx="4038600" cy="3687763"/>
+          </a:xfrm>
+        </p:spPr>
+        <p:txBody>
+          <a:bodyPr/>
+          <a:lstStyle/>
+          <a:p>
+            <a:pPr lvl="1"/>
+            <a:endParaRPr lang="de-DE" dirty="0" smtClean="0"/>
+          </a:p>
+        </p:txBody>
+      </p:sp>
+      <p:sp>
+        <p:nvSpPr>
+          <p:cNvPr id="6" name="Inhaltsplatzhalter 5"/>
+          <p:cNvSpPr>
+            <a:spLocks noGrp="1"/>
+          </p:cNvSpPr>
+          <p:nvPr>
+            <p:ph sz="half" idx="2"/>
+          </p:nvPr>
+        </p:nvSpPr>
+        <p:spPr>
+          <a:xfrm>
+            <a:off x="4648200" y="2438400"/>
+            <a:ext cx="4038600" cy="3687763"/>
+          </a:xfrm>
+        </p:spPr>
+        <p:txBody>
+          <a:bodyPr/>
+          <a:lstStyle/>
+          <a:p>
+            <a:endParaRPr lang="de-DE" dirty="0"/>
+          </a:p>
+        </p:txBody>
+      </p:sp>
+    </p:spTree>
+    <p:extLst>
+      <p:ext uri="{BB962C8B-B14F-4D97-AF65-F5344CB8AC3E}">
+        <p14:creationId xmlns:p14="http://schemas.microsoft.com/office/powerpoint/2010/main" val="3784410897"/>
+      </p:ext>
+    </p:extLst>
+  </p:cSld>
+  <p:clrMapOvr>
+    <a:masterClrMapping/>
+  </p:clrMapOvr>
+  <p:transition>
+    <p:dissolve/>
+  </p:transition>
+  <p:timing>
+    <p:tnLst>
+      <p:par>
+        <p:cTn id="1" dur="indefinite" restart="never" nodeType="tmRoot"/>
+      </p:par>
+    </p:tnLst>
+  </p:timing>
+</p:sld>
+</file>
+
+<file path=ppt/slides/slide9.xml><?xml version="1.0" encoding="utf-8"?>
+<p:sld xmlns:a="http://schemas.openxmlformats.org/drawingml/2006/main" xmlns:r="http://schemas.openxmlformats.org/officeDocument/2006/relationships" xmlns:p="http://schemas.openxmlformats.org/presentationml/2006/main">
+  <p:cSld>
+    <p:spTree>
+      <p:nvGrpSpPr>
+        <p:cNvPr id="1" name=""/>
+        <p:cNvGrpSpPr/>
+        <p:nvPr/>
+      </p:nvGrpSpPr>
+      <p:grpSpPr>
+        <a:xfrm>
+          <a:off x="0" y="0"/>
+          <a:ext cx="0" cy="0"/>
+          <a:chOff x="0" y="0"/>
+          <a:chExt cx="0" cy="0"/>
+        </a:xfrm>
+      </p:grpSpPr>
+      <p:sp>
+        <p:nvSpPr>
+          <p:cNvPr id="2" name="Titel 1"/>
+          <p:cNvSpPr>
+            <a:spLocks noGrp="1"/>
+          </p:cNvSpPr>
+          <p:nvPr>
+            <p:ph type="title"/>
+          </p:nvPr>
+        </p:nvSpPr>
+        <p:spPr>
+          <a:xfrm>
+            <a:off x="457200" y="1206243"/>
+            <a:ext cx="8229600" cy="1143000"/>
+          </a:xfrm>
+        </p:spPr>
+        <p:txBody>
+          <a:bodyPr/>
+          <a:lstStyle/>
+          <a:p>
+            <a:pPr algn="l"/>
+            <a:r>
+              <a:rPr lang="de-DE" sz="3600" dirty="0" smtClean="0"/>
+              <a:t>Der </a:t>
+            </a:r>
+            <a:r>
+              <a:rPr lang="de-DE" sz="3600" dirty="0" err="1" smtClean="0"/>
+              <a:t>Raspberry</a:t>
+            </a:r>
+            <a:r>
+              <a:rPr lang="de-DE" sz="3600" dirty="0" smtClean="0"/>
+              <a:t> Pi </a:t>
+            </a:r>
+            <a:r>
+              <a:rPr lang="de-DE" sz="3600" dirty="0" smtClean="0"/>
+              <a:t>2</a:t>
+            </a:r>
+            <a:r>
+              <a:rPr lang="de-DE" sz="3600" dirty="0"/>
+              <a:t/>
+            </a:r>
+            <a:br>
+              <a:rPr lang="de-DE" sz="3600" dirty="0"/>
+            </a:br>
+            <a:r>
+              <a:rPr lang="de-DE" sz="3200" dirty="0" err="1" smtClean="0"/>
+              <a:t>Bootscreenlogo</a:t>
+            </a:r>
+            <a:endParaRPr lang="de-DE" sz="3200" dirty="0"/>
+          </a:p>
+        </p:txBody>
+      </p:sp>
+      <p:sp>
+        <p:nvSpPr>
+          <p:cNvPr id="4" name="Inhaltsplatzhalter 3"/>
+          <p:cNvSpPr>
+            <a:spLocks noGrp="1"/>
+          </p:cNvSpPr>
+          <p:nvPr>
+            <p:ph sz="half" idx="1"/>
+          </p:nvPr>
+        </p:nvSpPr>
+        <p:spPr>
+          <a:xfrm>
+            <a:off x="457200" y="2438400"/>
+            <a:ext cx="4038600" cy="3687763"/>
+          </a:xfrm>
+        </p:spPr>
+        <p:txBody>
+          <a:bodyPr/>
+          <a:lstStyle/>
+          <a:p>
+            <a:pPr lvl="1"/>
+            <a:endParaRPr lang="de-DE" dirty="0" smtClean="0"/>
+          </a:p>
+        </p:txBody>
+      </p:sp>
+      <p:sp>
+        <p:nvSpPr>
+          <p:cNvPr id="6" name="Inhaltsplatzhalter 5"/>
+          <p:cNvSpPr>
+            <a:spLocks noGrp="1"/>
+          </p:cNvSpPr>
+          <p:nvPr>
+            <p:ph sz="half" idx="2"/>
+          </p:nvPr>
+        </p:nvSpPr>
+        <p:spPr>
+          <a:xfrm>
+            <a:off x="4648200" y="2438400"/>
+            <a:ext cx="4038600" cy="3687763"/>
+          </a:xfrm>
+        </p:spPr>
+        <p:txBody>
+          <a:bodyPr/>
+          <a:lstStyle/>
+          <a:p>
+            <a:endParaRPr lang="de-DE" dirty="0"/>
+          </a:p>
+        </p:txBody>
+      </p:sp>
+    </p:spTree>
+    <p:extLst>
+      <p:ext uri="{BB962C8B-B14F-4D97-AF65-F5344CB8AC3E}">
+        <p14:creationId xmlns:p14="http://schemas.microsoft.com/office/powerpoint/2010/main" val="264805809"/>
+      </p:ext>
+    </p:extLst>
+  </p:cSld>
+  <p:clrMapOvr>
+    <a:masterClrMapping/>
+  </p:clrMapOvr>
+  <p:transition>
+    <p:dissolve/>
+  </p:transition>
+  <p:timing>
+    <p:tnLst>
+      <p:par>
+        <p:cTn id="1" dur="indefinite" restart="never" nodeType="tmRoot"/>
+      </p:par>
+    </p:tnLst>
+  </p:timing>
 </p:sld>
 </file>
 
@@ -4556,7 +5833,7 @@
         <a:effectLst/>
         <a:extLst>
           <a:ext uri="{AF507438-7753-43e0-B8FC-AC1667EBCBE1}">
-            <a14:hiddenEffects xmlns:a14="http://schemas.microsoft.com/office/drawing/2010/main" xmlns="">
+            <a14:hiddenEffects xmlns="" xmlns:a14="http://schemas.microsoft.com/office/drawing/2010/main">
               <a:effectLst>
                 <a:outerShdw blurRad="63500" dist="38099" dir="2700000" algn="ctr" rotWithShape="0">
                   <a:schemeClr val="bg2">
@@ -4633,7 +5910,7 @@
         <a:effectLst/>
         <a:extLst>
           <a:ext uri="{AF507438-7753-43e0-B8FC-AC1667EBCBE1}">
-            <a14:hiddenEffects xmlns:a14="http://schemas.microsoft.com/office/drawing/2010/main" xmlns="">
+            <a14:hiddenEffects xmlns="" xmlns:a14="http://schemas.microsoft.com/office/drawing/2010/main">
               <a:effectLst>
                 <a:outerShdw blurRad="63500" dist="38099" dir="2700000" algn="ctr" rotWithShape="0">
                   <a:schemeClr val="bg2">

--- a/documents/presentation/TallyFinal.pptx
+++ b/documents/presentation/TallyFinal.pptx
@@ -5,23 +5,26 @@
     <p:sldMasterId id="2147483648" r:id="rId1"/>
   </p:sldMasterIdLst>
   <p:notesMasterIdLst>
-    <p:notesMasterId r:id="rId13"/>
+    <p:notesMasterId r:id="rId16"/>
   </p:notesMasterIdLst>
   <p:handoutMasterIdLst>
-    <p:handoutMasterId r:id="rId14"/>
+    <p:handoutMasterId r:id="rId17"/>
   </p:handoutMasterIdLst>
   <p:sldIdLst>
     <p:sldId id="256" r:id="rId2"/>
     <p:sldId id="257" r:id="rId3"/>
     <p:sldId id="258" r:id="rId4"/>
     <p:sldId id="259" r:id="rId5"/>
-    <p:sldId id="260" r:id="rId6"/>
-    <p:sldId id="261" r:id="rId7"/>
-    <p:sldId id="262" r:id="rId8"/>
-    <p:sldId id="263" r:id="rId9"/>
-    <p:sldId id="264" r:id="rId10"/>
-    <p:sldId id="265" r:id="rId11"/>
-    <p:sldId id="266" r:id="rId12"/>
+    <p:sldId id="261" r:id="rId6"/>
+    <p:sldId id="262" r:id="rId7"/>
+    <p:sldId id="267" r:id="rId8"/>
+    <p:sldId id="268" r:id="rId9"/>
+    <p:sldId id="263" r:id="rId10"/>
+    <p:sldId id="264" r:id="rId11"/>
+    <p:sldId id="265" r:id="rId12"/>
+    <p:sldId id="266" r:id="rId13"/>
+    <p:sldId id="269" r:id="rId14"/>
+    <p:sldId id="270" r:id="rId15"/>
   </p:sldIdLst>
   <p:sldSz cx="9144000" cy="6858000" type="screen4x3"/>
   <p:notesSz cx="6858000" cy="9144000"/>
@@ -218,14 +221,14 @@
           </a:ln>
           <a:extLst>
             <a:ext uri="{909E8E84-426E-40dd-AFC4-6F175D3DCCD1}">
-              <a14:hiddenFill xmlns="" xmlns:a14="http://schemas.microsoft.com/office/drawing/2010/main">
+              <a14:hiddenFill xmlns:a14="http://schemas.microsoft.com/office/drawing/2010/main" xmlns="">
                 <a:solidFill>
                   <a:schemeClr val="accent1"/>
                 </a:solidFill>
               </a14:hiddenFill>
             </a:ext>
             <a:ext uri="{91240B29-F687-4f45-9708-019B960494DF}">
-              <a14:hiddenLine xmlns="" xmlns:a14="http://schemas.microsoft.com/office/drawing/2010/main" w="9525">
+              <a14:hiddenLine xmlns:a14="http://schemas.microsoft.com/office/drawing/2010/main" xmlns="" w="9525">
                 <a:solidFill>
                   <a:schemeClr val="tx1"/>
                 </a:solidFill>
@@ -235,7 +238,7 @@
               </a14:hiddenLine>
             </a:ext>
             <a:ext uri="{FAA26D3D-D897-4be2-8F04-BA451C77F1D7}">
-              <ma14:placeholderFlag xmlns="" xmlns:ma14="http://schemas.microsoft.com/office/mac/drawingml/2011/main" val="1"/>
+              <ma14:placeholderFlag xmlns:ma14="http://schemas.microsoft.com/office/mac/drawingml/2011/main" xmlns="" val="1"/>
             </a:ext>
           </a:extLst>
         </p:spPr>
@@ -279,14 +282,14 @@
           </a:ln>
           <a:extLst>
             <a:ext uri="{909E8E84-426E-40dd-AFC4-6F175D3DCCD1}">
-              <a14:hiddenFill xmlns="" xmlns:a14="http://schemas.microsoft.com/office/drawing/2010/main">
+              <a14:hiddenFill xmlns:a14="http://schemas.microsoft.com/office/drawing/2010/main" xmlns="">
                 <a:solidFill>
                   <a:schemeClr val="accent1"/>
                 </a:solidFill>
               </a14:hiddenFill>
             </a:ext>
             <a:ext uri="{91240B29-F687-4f45-9708-019B960494DF}">
-              <a14:hiddenLine xmlns="" xmlns:a14="http://schemas.microsoft.com/office/drawing/2010/main" w="9525">
+              <a14:hiddenLine xmlns:a14="http://schemas.microsoft.com/office/drawing/2010/main" xmlns="" w="9525">
                 <a:solidFill>
                   <a:schemeClr val="tx1"/>
                 </a:solidFill>
@@ -296,7 +299,7 @@
               </a14:hiddenLine>
             </a:ext>
             <a:ext uri="{FAA26D3D-D897-4be2-8F04-BA451C77F1D7}">
-              <ma14:placeholderFlag xmlns="" xmlns:ma14="http://schemas.microsoft.com/office/mac/drawingml/2011/main" val="1"/>
+              <ma14:placeholderFlag xmlns:ma14="http://schemas.microsoft.com/office/mac/drawingml/2011/main" xmlns="" val="1"/>
             </a:ext>
           </a:extLst>
         </p:spPr>
@@ -340,14 +343,14 @@
           </a:ln>
           <a:extLst>
             <a:ext uri="{909E8E84-426E-40dd-AFC4-6F175D3DCCD1}">
-              <a14:hiddenFill xmlns="" xmlns:a14="http://schemas.microsoft.com/office/drawing/2010/main">
+              <a14:hiddenFill xmlns:a14="http://schemas.microsoft.com/office/drawing/2010/main" xmlns="">
                 <a:solidFill>
                   <a:schemeClr val="accent1"/>
                 </a:solidFill>
               </a14:hiddenFill>
             </a:ext>
             <a:ext uri="{91240B29-F687-4f45-9708-019B960494DF}">
-              <a14:hiddenLine xmlns="" xmlns:a14="http://schemas.microsoft.com/office/drawing/2010/main" w="9525">
+              <a14:hiddenLine xmlns:a14="http://schemas.microsoft.com/office/drawing/2010/main" xmlns="" w="9525">
                 <a:solidFill>
                   <a:schemeClr val="tx1"/>
                 </a:solidFill>
@@ -357,7 +360,7 @@
               </a14:hiddenLine>
             </a:ext>
             <a:ext uri="{FAA26D3D-D897-4be2-8F04-BA451C77F1D7}">
-              <ma14:placeholderFlag xmlns="" xmlns:ma14="http://schemas.microsoft.com/office/mac/drawingml/2011/main" val="1"/>
+              <ma14:placeholderFlag xmlns:ma14="http://schemas.microsoft.com/office/mac/drawingml/2011/main" xmlns="" val="1"/>
             </a:ext>
           </a:extLst>
         </p:spPr>
@@ -401,14 +404,14 @@
           </a:ln>
           <a:extLst>
             <a:ext uri="{909E8E84-426E-40dd-AFC4-6F175D3DCCD1}">
-              <a14:hiddenFill xmlns="" xmlns:a14="http://schemas.microsoft.com/office/drawing/2010/main">
+              <a14:hiddenFill xmlns:a14="http://schemas.microsoft.com/office/drawing/2010/main" xmlns="">
                 <a:solidFill>
                   <a:schemeClr val="accent1"/>
                 </a:solidFill>
               </a14:hiddenFill>
             </a:ext>
             <a:ext uri="{91240B29-F687-4f45-9708-019B960494DF}">
-              <a14:hiddenLine xmlns="" xmlns:a14="http://schemas.microsoft.com/office/drawing/2010/main" w="9525">
+              <a14:hiddenLine xmlns:a14="http://schemas.microsoft.com/office/drawing/2010/main" xmlns="" w="9525">
                 <a:solidFill>
                   <a:schemeClr val="tx1"/>
                 </a:solidFill>
@@ -418,7 +421,7 @@
               </a14:hiddenLine>
             </a:ext>
             <a:ext uri="{FAA26D3D-D897-4be2-8F04-BA451C77F1D7}">
-              <ma14:placeholderFlag xmlns="" xmlns:ma14="http://schemas.microsoft.com/office/mac/drawingml/2011/main" val="1"/>
+              <ma14:placeholderFlag xmlns:ma14="http://schemas.microsoft.com/office/mac/drawingml/2011/main" xmlns="" val="1"/>
             </a:ext>
           </a:extLst>
         </p:spPr>
@@ -503,14 +506,14 @@
           </a:ln>
           <a:extLst>
             <a:ext uri="{909E8E84-426E-40dd-AFC4-6F175D3DCCD1}">
-              <a14:hiddenFill xmlns="" xmlns:a14="http://schemas.microsoft.com/office/drawing/2010/main">
+              <a14:hiddenFill xmlns:a14="http://schemas.microsoft.com/office/drawing/2010/main" xmlns="">
                 <a:solidFill>
                   <a:schemeClr val="accent1"/>
                 </a:solidFill>
               </a14:hiddenFill>
             </a:ext>
             <a:ext uri="{91240B29-F687-4f45-9708-019B960494DF}">
-              <a14:hiddenLine xmlns="" xmlns:a14="http://schemas.microsoft.com/office/drawing/2010/main" w="9525">
+              <a14:hiddenLine xmlns:a14="http://schemas.microsoft.com/office/drawing/2010/main" xmlns="" w="9525">
                 <a:solidFill>
                   <a:schemeClr val="tx1"/>
                 </a:solidFill>
@@ -520,7 +523,7 @@
               </a14:hiddenLine>
             </a:ext>
             <a:ext uri="{FAA26D3D-D897-4be2-8F04-BA451C77F1D7}">
-              <ma14:placeholderFlag xmlns="" xmlns:ma14="http://schemas.microsoft.com/office/mac/drawingml/2011/main" val="1"/>
+              <ma14:placeholderFlag xmlns:ma14="http://schemas.microsoft.com/office/mac/drawingml/2011/main" xmlns="" val="1"/>
             </a:ext>
           </a:extLst>
         </p:spPr>
@@ -564,14 +567,14 @@
           </a:ln>
           <a:extLst>
             <a:ext uri="{909E8E84-426E-40dd-AFC4-6F175D3DCCD1}">
-              <a14:hiddenFill xmlns="" xmlns:a14="http://schemas.microsoft.com/office/drawing/2010/main">
+              <a14:hiddenFill xmlns:a14="http://schemas.microsoft.com/office/drawing/2010/main" xmlns="">
                 <a:solidFill>
                   <a:schemeClr val="accent1"/>
                 </a:solidFill>
               </a14:hiddenFill>
             </a:ext>
             <a:ext uri="{91240B29-F687-4f45-9708-019B960494DF}">
-              <a14:hiddenLine xmlns="" xmlns:a14="http://schemas.microsoft.com/office/drawing/2010/main" w="9525">
+              <a14:hiddenLine xmlns:a14="http://schemas.microsoft.com/office/drawing/2010/main" xmlns="" w="9525">
                 <a:solidFill>
                   <a:schemeClr val="tx1"/>
                 </a:solidFill>
@@ -581,7 +584,7 @@
               </a14:hiddenLine>
             </a:ext>
             <a:ext uri="{FAA26D3D-D897-4be2-8F04-BA451C77F1D7}">
-              <ma14:placeholderFlag xmlns="" xmlns:ma14="http://schemas.microsoft.com/office/mac/drawingml/2011/main" val="1"/>
+              <ma14:placeholderFlag xmlns:ma14="http://schemas.microsoft.com/office/mac/drawingml/2011/main" xmlns="" val="1"/>
             </a:ext>
           </a:extLst>
         </p:spPr>
@@ -631,7 +634,7 @@
           <a:effectLst/>
           <a:extLst>
             <a:ext uri="{AF507438-7753-43e0-B8FC-AC1667EBCBE1}">
-              <a14:hiddenEffects xmlns="" xmlns:a14="http://schemas.microsoft.com/office/drawing/2010/main">
+              <a14:hiddenEffects xmlns:a14="http://schemas.microsoft.com/office/drawing/2010/main" xmlns="">
                 <a:effectLst>
                   <a:outerShdw blurRad="63500" dist="38099" dir="2700000" algn="ctr" rotWithShape="0">
                     <a:srgbClr val="000000">
@@ -642,7 +645,7 @@
               </a14:hiddenEffects>
             </a:ext>
             <a:ext uri="{53640926-AAD7-44d8-BBD7-CCE9431645EC}">
-              <a14:shadowObscured xmlns="" xmlns:a14="http://schemas.microsoft.com/office/drawing/2010/main" val="1"/>
+              <a14:shadowObscured xmlns:a14="http://schemas.microsoft.com/office/drawing/2010/main" xmlns="" val="1"/>
             </a:ext>
           </a:extLst>
         </p:spPr>
@@ -671,14 +674,14 @@
           </a:ln>
           <a:extLst>
             <a:ext uri="{909E8E84-426E-40dd-AFC4-6F175D3DCCD1}">
-              <a14:hiddenFill xmlns="" xmlns:a14="http://schemas.microsoft.com/office/drawing/2010/main">
+              <a14:hiddenFill xmlns:a14="http://schemas.microsoft.com/office/drawing/2010/main" xmlns="">
                 <a:solidFill>
                   <a:schemeClr val="accent1"/>
                 </a:solidFill>
               </a14:hiddenFill>
             </a:ext>
             <a:ext uri="{91240B29-F687-4f45-9708-019B960494DF}">
-              <a14:hiddenLine xmlns="" xmlns:a14="http://schemas.microsoft.com/office/drawing/2010/main" w="9525">
+              <a14:hiddenLine xmlns:a14="http://schemas.microsoft.com/office/drawing/2010/main" xmlns="" w="9525">
                 <a:solidFill>
                   <a:schemeClr val="tx1"/>
                 </a:solidFill>
@@ -688,7 +691,7 @@
               </a14:hiddenLine>
             </a:ext>
             <a:ext uri="{FAA26D3D-D897-4be2-8F04-BA451C77F1D7}">
-              <ma14:placeholderFlag xmlns="" xmlns:ma14="http://schemas.microsoft.com/office/mac/drawingml/2011/main" val="1"/>
+              <ma14:placeholderFlag xmlns:ma14="http://schemas.microsoft.com/office/mac/drawingml/2011/main" xmlns="" val="1"/>
             </a:ext>
           </a:extLst>
         </p:spPr>
@@ -760,14 +763,14 @@
           </a:ln>
           <a:extLst>
             <a:ext uri="{909E8E84-426E-40dd-AFC4-6F175D3DCCD1}">
-              <a14:hiddenFill xmlns="" xmlns:a14="http://schemas.microsoft.com/office/drawing/2010/main">
+              <a14:hiddenFill xmlns:a14="http://schemas.microsoft.com/office/drawing/2010/main" xmlns="">
                 <a:solidFill>
                   <a:schemeClr val="accent1"/>
                 </a:solidFill>
               </a14:hiddenFill>
             </a:ext>
             <a:ext uri="{91240B29-F687-4f45-9708-019B960494DF}">
-              <a14:hiddenLine xmlns="" xmlns:a14="http://schemas.microsoft.com/office/drawing/2010/main" w="9525">
+              <a14:hiddenLine xmlns:a14="http://schemas.microsoft.com/office/drawing/2010/main" xmlns="" w="9525">
                 <a:solidFill>
                   <a:schemeClr val="tx1"/>
                 </a:solidFill>
@@ -777,7 +780,7 @@
               </a14:hiddenLine>
             </a:ext>
             <a:ext uri="{FAA26D3D-D897-4be2-8F04-BA451C77F1D7}">
-              <ma14:placeholderFlag xmlns="" xmlns:ma14="http://schemas.microsoft.com/office/mac/drawingml/2011/main" val="1"/>
+              <ma14:placeholderFlag xmlns:ma14="http://schemas.microsoft.com/office/mac/drawingml/2011/main" xmlns="" val="1"/>
             </a:ext>
           </a:extLst>
         </p:spPr>
@@ -821,14 +824,14 @@
           </a:ln>
           <a:extLst>
             <a:ext uri="{909E8E84-426E-40dd-AFC4-6F175D3DCCD1}">
-              <a14:hiddenFill xmlns="" xmlns:a14="http://schemas.microsoft.com/office/drawing/2010/main">
+              <a14:hiddenFill xmlns:a14="http://schemas.microsoft.com/office/drawing/2010/main" xmlns="">
                 <a:solidFill>
                   <a:schemeClr val="accent1"/>
                 </a:solidFill>
               </a14:hiddenFill>
             </a:ext>
             <a:ext uri="{91240B29-F687-4f45-9708-019B960494DF}">
-              <a14:hiddenLine xmlns="" xmlns:a14="http://schemas.microsoft.com/office/drawing/2010/main" w="9525">
+              <a14:hiddenLine xmlns:a14="http://schemas.microsoft.com/office/drawing/2010/main" xmlns="" w="9525">
                 <a:solidFill>
                   <a:schemeClr val="tx1"/>
                 </a:solidFill>
@@ -838,7 +841,7 @@
               </a14:hiddenLine>
             </a:ext>
             <a:ext uri="{FAA26D3D-D897-4be2-8F04-BA451C77F1D7}">
-              <ma14:placeholderFlag xmlns="" xmlns:ma14="http://schemas.microsoft.com/office/mac/drawingml/2011/main" val="1"/>
+              <ma14:placeholderFlag xmlns:ma14="http://schemas.microsoft.com/office/mac/drawingml/2011/main" xmlns="" val="1"/>
             </a:ext>
           </a:extLst>
         </p:spPr>
@@ -1053,7 +1056,7 @@
           <a:ln/>
           <a:extLst>
             <a:ext uri="{FAA26D3D-D897-4be2-8F04-BA451C77F1D7}">
-              <ma14:placeholderFlag xmlns="" xmlns:ma14="http://schemas.microsoft.com/office/mac/drawingml/2011/main" val="1"/>
+              <ma14:placeholderFlag xmlns:ma14="http://schemas.microsoft.com/office/mac/drawingml/2011/main" xmlns="" val="1"/>
             </a:ext>
           </a:extLst>
         </p:spPr>
@@ -1147,7 +1150,7 @@
           <a:ln/>
           <a:extLst>
             <a:ext uri="{FAA26D3D-D897-4be2-8F04-BA451C77F1D7}">
-              <ma14:placeholderFlag xmlns="" xmlns:ma14="http://schemas.microsoft.com/office/mac/drawingml/2011/main" val="1"/>
+              <ma14:placeholderFlag xmlns:ma14="http://schemas.microsoft.com/office/mac/drawingml/2011/main" xmlns="" val="1"/>
             </a:ext>
           </a:extLst>
         </p:spPr>
@@ -1175,6 +1178,100 @@
     <p:extLst>
       <p:ext uri="{BB962C8B-B14F-4D97-AF65-F5344CB8AC3E}">
         <p14:creationId xmlns:p14="http://schemas.microsoft.com/office/powerpoint/2010/main" val="2885359136"/>
+      </p:ext>
+    </p:extLst>
+  </p:cSld>
+  <p:clrMapOvr>
+    <a:masterClrMapping/>
+  </p:clrMapOvr>
+</p:notes>
+</file>
+
+<file path=ppt/notesSlides/notesSlide3.xml><?xml version="1.0" encoding="utf-8"?>
+<p:notes xmlns:a="http://schemas.openxmlformats.org/drawingml/2006/main" xmlns:r="http://schemas.openxmlformats.org/officeDocument/2006/relationships" xmlns:p="http://schemas.openxmlformats.org/presentationml/2006/main">
+  <p:cSld>
+    <p:spTree>
+      <p:nvGrpSpPr>
+        <p:cNvPr id="1" name=""/>
+        <p:cNvGrpSpPr/>
+        <p:nvPr/>
+      </p:nvGrpSpPr>
+      <p:grpSpPr>
+        <a:xfrm>
+          <a:off x="0" y="0"/>
+          <a:ext cx="0" cy="0"/>
+          <a:chOff x="0" y="0"/>
+          <a:chExt cx="0" cy="0"/>
+        </a:xfrm>
+      </p:grpSpPr>
+      <p:sp>
+        <p:nvSpPr>
+          <p:cNvPr id="7" name="Rectangle 7"/>
+          <p:cNvSpPr>
+            <a:spLocks noGrp="1" noChangeArrowheads="1"/>
+          </p:cNvSpPr>
+          <p:nvPr>
+            <p:ph type="sldNum" sz="quarter" idx="5"/>
+          </p:nvPr>
+        </p:nvSpPr>
+        <p:spPr>
+          <a:ln/>
+        </p:spPr>
+        <p:txBody>
+          <a:bodyPr/>
+          <a:lstStyle/>
+          <a:p>
+            <a:fld id="{B31B1B0F-6CC3-3C45-BB73-8213046D6868}" type="slidenum">
+              <a:rPr lang="de-DE"/>
+              <a:pPr/>
+              <a:t>14</a:t>
+            </a:fld>
+            <a:endParaRPr lang="de-DE"/>
+          </a:p>
+        </p:txBody>
+      </p:sp>
+      <p:sp>
+        <p:nvSpPr>
+          <p:cNvPr id="9218" name="Rectangle 2"/>
+          <p:cNvSpPr>
+            <a:spLocks noGrp="1" noRot="1" noChangeAspect="1" noChangeArrowheads="1" noTextEdit="1"/>
+          </p:cNvSpPr>
+          <p:nvPr>
+            <p:ph type="sldImg"/>
+          </p:nvPr>
+        </p:nvSpPr>
+        <p:spPr>
+          <a:ln/>
+          <a:extLst>
+            <a:ext uri="{FAA26D3D-D897-4be2-8F04-BA451C77F1D7}">
+              <ma14:placeholderFlag xmlns:ma14="http://schemas.microsoft.com/office/mac/drawingml/2011/main" xmlns="" val="1"/>
+            </a:ext>
+          </a:extLst>
+        </p:spPr>
+      </p:sp>
+      <p:sp>
+        <p:nvSpPr>
+          <p:cNvPr id="9219" name="Rectangle 3"/>
+          <p:cNvSpPr>
+            <a:spLocks noGrp="1" noChangeArrowheads="1"/>
+          </p:cNvSpPr>
+          <p:nvPr>
+            <p:ph type="body" idx="1"/>
+          </p:nvPr>
+        </p:nvSpPr>
+        <p:spPr/>
+        <p:txBody>
+          <a:bodyPr/>
+          <a:lstStyle/>
+          <a:p>
+            <a:endParaRPr lang="de-DE"/>
+          </a:p>
+        </p:txBody>
+      </p:sp>
+    </p:spTree>
+    <p:extLst>
+      <p:ext uri="{BB962C8B-B14F-4D97-AF65-F5344CB8AC3E}">
+        <p14:creationId xmlns:p14="http://schemas.microsoft.com/office/powerpoint/2010/main" val="3444505567"/>
       </p:ext>
     </p:extLst>
   </p:cSld>
@@ -1226,7 +1323,7 @@
           <a:effectLst/>
           <a:extLst>
             <a:ext uri="{91240B29-F687-4f45-9708-019B960494DF}">
-              <a14:hiddenLine xmlns="" xmlns:a14="http://schemas.microsoft.com/office/drawing/2010/main" w="9525">
+              <a14:hiddenLine xmlns:a14="http://schemas.microsoft.com/office/drawing/2010/main" xmlns="" w="9525">
                 <a:solidFill>
                   <a:srgbClr val="0E1B44"/>
                 </a:solidFill>
@@ -1236,7 +1333,7 @@
               </a14:hiddenLine>
             </a:ext>
             <a:ext uri="{AF507438-7753-43e0-B8FC-AC1667EBCBE1}">
-              <a14:hiddenEffects xmlns="" xmlns:a14="http://schemas.microsoft.com/office/drawing/2010/main">
+              <a14:hiddenEffects xmlns:a14="http://schemas.microsoft.com/office/drawing/2010/main" xmlns="">
                 <a:effectLst>
                   <a:outerShdw blurRad="63500" dist="38099" dir="2700000" algn="ctr" rotWithShape="0">
                     <a:srgbClr val="000000">
@@ -1280,7 +1377,7 @@
           </a:ln>
           <a:extLst>
             <a:ext uri="{91240B29-F687-4f45-9708-019B960494DF}">
-              <a14:hiddenLine xmlns="" xmlns:a14="http://schemas.microsoft.com/office/drawing/2010/main" w="9525">
+              <a14:hiddenLine xmlns:a14="http://schemas.microsoft.com/office/drawing/2010/main" xmlns="" w="9525">
                 <a:solidFill>
                   <a:schemeClr val="tx1"/>
                 </a:solidFill>
@@ -1331,7 +1428,7 @@
           <a:noFill/>
           <a:extLst>
             <a:ext uri="{909E8E84-426E-40dd-AFC4-6F175D3DCCD1}">
-              <a14:hiddenFill xmlns="" xmlns:a14="http://schemas.microsoft.com/office/drawing/2010/main">
+              <a14:hiddenFill xmlns:a14="http://schemas.microsoft.com/office/drawing/2010/main" xmlns="">
                 <a:solidFill>
                   <a:srgbClr val="FFFFFF"/>
                 </a:solidFill>
@@ -1367,7 +1464,7 @@
           </a:ln>
           <a:extLst>
             <a:ext uri="{909E8E84-426E-40dd-AFC4-6F175D3DCCD1}">
-              <a14:hiddenFill xmlns="" xmlns:a14="http://schemas.microsoft.com/office/drawing/2010/main">
+              <a14:hiddenFill xmlns:a14="http://schemas.microsoft.com/office/drawing/2010/main" xmlns="">
                 <a:noFill/>
               </a14:hiddenFill>
             </a:ext>
@@ -3091,7 +3188,7 @@
           <a:effectLst/>
           <a:extLst>
             <a:ext uri="{91240B29-F687-4f45-9708-019B960494DF}">
-              <a14:hiddenLine xmlns="" xmlns:a14="http://schemas.microsoft.com/office/drawing/2010/main" w="9525">
+              <a14:hiddenLine xmlns:a14="http://schemas.microsoft.com/office/drawing/2010/main" xmlns="" w="9525">
                 <a:solidFill>
                   <a:srgbClr val="0E1B44"/>
                 </a:solidFill>
@@ -3101,7 +3198,7 @@
               </a14:hiddenLine>
             </a:ext>
             <a:ext uri="{AF507438-7753-43e0-B8FC-AC1667EBCBE1}">
-              <a14:hiddenEffects xmlns="" xmlns:a14="http://schemas.microsoft.com/office/drawing/2010/main">
+              <a14:hiddenEffects xmlns:a14="http://schemas.microsoft.com/office/drawing/2010/main" xmlns="">
                 <a:effectLst>
                   <a:outerShdw blurRad="63500" dist="38099" dir="2700000" algn="ctr" rotWithShape="0">
                     <a:srgbClr val="000000">
@@ -3145,7 +3242,7 @@
           </a:ln>
           <a:extLst>
             <a:ext uri="{91240B29-F687-4f45-9708-019B960494DF}">
-              <a14:hiddenLine xmlns="" xmlns:a14="http://schemas.microsoft.com/office/drawing/2010/main" w="9525">
+              <a14:hiddenLine xmlns:a14="http://schemas.microsoft.com/office/drawing/2010/main" xmlns="" w="9525">
                 <a:solidFill>
                   <a:schemeClr val="tx1"/>
                 </a:solidFill>
@@ -3196,7 +3293,7 @@
           <a:noFill/>
           <a:extLst>
             <a:ext uri="{909E8E84-426E-40dd-AFC4-6F175D3DCCD1}">
-              <a14:hiddenFill xmlns="" xmlns:a14="http://schemas.microsoft.com/office/drawing/2010/main">
+              <a14:hiddenFill xmlns:a14="http://schemas.microsoft.com/office/drawing/2010/main" xmlns="">
                 <a:solidFill>
                   <a:srgbClr val="FFFFFF"/>
                 </a:solidFill>
@@ -3232,7 +3329,7 @@
           </a:ln>
           <a:extLst>
             <a:ext uri="{909E8E84-426E-40dd-AFC4-6F175D3DCCD1}">
-              <a14:hiddenFill xmlns="" xmlns:a14="http://schemas.microsoft.com/office/drawing/2010/main">
+              <a14:hiddenFill xmlns:a14="http://schemas.microsoft.com/office/drawing/2010/main" xmlns="">
                 <a:noFill/>
               </a14:hiddenFill>
             </a:ext>
@@ -3697,14 +3794,14 @@
           </a:ln>
           <a:extLst>
             <a:ext uri="{909E8E84-426E-40dd-AFC4-6F175D3DCCD1}">
-              <a14:hiddenFill xmlns="" xmlns:a14="http://schemas.microsoft.com/office/drawing/2010/main">
+              <a14:hiddenFill xmlns:a14="http://schemas.microsoft.com/office/drawing/2010/main" xmlns="">
                 <a:solidFill>
                   <a:schemeClr val="accent1"/>
                 </a:solidFill>
               </a14:hiddenFill>
             </a:ext>
             <a:ext uri="{91240B29-F687-4f45-9708-019B960494DF}">
-              <a14:hiddenLine xmlns="" xmlns:a14="http://schemas.microsoft.com/office/drawing/2010/main" w="9525">
+              <a14:hiddenLine xmlns:a14="http://schemas.microsoft.com/office/drawing/2010/main" xmlns="" w="9525">
                 <a:solidFill>
                   <a:schemeClr val="tx1"/>
                 </a:solidFill>
@@ -3748,14 +3845,14 @@
           <a:effectLst/>
           <a:extLst>
             <a:ext uri="{909E8E84-426E-40dd-AFC4-6F175D3DCCD1}">
-              <a14:hiddenFill xmlns="" xmlns:a14="http://schemas.microsoft.com/office/drawing/2010/main">
+              <a14:hiddenFill xmlns:a14="http://schemas.microsoft.com/office/drawing/2010/main" xmlns="">
                 <a:solidFill>
                   <a:schemeClr val="accent1"/>
                 </a:solidFill>
               </a14:hiddenFill>
             </a:ext>
             <a:ext uri="{91240B29-F687-4f45-9708-019B960494DF}">
-              <a14:hiddenLine xmlns="" xmlns:a14="http://schemas.microsoft.com/office/drawing/2010/main" w="9525">
+              <a14:hiddenLine xmlns:a14="http://schemas.microsoft.com/office/drawing/2010/main" xmlns="" w="9525">
                 <a:solidFill>
                   <a:schemeClr val="tx1"/>
                 </a:solidFill>
@@ -3765,7 +3862,7 @@
               </a14:hiddenLine>
             </a:ext>
             <a:ext uri="{AF507438-7753-43e0-B8FC-AC1667EBCBE1}">
-              <a14:hiddenEffects xmlns="" xmlns:a14="http://schemas.microsoft.com/office/drawing/2010/main">
+              <a14:hiddenEffects xmlns:a14="http://schemas.microsoft.com/office/drawing/2010/main" xmlns="">
                 <a:effectLst>
                   <a:outerShdw blurRad="63500" dist="38099" dir="2700000" algn="ctr" rotWithShape="0">
                     <a:schemeClr val="bg2">
@@ -3839,14 +3936,14 @@
           <a:effectLst/>
           <a:extLst>
             <a:ext uri="{909E8E84-426E-40dd-AFC4-6F175D3DCCD1}">
-              <a14:hiddenFill xmlns="" xmlns:a14="http://schemas.microsoft.com/office/drawing/2010/main">
+              <a14:hiddenFill xmlns:a14="http://schemas.microsoft.com/office/drawing/2010/main" xmlns="">
                 <a:solidFill>
                   <a:schemeClr val="accent1"/>
                 </a:solidFill>
               </a14:hiddenFill>
             </a:ext>
             <a:ext uri="{91240B29-F687-4f45-9708-019B960494DF}">
-              <a14:hiddenLine xmlns="" xmlns:a14="http://schemas.microsoft.com/office/drawing/2010/main" w="9525">
+              <a14:hiddenLine xmlns:a14="http://schemas.microsoft.com/office/drawing/2010/main" xmlns="" w="9525">
                 <a:solidFill>
                   <a:schemeClr val="tx1"/>
                 </a:solidFill>
@@ -3856,7 +3953,7 @@
               </a14:hiddenLine>
             </a:ext>
             <a:ext uri="{AF507438-7753-43e0-B8FC-AC1667EBCBE1}">
-              <a14:hiddenEffects xmlns="" xmlns:a14="http://schemas.microsoft.com/office/drawing/2010/main">
+              <a14:hiddenEffects xmlns:a14="http://schemas.microsoft.com/office/drawing/2010/main" xmlns="">
                 <a:effectLst>
                   <a:outerShdw blurRad="63500" dist="38099" dir="2700000" algn="ctr" rotWithShape="0">
                     <a:schemeClr val="bg2">
@@ -3914,14 +4011,14 @@
           </a:ln>
           <a:extLst>
             <a:ext uri="{909E8E84-426E-40dd-AFC4-6F175D3DCCD1}">
-              <a14:hiddenFill xmlns="" xmlns:a14="http://schemas.microsoft.com/office/drawing/2010/main">
+              <a14:hiddenFill xmlns:a14="http://schemas.microsoft.com/office/drawing/2010/main" xmlns="">
                 <a:solidFill>
                   <a:schemeClr val="accent1"/>
                 </a:solidFill>
               </a14:hiddenFill>
             </a:ext>
             <a:ext uri="{91240B29-F687-4f45-9708-019B960494DF}">
-              <a14:hiddenLine xmlns="" xmlns:a14="http://schemas.microsoft.com/office/drawing/2010/main" w="9525">
+              <a14:hiddenLine xmlns:a14="http://schemas.microsoft.com/office/drawing/2010/main" xmlns="" w="9525">
                 <a:solidFill>
                   <a:schemeClr val="tx1"/>
                 </a:solidFill>
@@ -4038,11 +4135,7 @@
             </a:r>
             <a:r>
               <a:rPr lang="de-DE" sz="3600" dirty="0" smtClean="0"/>
-              <a:t> Pi </a:t>
-            </a:r>
-            <a:r>
-              <a:rPr lang="de-DE" sz="3600" dirty="0" smtClean="0"/>
-              <a:t>2</a:t>
+              <a:t> Pi 2</a:t>
             </a:r>
             <a:r>
               <a:rPr lang="de-DE" sz="3600" dirty="0"/>
@@ -4052,8 +4145,8 @@
               <a:rPr lang="de-DE" sz="3600" dirty="0"/>
             </a:br>
             <a:r>
-              <a:rPr lang="de-DE" sz="3200" dirty="0" smtClean="0"/>
-              <a:t>Backups und Mails</a:t>
+              <a:rPr lang="de-DE" sz="3200" dirty="0" err="1" smtClean="0"/>
+              <a:t>Bootscreenlogo</a:t>
             </a:r>
             <a:endParaRPr lang="de-DE" sz="3200" dirty="0"/>
           </a:p>
@@ -4080,38 +4173,85 @@
           <a:lstStyle/>
           <a:p>
             <a:pPr lvl="1"/>
-            <a:endParaRPr lang="de-DE" dirty="0" smtClean="0"/>
+            <a:r>
+              <a:rPr lang="de-DE" dirty="0" smtClean="0"/>
+              <a:t>Eigenes </a:t>
+            </a:r>
+            <a:r>
+              <a:rPr lang="de-DE" dirty="0" err="1" smtClean="0"/>
+              <a:t>Tallylogo</a:t>
+            </a:r>
+            <a:r>
+              <a:rPr lang="de-DE" dirty="0"/>
+              <a:t> </a:t>
+            </a:r>
+            <a:r>
+              <a:rPr lang="de-DE" dirty="0" smtClean="0"/>
+              <a:t>während des Bootvorganges</a:t>
+            </a:r>
+          </a:p>
+          <a:p>
+            <a:pPr lvl="1"/>
+            <a:r>
+              <a:rPr lang="de-DE" dirty="0" smtClean="0"/>
+              <a:t>Realisiert durch den </a:t>
+            </a:r>
+            <a:r>
+              <a:rPr lang="de-DE" dirty="0"/>
+              <a:t>'Frame </a:t>
+            </a:r>
+            <a:r>
+              <a:rPr lang="de-DE" dirty="0" err="1" smtClean="0"/>
+              <a:t>Buffer</a:t>
+            </a:r>
+            <a:r>
+              <a:rPr lang="de-DE" dirty="0" smtClean="0"/>
+              <a:t> </a:t>
+            </a:r>
+            <a:r>
+              <a:rPr lang="de-DE" dirty="0"/>
+              <a:t>Imageviewer</a:t>
+            </a:r>
+            <a:r>
+              <a:rPr lang="de-DE" dirty="0" smtClean="0"/>
+              <a:t>'</a:t>
+            </a:r>
           </a:p>
         </p:txBody>
       </p:sp>
-      <p:sp>
-        <p:nvSpPr>
-          <p:cNvPr id="6" name="Inhaltsplatzhalter 5"/>
-          <p:cNvSpPr>
-            <a:spLocks noGrp="1"/>
-          </p:cNvSpPr>
+      <p:pic>
+        <p:nvPicPr>
+          <p:cNvPr id="3" name="Inhaltsplatzhalter 2"/>
+          <p:cNvPicPr>
+            <a:picLocks noGrp="1" noChangeAspect="1"/>
+          </p:cNvPicPr>
           <p:nvPr>
             <p:ph sz="half" idx="2"/>
           </p:nvPr>
-        </p:nvSpPr>
+        </p:nvPicPr>
+        <p:blipFill>
+          <a:blip r:embed="rId2">
+            <a:extLst>
+              <a:ext uri="{28A0092B-C50C-407E-A947-70E740481C1C}">
+                <a14:useLocalDpi xmlns:a14="http://schemas.microsoft.com/office/drawing/2010/main" val="0"/>
+              </a:ext>
+            </a:extLst>
+          </a:blip>
+          <a:stretch>
+            <a:fillRect/>
+          </a:stretch>
+        </p:blipFill>
         <p:spPr>
           <a:xfrm>
-            <a:off x="4648200" y="2438400"/>
-            <a:ext cx="4038600" cy="3687763"/>
+            <a:off x="4495800" y="2438399"/>
+            <a:ext cx="4631636" cy="3087757"/>
           </a:xfrm>
         </p:spPr>
-        <p:txBody>
-          <a:bodyPr/>
-          <a:lstStyle/>
-          <a:p>
-            <a:endParaRPr lang="de-DE" dirty="0"/>
-          </a:p>
-        </p:txBody>
-      </p:sp>
+      </p:pic>
     </p:spTree>
     <p:extLst>
       <p:ext uri="{BB962C8B-B14F-4D97-AF65-F5344CB8AC3E}">
-        <p14:creationId xmlns:p14="http://schemas.microsoft.com/office/powerpoint/2010/main" val="1383918532"/>
+        <p14:creationId xmlns:p14="http://schemas.microsoft.com/office/powerpoint/2010/main" val="264805809"/>
       </p:ext>
     </p:extLst>
   </p:cSld>
@@ -4160,6 +4300,250 @@
         </p:nvSpPr>
         <p:spPr>
           <a:xfrm>
+            <a:off x="457200" y="1183347"/>
+            <a:ext cx="8229600" cy="1143000"/>
+          </a:xfrm>
+        </p:spPr>
+        <p:txBody>
+          <a:bodyPr/>
+          <a:lstStyle/>
+          <a:p>
+            <a:pPr algn="l"/>
+            <a:r>
+              <a:rPr lang="de-DE" sz="3600" dirty="0" smtClean="0"/>
+              <a:t>Der </a:t>
+            </a:r>
+            <a:r>
+              <a:rPr lang="de-DE" sz="3600" dirty="0" err="1" smtClean="0"/>
+              <a:t>Raspberry</a:t>
+            </a:r>
+            <a:r>
+              <a:rPr lang="de-DE" sz="3600" dirty="0" smtClean="0"/>
+              <a:t> Pi 2</a:t>
+            </a:r>
+            <a:r>
+              <a:rPr lang="de-DE" sz="3600" dirty="0"/>
+              <a:t/>
+            </a:r>
+            <a:br>
+              <a:rPr lang="de-DE" sz="3600" dirty="0"/>
+            </a:br>
+            <a:r>
+              <a:rPr lang="de-DE" sz="3200" dirty="0" smtClean="0"/>
+              <a:t>Backups und Mails</a:t>
+            </a:r>
+            <a:endParaRPr lang="de-DE" sz="3200" dirty="0"/>
+          </a:p>
+        </p:txBody>
+      </p:sp>
+      <p:sp>
+        <p:nvSpPr>
+          <p:cNvPr id="4" name="Inhaltsplatzhalter 3"/>
+          <p:cNvSpPr>
+            <a:spLocks noGrp="1"/>
+          </p:cNvSpPr>
+          <p:nvPr>
+            <p:ph sz="half" idx="1"/>
+          </p:nvPr>
+        </p:nvSpPr>
+        <p:spPr>
+          <a:xfrm>
+            <a:off x="457200" y="2438400"/>
+            <a:ext cx="8229600" cy="3687763"/>
+          </a:xfrm>
+        </p:spPr>
+        <p:txBody>
+          <a:bodyPr/>
+          <a:lstStyle/>
+          <a:p>
+            <a:pPr lvl="1"/>
+            <a:r>
+              <a:rPr lang="de-DE" dirty="0" smtClean="0"/>
+              <a:t>Automatische Backups mit </a:t>
+            </a:r>
+            <a:r>
+              <a:rPr lang="de-DE" dirty="0" err="1" smtClean="0"/>
+              <a:t>cron</a:t>
+            </a:r>
+            <a:r>
+              <a:rPr lang="de-DE" dirty="0" smtClean="0"/>
+              <a:t> und </a:t>
+            </a:r>
+            <a:r>
+              <a:rPr lang="de-DE" dirty="0" err="1" smtClean="0"/>
+              <a:t>rsync</a:t>
+            </a:r>
+            <a:endParaRPr lang="de-DE" dirty="0" smtClean="0"/>
+          </a:p>
+          <a:p>
+            <a:pPr lvl="2"/>
+            <a:r>
+              <a:rPr lang="de-DE" dirty="0"/>
+              <a:t>15 22 * * * </a:t>
+            </a:r>
+            <a:r>
+              <a:rPr lang="de-DE" dirty="0" err="1"/>
+              <a:t>rsync</a:t>
+            </a:r>
+            <a:r>
+              <a:rPr lang="de-DE" dirty="0"/>
+              <a:t> -</a:t>
+            </a:r>
+            <a:r>
+              <a:rPr lang="de-DE" dirty="0" err="1"/>
+              <a:t>av</a:t>
+            </a:r>
+            <a:r>
+              <a:rPr lang="de-DE" dirty="0"/>
+              <a:t> --</a:t>
+            </a:r>
+            <a:r>
+              <a:rPr lang="de-DE" dirty="0" err="1"/>
+              <a:t>delete</a:t>
+            </a:r>
+            <a:r>
+              <a:rPr lang="de-DE" dirty="0"/>
+              <a:t> /</a:t>
+            </a:r>
+            <a:r>
+              <a:rPr lang="de-DE" dirty="0" err="1"/>
+              <a:t>var</a:t>
+            </a:r>
+            <a:r>
+              <a:rPr lang="de-DE" dirty="0"/>
+              <a:t>/</a:t>
+            </a:r>
+            <a:r>
+              <a:rPr lang="de-DE" dirty="0" err="1"/>
+              <a:t>www</a:t>
+            </a:r>
+            <a:r>
+              <a:rPr lang="de-DE" dirty="0"/>
+              <a:t>/</a:t>
+            </a:r>
+            <a:r>
+              <a:rPr lang="de-DE" dirty="0" err="1"/>
+              <a:t>sqlite</a:t>
+            </a:r>
+            <a:r>
+              <a:rPr lang="de-DE" dirty="0"/>
+              <a:t>/</a:t>
+            </a:r>
+            <a:r>
+              <a:rPr lang="de-DE" dirty="0" err="1"/>
+              <a:t>database.sqlite</a:t>
+            </a:r>
+            <a:r>
+              <a:rPr lang="de-DE" dirty="0"/>
+              <a:t> /</a:t>
+            </a:r>
+            <a:r>
+              <a:rPr lang="de-DE" dirty="0" err="1" smtClean="0"/>
+              <a:t>home</a:t>
+            </a:r>
+            <a:r>
+              <a:rPr lang="de-DE" dirty="0" smtClean="0"/>
+              <a:t>/</a:t>
+            </a:r>
+            <a:r>
+              <a:rPr lang="de-DE" dirty="0" err="1" smtClean="0"/>
+              <a:t>pi</a:t>
+            </a:r>
+            <a:r>
+              <a:rPr lang="de-DE" dirty="0" smtClean="0"/>
+              <a:t>/</a:t>
+            </a:r>
+            <a:r>
+              <a:rPr lang="de-DE" dirty="0" err="1" smtClean="0"/>
+              <a:t>Tally</a:t>
+            </a:r>
+            <a:r>
+              <a:rPr lang="de-DE" dirty="0" smtClean="0"/>
+              <a:t>/</a:t>
+            </a:r>
+            <a:r>
+              <a:rPr lang="de-DE" dirty="0" err="1" smtClean="0"/>
+              <a:t>sicherung</a:t>
+            </a:r>
+            <a:endParaRPr lang="de-DE" dirty="0" smtClean="0"/>
+          </a:p>
+          <a:p>
+            <a:pPr lvl="1"/>
+            <a:r>
+              <a:rPr lang="de-DE" dirty="0" smtClean="0"/>
+              <a:t>Emails per „sendemail“ und </a:t>
+            </a:r>
+            <a:r>
+              <a:rPr lang="de-DE" dirty="0" err="1" smtClean="0"/>
+              <a:t>Perls</a:t>
+            </a:r>
+            <a:r>
+              <a:rPr lang="de-DE" dirty="0" smtClean="0"/>
+              <a:t> Skripts zur TLS </a:t>
+            </a:r>
+            <a:r>
+              <a:rPr lang="de-DE" dirty="0" err="1" smtClean="0"/>
+              <a:t>Autentifizierung</a:t>
+            </a:r>
+            <a:r>
+              <a:rPr lang="de-DE" sz="1600" dirty="0" smtClean="0"/>
+              <a:t>	</a:t>
+            </a:r>
+          </a:p>
+        </p:txBody>
+      </p:sp>
+    </p:spTree>
+    <p:extLst>
+      <p:ext uri="{BB962C8B-B14F-4D97-AF65-F5344CB8AC3E}">
+        <p14:creationId xmlns:p14="http://schemas.microsoft.com/office/powerpoint/2010/main" val="1383918532"/>
+      </p:ext>
+    </p:extLst>
+  </p:cSld>
+  <p:clrMapOvr>
+    <a:masterClrMapping/>
+  </p:clrMapOvr>
+  <p:transition>
+    <p:dissolve/>
+  </p:transition>
+  <p:timing>
+    <p:tnLst>
+      <p:par>
+        <p:cTn id="1" dur="indefinite" restart="never" nodeType="tmRoot"/>
+      </p:par>
+    </p:tnLst>
+  </p:timing>
+</p:sld>
+</file>
+
+<file path=ppt/slides/slide12.xml><?xml version="1.0" encoding="utf-8"?>
+<p:sld xmlns:a="http://schemas.openxmlformats.org/drawingml/2006/main" xmlns:r="http://schemas.openxmlformats.org/officeDocument/2006/relationships" xmlns:p="http://schemas.openxmlformats.org/presentationml/2006/main">
+  <p:cSld>
+    <p:spTree>
+      <p:nvGrpSpPr>
+        <p:cNvPr id="1" name=""/>
+        <p:cNvGrpSpPr/>
+        <p:nvPr/>
+      </p:nvGrpSpPr>
+      <p:grpSpPr>
+        <a:xfrm>
+          <a:off x="0" y="0"/>
+          <a:ext cx="0" cy="0"/>
+          <a:chOff x="0" y="0"/>
+          <a:chExt cx="0" cy="0"/>
+        </a:xfrm>
+      </p:grpSpPr>
+      <p:sp>
+        <p:nvSpPr>
+          <p:cNvPr id="2" name="Titel 1"/>
+          <p:cNvSpPr>
+            <a:spLocks noGrp="1"/>
+          </p:cNvSpPr>
+          <p:nvPr>
+            <p:ph type="title"/>
+          </p:nvPr>
+        </p:nvSpPr>
+        <p:spPr>
+          <a:xfrm>
             <a:off x="457200" y="1206243"/>
             <a:ext cx="8229600" cy="1143000"/>
           </a:xfrm>
@@ -4179,11 +4563,7 @@
             </a:r>
             <a:r>
               <a:rPr lang="de-DE" sz="3600" dirty="0" smtClean="0"/>
-              <a:t> Pi </a:t>
-            </a:r>
-            <a:r>
-              <a:rPr lang="de-DE" sz="3600" dirty="0" smtClean="0"/>
-              <a:t>2</a:t>
+              <a:t> Pi 2</a:t>
             </a:r>
             <a:r>
               <a:rPr lang="de-DE" sz="3600" dirty="0"/>
@@ -4225,6 +4605,33 @@
           <a:lstStyle/>
           <a:p>
             <a:pPr lvl="1"/>
+            <a:r>
+              <a:rPr lang="de-DE" dirty="0" smtClean="0"/>
+              <a:t>Autostart zunächst über Skript das in </a:t>
+            </a:r>
+            <a:r>
+              <a:rPr lang="de-DE" dirty="0" err="1" smtClean="0"/>
+              <a:t>cron</a:t>
+            </a:r>
+            <a:r>
+              <a:rPr lang="de-DE" dirty="0" smtClean="0"/>
+              <a:t> nach dem </a:t>
+            </a:r>
+            <a:r>
+              <a:rPr lang="de-DE" dirty="0" err="1" smtClean="0"/>
+              <a:t>reboot</a:t>
+            </a:r>
+            <a:r>
+              <a:rPr lang="de-DE" dirty="0" smtClean="0"/>
+              <a:t> geladen wird</a:t>
+            </a:r>
+          </a:p>
+          <a:p>
+            <a:pPr lvl="2"/>
+            <a:r>
+              <a:rPr lang="de-DE" dirty="0" smtClean="0"/>
+              <a:t>Nur geeignet für nicht GUI Programme</a:t>
+            </a:r>
             <a:endParaRPr lang="de-DE" dirty="0" smtClean="0"/>
           </a:p>
         </p:txBody>
@@ -4249,6 +4656,39 @@
           <a:bodyPr/>
           <a:lstStyle/>
           <a:p>
+            <a:pPr lvl="1"/>
+            <a:r>
+              <a:rPr lang="de-DE" dirty="0" smtClean="0"/>
+              <a:t>Autostart über Skript in /</a:t>
+            </a:r>
+            <a:r>
+              <a:rPr lang="de-DE" dirty="0" err="1" smtClean="0"/>
+              <a:t>etc</a:t>
+            </a:r>
+            <a:r>
+              <a:rPr lang="de-DE" dirty="0" smtClean="0"/>
+              <a:t>/</a:t>
+            </a:r>
+            <a:r>
+              <a:rPr lang="de-DE" dirty="0" err="1" smtClean="0"/>
+              <a:t>xdg</a:t>
+            </a:r>
+            <a:r>
+              <a:rPr lang="de-DE" dirty="0" smtClean="0"/>
+              <a:t>/</a:t>
+            </a:r>
+            <a:r>
+              <a:rPr lang="de-DE" dirty="0" err="1" smtClean="0"/>
+              <a:t>autostart</a:t>
+            </a:r>
+            <a:endParaRPr lang="de-DE" dirty="0" smtClean="0"/>
+          </a:p>
+          <a:p>
+            <a:pPr lvl="2"/>
+            <a:r>
+              <a:rPr lang="de-DE" dirty="0" smtClean="0"/>
+              <a:t>Autostart wie bei Windows</a:t>
+            </a:r>
             <a:endParaRPr lang="de-DE" dirty="0"/>
           </a:p>
         </p:txBody>
@@ -4257,6 +4697,477 @@
     <p:extLst>
       <p:ext uri="{BB962C8B-B14F-4D97-AF65-F5344CB8AC3E}">
         <p14:creationId xmlns:p14="http://schemas.microsoft.com/office/powerpoint/2010/main" val="176377381"/>
+      </p:ext>
+    </p:extLst>
+  </p:cSld>
+  <p:clrMapOvr>
+    <a:masterClrMapping/>
+  </p:clrMapOvr>
+  <p:transition>
+    <p:dissolve/>
+  </p:transition>
+  <p:timing>
+    <p:tnLst>
+      <p:par>
+        <p:cTn id="1" dur="indefinite" restart="never" nodeType="tmRoot"/>
+      </p:par>
+    </p:tnLst>
+  </p:timing>
+</p:sld>
+</file>
+
+<file path=ppt/slides/slide13.xml><?xml version="1.0" encoding="utf-8"?>
+<p:sld xmlns:a="http://schemas.openxmlformats.org/drawingml/2006/main" xmlns:r="http://schemas.openxmlformats.org/officeDocument/2006/relationships" xmlns:p="http://schemas.openxmlformats.org/presentationml/2006/main">
+  <p:cSld>
+    <p:spTree>
+      <p:nvGrpSpPr>
+        <p:cNvPr id="1" name=""/>
+        <p:cNvGrpSpPr/>
+        <p:nvPr/>
+      </p:nvGrpSpPr>
+      <p:grpSpPr>
+        <a:xfrm>
+          <a:off x="0" y="0"/>
+          <a:ext cx="0" cy="0"/>
+          <a:chOff x="0" y="0"/>
+          <a:chExt cx="0" cy="0"/>
+        </a:xfrm>
+      </p:grpSpPr>
+      <p:sp>
+        <p:nvSpPr>
+          <p:cNvPr id="2" name="Titel 1"/>
+          <p:cNvSpPr>
+            <a:spLocks noGrp="1"/>
+          </p:cNvSpPr>
+          <p:nvPr>
+            <p:ph type="title"/>
+          </p:nvPr>
+        </p:nvSpPr>
+        <p:spPr>
+          <a:xfrm>
+            <a:off x="457200" y="1206243"/>
+            <a:ext cx="8229600" cy="1143000"/>
+          </a:xfrm>
+        </p:spPr>
+        <p:txBody>
+          <a:bodyPr/>
+          <a:lstStyle/>
+          <a:p>
+            <a:pPr algn="l"/>
+            <a:r>
+              <a:rPr lang="de-DE" sz="3600" dirty="0" smtClean="0"/>
+              <a:t>Der </a:t>
+            </a:r>
+            <a:r>
+              <a:rPr lang="de-DE" sz="3600" dirty="0" err="1" smtClean="0"/>
+              <a:t>Raspberry</a:t>
+            </a:r>
+            <a:r>
+              <a:rPr lang="de-DE" sz="3600" dirty="0" smtClean="0"/>
+              <a:t> Pi 2</a:t>
+            </a:r>
+            <a:r>
+              <a:rPr lang="de-DE" sz="3600" dirty="0"/>
+              <a:t/>
+            </a:r>
+            <a:br>
+              <a:rPr lang="de-DE" sz="3600" dirty="0"/>
+            </a:br>
+            <a:r>
+              <a:rPr lang="de-DE" sz="3200" dirty="0" smtClean="0"/>
+              <a:t>Autostart von </a:t>
+            </a:r>
+            <a:r>
+              <a:rPr lang="de-DE" sz="3200" dirty="0" err="1" smtClean="0"/>
+              <a:t>Tally</a:t>
+            </a:r>
+            <a:endParaRPr lang="de-DE" sz="3200" dirty="0"/>
+          </a:p>
+        </p:txBody>
+      </p:sp>
+      <p:sp>
+        <p:nvSpPr>
+          <p:cNvPr id="4" name="Inhaltsplatzhalter 3"/>
+          <p:cNvSpPr>
+            <a:spLocks noGrp="1"/>
+          </p:cNvSpPr>
+          <p:nvPr>
+            <p:ph sz="half" idx="1"/>
+          </p:nvPr>
+        </p:nvSpPr>
+        <p:spPr>
+          <a:xfrm>
+            <a:off x="457200" y="2438400"/>
+            <a:ext cx="8229600" cy="3687763"/>
+          </a:xfrm>
+        </p:spPr>
+        <p:txBody>
+          <a:bodyPr/>
+          <a:lstStyle/>
+          <a:p>
+            <a:pPr marL="0" indent="0">
+              <a:buNone/>
+            </a:pPr>
+            <a:r>
+              <a:rPr lang="de-DE" sz="1800" dirty="0" smtClean="0"/>
+              <a:t>[Desktop Entry]</a:t>
+            </a:r>
+          </a:p>
+          <a:p>
+            <a:pPr marL="0" indent="0">
+              <a:buNone/>
+            </a:pPr>
+            <a:r>
+              <a:rPr lang="de-DE" sz="1800" dirty="0" smtClean="0"/>
+              <a:t>Name=</a:t>
+            </a:r>
+            <a:r>
+              <a:rPr lang="de-DE" sz="1800" dirty="0" err="1" smtClean="0"/>
+              <a:t>NamedesProgramm</a:t>
+            </a:r>
+            <a:endParaRPr lang="de-DE" sz="1800" dirty="0"/>
+          </a:p>
+          <a:p>
+            <a:pPr marL="0" indent="0">
+              <a:buNone/>
+            </a:pPr>
+            <a:r>
+              <a:rPr lang="de-DE" sz="1800" dirty="0" smtClean="0"/>
+              <a:t>Comment</a:t>
+            </a:r>
+            <a:r>
+              <a:rPr lang="de-DE" sz="1800" dirty="0"/>
+              <a:t>=</a:t>
+            </a:r>
+          </a:p>
+          <a:p>
+            <a:pPr marL="0" indent="0">
+              <a:buNone/>
+            </a:pPr>
+            <a:r>
+              <a:rPr lang="de-DE" sz="1800" dirty="0" err="1" smtClean="0"/>
+              <a:t>Exec</a:t>
+            </a:r>
+            <a:r>
+              <a:rPr lang="de-DE" sz="1800" dirty="0" smtClean="0"/>
+              <a:t>=</a:t>
+            </a:r>
+            <a:r>
+              <a:rPr lang="de-DE" sz="1800" dirty="0" err="1" smtClean="0"/>
+              <a:t>PfaddesProgramm</a:t>
+            </a:r>
+            <a:r>
+              <a:rPr lang="de-DE" sz="1800" dirty="0" smtClean="0"/>
+              <a:t> </a:t>
+            </a:r>
+            <a:r>
+              <a:rPr lang="de-DE" sz="1800" dirty="0"/>
+              <a:t>-</a:t>
+            </a:r>
+            <a:r>
+              <a:rPr lang="de-DE" sz="1800" dirty="0" err="1"/>
+              <a:t>forever</a:t>
+            </a:r>
+            <a:r>
+              <a:rPr lang="de-DE" sz="1800" dirty="0"/>
+              <a:t> -</a:t>
+            </a:r>
+            <a:r>
+              <a:rPr lang="de-DE" sz="1800" dirty="0" err="1"/>
+              <a:t>rfbport</a:t>
+            </a:r>
+            <a:r>
+              <a:rPr lang="de-DE" sz="1800" dirty="0"/>
+              <a:t> 5900 -</a:t>
+            </a:r>
+            <a:r>
+              <a:rPr lang="de-DE" sz="1800" dirty="0" err="1"/>
+              <a:t>rfbauth</a:t>
+            </a:r>
+            <a:r>
+              <a:rPr lang="de-DE" sz="1800" dirty="0"/>
+              <a:t> ~/.</a:t>
+            </a:r>
+            <a:r>
+              <a:rPr lang="de-DE" sz="1800" dirty="0" err="1"/>
+              <a:t>vnc</a:t>
+            </a:r>
+            <a:r>
+              <a:rPr lang="de-DE" sz="1800" dirty="0"/>
+              <a:t>/x11vnc.</a:t>
+            </a:r>
+          </a:p>
+          <a:p>
+            <a:pPr marL="0" indent="0">
+              <a:buNone/>
+            </a:pPr>
+            <a:r>
+              <a:rPr lang="de-DE" sz="1800" dirty="0" smtClean="0"/>
+              <a:t>		pass </a:t>
+            </a:r>
+            <a:r>
+              <a:rPr lang="de-DE" sz="1800" dirty="0"/>
+              <a:t>-o ~/.</a:t>
+            </a:r>
+            <a:r>
+              <a:rPr lang="de-DE" sz="1800" dirty="0" err="1"/>
+              <a:t>vnc</a:t>
+            </a:r>
+            <a:r>
+              <a:rPr lang="de-DE" sz="1800" dirty="0"/>
+              <a:t>/x11vnc.log -display :0</a:t>
+            </a:r>
+          </a:p>
+          <a:p>
+            <a:pPr marL="0" indent="0">
+              <a:buNone/>
+            </a:pPr>
+            <a:r>
+              <a:rPr lang="de-DE" sz="1800" dirty="0" smtClean="0"/>
+              <a:t>Terminal=</a:t>
+            </a:r>
+            <a:r>
+              <a:rPr lang="de-DE" sz="1800" dirty="0" err="1" smtClean="0"/>
+              <a:t>false</a:t>
+            </a:r>
+            <a:endParaRPr lang="de-DE" sz="1800" dirty="0"/>
+          </a:p>
+          <a:p>
+            <a:pPr marL="0" indent="0">
+              <a:buNone/>
+            </a:pPr>
+            <a:r>
+              <a:rPr lang="de-DE" sz="1800" dirty="0" smtClean="0"/>
+              <a:t>Type=</a:t>
+            </a:r>
+            <a:r>
+              <a:rPr lang="de-DE" sz="1800" dirty="0" err="1" smtClean="0"/>
+              <a:t>Application</a:t>
+            </a:r>
+            <a:endParaRPr lang="de-DE" sz="1800" dirty="0" smtClean="0"/>
+          </a:p>
+        </p:txBody>
+      </p:sp>
+    </p:spTree>
+    <p:extLst>
+      <p:ext uri="{BB962C8B-B14F-4D97-AF65-F5344CB8AC3E}">
+        <p14:creationId xmlns:p14="http://schemas.microsoft.com/office/powerpoint/2010/main" val="2437631435"/>
+      </p:ext>
+    </p:extLst>
+  </p:cSld>
+  <p:clrMapOvr>
+    <a:masterClrMapping/>
+  </p:clrMapOvr>
+  <p:transition>
+    <p:dissolve/>
+  </p:transition>
+  <p:timing>
+    <p:tnLst>
+      <p:par>
+        <p:cTn id="1" dur="indefinite" restart="never" nodeType="tmRoot"/>
+      </p:par>
+    </p:tnLst>
+  </p:timing>
+</p:sld>
+</file>
+
+<file path=ppt/slides/slide14.xml><?xml version="1.0" encoding="utf-8"?>
+<p:sld xmlns:a="http://schemas.openxmlformats.org/drawingml/2006/main" xmlns:r="http://schemas.openxmlformats.org/officeDocument/2006/relationships" xmlns:p="http://schemas.openxmlformats.org/presentationml/2006/main">
+  <p:cSld>
+    <p:spTree>
+      <p:nvGrpSpPr>
+        <p:cNvPr id="1" name=""/>
+        <p:cNvGrpSpPr/>
+        <p:nvPr/>
+      </p:nvGrpSpPr>
+      <p:grpSpPr>
+        <a:xfrm>
+          <a:off x="0" y="0"/>
+          <a:ext cx="0" cy="0"/>
+          <a:chOff x="0" y="0"/>
+          <a:chExt cx="0" cy="0"/>
+        </a:xfrm>
+      </p:grpSpPr>
+      <p:sp>
+        <p:nvSpPr>
+          <p:cNvPr id="4109" name="Text Box 13"/>
+          <p:cNvSpPr txBox="1">
+            <a:spLocks noChangeArrowheads="1"/>
+          </p:cNvSpPr>
+          <p:nvPr/>
+        </p:nvSpPr>
+        <p:spPr bwMode="auto">
+          <a:xfrm>
+            <a:off x="1600200" y="1600200"/>
+            <a:ext cx="6781800" cy="457200"/>
+          </a:xfrm>
+          <a:prstGeom prst="rect">
+            <a:avLst/>
+          </a:prstGeom>
+          <a:noFill/>
+          <a:ln>
+            <a:noFill/>
+          </a:ln>
+          <a:effectLst/>
+          <a:extLst>
+            <a:ext uri="{909E8E84-426E-40dd-AFC4-6F175D3DCCD1}">
+              <a14:hiddenFill xmlns:a14="http://schemas.microsoft.com/office/drawing/2010/main" xmlns="">
+                <a:solidFill>
+                  <a:schemeClr val="accent1"/>
+                </a:solidFill>
+              </a14:hiddenFill>
+            </a:ext>
+            <a:ext uri="{91240B29-F687-4f45-9708-019B960494DF}">
+              <a14:hiddenLine xmlns:a14="http://schemas.microsoft.com/office/drawing/2010/main" xmlns="" w="9525">
+                <a:solidFill>
+                  <a:schemeClr val="tx1"/>
+                </a:solidFill>
+                <a:miter lim="800000"/>
+                <a:headEnd/>
+                <a:tailEnd/>
+              </a14:hiddenLine>
+            </a:ext>
+            <a:ext uri="{AF507438-7753-43e0-B8FC-AC1667EBCBE1}">
+              <a14:hiddenEffects xmlns:a14="http://schemas.microsoft.com/office/drawing/2010/main" xmlns="">
+                <a:effectLst>
+                  <a:outerShdw blurRad="63500" dist="38099" dir="2700000" algn="ctr" rotWithShape="0">
+                    <a:schemeClr val="bg2">
+                      <a:alpha val="74998"/>
+                    </a:schemeClr>
+                  </a:outerShdw>
+                </a:effectLst>
+              </a14:hiddenEffects>
+            </a:ext>
+          </a:extLst>
+        </p:spPr>
+        <p:txBody>
+          <a:bodyPr>
+            <a:spAutoFit/>
+          </a:bodyPr>
+          <a:lstStyle/>
+          <a:p>
+            <a:pPr>
+              <a:spcBef>
+                <a:spcPct val="50000"/>
+              </a:spcBef>
+            </a:pPr>
+            <a:endParaRPr lang="de-DE">
+              <a:latin typeface="Times" charset="0"/>
+            </a:endParaRPr>
+          </a:p>
+        </p:txBody>
+      </p:sp>
+      <p:sp>
+        <p:nvSpPr>
+          <p:cNvPr id="4113" name="Text Box 17"/>
+          <p:cNvSpPr txBox="1">
+            <a:spLocks noChangeArrowheads="1"/>
+          </p:cNvSpPr>
+          <p:nvPr/>
+        </p:nvSpPr>
+        <p:spPr bwMode="auto">
+          <a:xfrm>
+            <a:off x="1" y="1473140"/>
+            <a:ext cx="9144000" cy="584775"/>
+          </a:xfrm>
+          <a:prstGeom prst="rect">
+            <a:avLst/>
+          </a:prstGeom>
+          <a:noFill/>
+          <a:ln>
+            <a:noFill/>
+          </a:ln>
+          <a:effectLst/>
+          <a:extLst>
+            <a:ext uri="{909E8E84-426E-40dd-AFC4-6F175D3DCCD1}">
+              <a14:hiddenFill xmlns:a14="http://schemas.microsoft.com/office/drawing/2010/main" xmlns="">
+                <a:solidFill>
+                  <a:schemeClr val="accent1"/>
+                </a:solidFill>
+              </a14:hiddenFill>
+            </a:ext>
+            <a:ext uri="{91240B29-F687-4f45-9708-019B960494DF}">
+              <a14:hiddenLine xmlns:a14="http://schemas.microsoft.com/office/drawing/2010/main" xmlns="" w="9525">
+                <a:solidFill>
+                  <a:schemeClr val="tx1"/>
+                </a:solidFill>
+                <a:miter lim="800000"/>
+                <a:headEnd/>
+                <a:tailEnd/>
+              </a14:hiddenLine>
+            </a:ext>
+            <a:ext uri="{AF507438-7753-43e0-B8FC-AC1667EBCBE1}">
+              <a14:hiddenEffects xmlns:a14="http://schemas.microsoft.com/office/drawing/2010/main" xmlns="">
+                <a:effectLst>
+                  <a:outerShdw blurRad="63500" dist="38099" dir="2700000" algn="ctr" rotWithShape="0">
+                    <a:schemeClr val="bg2">
+                      <a:alpha val="74998"/>
+                    </a:schemeClr>
+                  </a:outerShdw>
+                </a:effectLst>
+              </a14:hiddenEffects>
+            </a:ext>
+          </a:extLst>
+        </p:spPr>
+        <p:txBody>
+          <a:bodyPr wrap="square">
+            <a:spAutoFit/>
+          </a:bodyPr>
+          <a:lstStyle/>
+          <a:p>
+            <a:pPr algn="ctr"/>
+            <a:r>
+              <a:rPr lang="de-DE" sz="3200" b="1" dirty="0" smtClean="0">
+                <a:solidFill>
+                  <a:srgbClr val="001F5B"/>
+                </a:solidFill>
+                <a:latin typeface="ArialBold" charset="0"/>
+              </a:rPr>
+              <a:t>Die Gliederung</a:t>
+            </a:r>
+            <a:endParaRPr lang="de-DE" sz="3200" dirty="0">
+              <a:solidFill>
+                <a:srgbClr val="002664"/>
+              </a:solidFill>
+              <a:latin typeface="ArialBold" charset="0"/>
+            </a:endParaRPr>
+          </a:p>
+        </p:txBody>
+      </p:sp>
+      <p:pic>
+        <p:nvPicPr>
+          <p:cNvPr id="2" name="Grafik 1"/>
+          <p:cNvPicPr>
+            <a:picLocks noChangeAspect="1"/>
+          </p:cNvPicPr>
+          <p:nvPr/>
+        </p:nvPicPr>
+        <p:blipFill>
+          <a:blip r:embed="rId3">
+            <a:extLst>
+              <a:ext uri="{28A0092B-C50C-407E-A947-70E740481C1C}">
+                <a14:useLocalDpi xmlns:a14="http://schemas.microsoft.com/office/drawing/2010/main" val="0"/>
+              </a:ext>
+            </a:extLst>
+          </a:blip>
+          <a:stretch>
+            <a:fillRect/>
+          </a:stretch>
+        </p:blipFill>
+        <p:spPr>
+          <a:xfrm>
+            <a:off x="0" y="2184460"/>
+            <a:ext cx="9144000" cy="4204511"/>
+          </a:xfrm>
+          <a:prstGeom prst="rect">
+            <a:avLst/>
+          </a:prstGeom>
+        </p:spPr>
+      </p:pic>
+    </p:spTree>
+    <p:extLst>
+      <p:ext uri="{BB962C8B-B14F-4D97-AF65-F5344CB8AC3E}">
+        <p14:creationId xmlns:p14="http://schemas.microsoft.com/office/powerpoint/2010/main" val="1415780126"/>
       </p:ext>
     </p:extLst>
   </p:cSld>
@@ -4316,14 +5227,14 @@
           <a:effectLst/>
           <a:extLst>
             <a:ext uri="{909E8E84-426E-40dd-AFC4-6F175D3DCCD1}">
-              <a14:hiddenFill xmlns="" xmlns:a14="http://schemas.microsoft.com/office/drawing/2010/main">
+              <a14:hiddenFill xmlns:a14="http://schemas.microsoft.com/office/drawing/2010/main" xmlns="">
                 <a:solidFill>
                   <a:schemeClr val="accent1"/>
                 </a:solidFill>
               </a14:hiddenFill>
             </a:ext>
             <a:ext uri="{91240B29-F687-4f45-9708-019B960494DF}">
-              <a14:hiddenLine xmlns="" xmlns:a14="http://schemas.microsoft.com/office/drawing/2010/main" w="9525">
+              <a14:hiddenLine xmlns:a14="http://schemas.microsoft.com/office/drawing/2010/main" xmlns="" w="9525">
                 <a:solidFill>
                   <a:schemeClr val="tx1"/>
                 </a:solidFill>
@@ -4333,7 +5244,7 @@
               </a14:hiddenLine>
             </a:ext>
             <a:ext uri="{AF507438-7753-43e0-B8FC-AC1667EBCBE1}">
-              <a14:hiddenEffects xmlns="" xmlns:a14="http://schemas.microsoft.com/office/drawing/2010/main">
+              <a14:hiddenEffects xmlns:a14="http://schemas.microsoft.com/office/drawing/2010/main" xmlns="">
                 <a:effectLst>
                   <a:outerShdw blurRad="63500" dist="38099" dir="2700000" algn="ctr" rotWithShape="0">
                     <a:schemeClr val="bg2">
@@ -4385,14 +5296,14 @@
           <a:effectLst/>
           <a:extLst>
             <a:ext uri="{909E8E84-426E-40dd-AFC4-6F175D3DCCD1}">
-              <a14:hiddenFill xmlns="" xmlns:a14="http://schemas.microsoft.com/office/drawing/2010/main">
+              <a14:hiddenFill xmlns:a14="http://schemas.microsoft.com/office/drawing/2010/main" xmlns="">
                 <a:solidFill>
                   <a:schemeClr val="accent1"/>
                 </a:solidFill>
               </a14:hiddenFill>
             </a:ext>
             <a:ext uri="{91240B29-F687-4f45-9708-019B960494DF}">
-              <a14:hiddenLine xmlns="" xmlns:a14="http://schemas.microsoft.com/office/drawing/2010/main" w="9525">
+              <a14:hiddenLine xmlns:a14="http://schemas.microsoft.com/office/drawing/2010/main" xmlns="" w="9525">
                 <a:solidFill>
                   <a:schemeClr val="tx1"/>
                 </a:solidFill>
@@ -4402,7 +5313,7 @@
               </a14:hiddenLine>
             </a:ext>
             <a:ext uri="{AF507438-7753-43e0-B8FC-AC1667EBCBE1}">
-              <a14:hiddenEffects xmlns="" xmlns:a14="http://schemas.microsoft.com/office/drawing/2010/main">
+              <a14:hiddenEffects xmlns:a14="http://schemas.microsoft.com/office/drawing/2010/main" xmlns="">
                 <a:effectLst>
                   <a:outerShdw blurRad="63500" dist="38099" dir="2700000" algn="ctr" rotWithShape="0">
                     <a:schemeClr val="bg2">
@@ -4535,11 +5446,7 @@
             </a:r>
             <a:r>
               <a:rPr lang="de-DE" sz="3600" dirty="0" smtClean="0"/>
-              <a:t> Pi </a:t>
-            </a:r>
-            <a:r>
-              <a:rPr lang="de-DE" sz="3600" dirty="0" smtClean="0"/>
-              <a:t>2</a:t>
+              <a:t> Pi 2</a:t>
             </a:r>
             <a:r>
               <a:rPr lang="de-DE" sz="3600" dirty="0"/>
@@ -4701,11 +5608,7 @@
             </a:r>
             <a:r>
               <a:rPr lang="de-DE" sz="3600" dirty="0" smtClean="0"/>
-              <a:t> Pi </a:t>
-            </a:r>
-            <a:r>
-              <a:rPr lang="de-DE" sz="3600" dirty="0" smtClean="0"/>
-              <a:t>2</a:t>
+              <a:t> Pi 2</a:t>
             </a:r>
             <a:r>
               <a:rPr lang="de-DE" sz="3600" dirty="0"/>
@@ -4930,11 +5833,7 @@
             </a:r>
             <a:r>
               <a:rPr lang="de-DE" sz="3600" dirty="0" smtClean="0"/>
-              <a:t> Pi </a:t>
-            </a:r>
-            <a:r>
-              <a:rPr lang="de-DE" sz="3600" dirty="0" smtClean="0"/>
-              <a:t>2</a:t>
+              <a:t> Pi 2</a:t>
             </a:r>
             <a:r>
               <a:rPr lang="de-DE" sz="3600" dirty="0"/>
@@ -4945,7 +5844,7 @@
             </a:br>
             <a:r>
               <a:rPr lang="de-DE" sz="3200" dirty="0" smtClean="0"/>
-              <a:t>Remote Desktop</a:t>
+              <a:t>Der Webserver</a:t>
             </a:r>
             <a:endParaRPr lang="de-DE" sz="3200" dirty="0"/>
           </a:p>
@@ -4972,38 +5871,83 @@
           <a:lstStyle/>
           <a:p>
             <a:pPr lvl="1"/>
+            <a:r>
+              <a:rPr lang="de-DE" dirty="0" smtClean="0"/>
+              <a:t>Apache 2 Server</a:t>
+            </a:r>
+          </a:p>
+          <a:p>
+            <a:pPr lvl="2"/>
+            <a:r>
+              <a:rPr lang="de-DE" dirty="0" err="1" smtClean="0"/>
+              <a:t>Meistgnutzter</a:t>
+            </a:r>
+            <a:r>
+              <a:rPr lang="de-DE" dirty="0" smtClean="0"/>
+              <a:t> Webserver</a:t>
+            </a:r>
+          </a:p>
+          <a:p>
+            <a:pPr lvl="2"/>
+            <a:r>
+              <a:rPr lang="de-DE" dirty="0" smtClean="0"/>
+              <a:t>Hohe Stabilität und Geschwindigkeit</a:t>
+            </a:r>
+          </a:p>
+          <a:p>
+            <a:pPr lvl="2"/>
+            <a:r>
+              <a:rPr lang="de-DE" dirty="0" smtClean="0"/>
+              <a:t>Unterstützt PHP MySQL/ </a:t>
+            </a:r>
+            <a:r>
+              <a:rPr lang="de-DE" dirty="0" err="1" smtClean="0"/>
+              <a:t>SQLite</a:t>
+            </a:r>
+            <a:r>
+              <a:rPr lang="de-DE" dirty="0" smtClean="0"/>
+              <a:t> </a:t>
+            </a:r>
+          </a:p>
+          <a:p>
+            <a:pPr lvl="2"/>
             <a:endParaRPr lang="de-DE" dirty="0" smtClean="0"/>
           </a:p>
         </p:txBody>
       </p:sp>
-      <p:sp>
-        <p:nvSpPr>
-          <p:cNvPr id="6" name="Inhaltsplatzhalter 5"/>
-          <p:cNvSpPr>
-            <a:spLocks noGrp="1"/>
-          </p:cNvSpPr>
+      <p:pic>
+        <p:nvPicPr>
+          <p:cNvPr id="7" name="Inhaltsplatzhalter 6"/>
+          <p:cNvPicPr>
+            <a:picLocks noGrp="1" noChangeAspect="1"/>
+          </p:cNvPicPr>
           <p:nvPr>
             <p:ph sz="half" idx="2"/>
           </p:nvPr>
-        </p:nvSpPr>
+        </p:nvPicPr>
+        <p:blipFill>
+          <a:blip r:embed="rId2">
+            <a:extLst>
+              <a:ext uri="{28A0092B-C50C-407E-A947-70E740481C1C}">
+                <a14:useLocalDpi xmlns:a14="http://schemas.microsoft.com/office/drawing/2010/main" val="0"/>
+              </a:ext>
+            </a:extLst>
+          </a:blip>
+          <a:stretch>
+            <a:fillRect/>
+          </a:stretch>
+        </p:blipFill>
         <p:spPr>
           <a:xfrm>
-            <a:off x="4648200" y="2438400"/>
-            <a:ext cx="4038600" cy="3687763"/>
+            <a:off x="4648200" y="2728090"/>
+            <a:ext cx="4038600" cy="2270182"/>
           </a:xfrm>
         </p:spPr>
-        <p:txBody>
-          <a:bodyPr/>
-          <a:lstStyle/>
-          <a:p>
-            <a:endParaRPr lang="de-DE" dirty="0"/>
-          </a:p>
-        </p:txBody>
-      </p:sp>
+      </p:pic>
     </p:spTree>
     <p:extLst>
       <p:ext uri="{BB962C8B-B14F-4D97-AF65-F5344CB8AC3E}">
-        <p14:creationId xmlns:p14="http://schemas.microsoft.com/office/powerpoint/2010/main" val="3245234187"/>
+        <p14:creationId xmlns:p14="http://schemas.microsoft.com/office/powerpoint/2010/main" val="1461945958"/>
       </p:ext>
     </p:extLst>
   </p:cSld>
@@ -5071,11 +6015,7 @@
             </a:r>
             <a:r>
               <a:rPr lang="de-DE" sz="3600" dirty="0" smtClean="0"/>
-              <a:t> Pi </a:t>
-            </a:r>
-            <a:r>
-              <a:rPr lang="de-DE" sz="3600" dirty="0" smtClean="0"/>
-              <a:t>2</a:t>
+              <a:t> Pi 2</a:t>
             </a:r>
             <a:r>
               <a:rPr lang="de-DE" sz="3600" dirty="0"/>
@@ -5086,7 +6026,7 @@
             </a:br>
             <a:r>
               <a:rPr lang="de-DE" sz="3200" dirty="0" smtClean="0"/>
-              <a:t>Der Webserver</a:t>
+              <a:t>Der passende Touchscreen</a:t>
             </a:r>
             <a:endParaRPr lang="de-DE" sz="3200" dirty="0"/>
           </a:p>
@@ -5113,38 +6053,83 @@
           <a:lstStyle/>
           <a:p>
             <a:pPr lvl="1"/>
+            <a:r>
+              <a:rPr lang="de-DE" dirty="0" smtClean="0"/>
+              <a:t>C-Berry Touch</a:t>
+            </a:r>
+          </a:p>
+          <a:p>
+            <a:pPr lvl="2"/>
+            <a:r>
+              <a:rPr lang="de-DE" dirty="0" smtClean="0"/>
+              <a:t>3,5 Zoll</a:t>
+            </a:r>
+          </a:p>
+          <a:p>
+            <a:pPr lvl="2"/>
+            <a:r>
+              <a:rPr lang="de-DE" dirty="0" smtClean="0"/>
+              <a:t>Auflösung: 320x240</a:t>
+            </a:r>
+          </a:p>
+          <a:p>
+            <a:pPr lvl="2"/>
+            <a:r>
+              <a:rPr lang="de-DE" dirty="0" smtClean="0"/>
+              <a:t>Displaymodul das an den </a:t>
+            </a:r>
+            <a:r>
+              <a:rPr lang="de-DE" dirty="0" err="1" smtClean="0"/>
+              <a:t>Raspberry</a:t>
+            </a:r>
+            <a:r>
+              <a:rPr lang="de-DE" dirty="0" smtClean="0"/>
+              <a:t> angeschlossen</a:t>
+            </a:r>
+          </a:p>
+          <a:p>
+            <a:pPr lvl="2"/>
+            <a:r>
+              <a:rPr lang="de-DE" dirty="0" smtClean="0"/>
+              <a:t>LED Hintergrundbeleuchtung</a:t>
+            </a:r>
             <a:endParaRPr lang="de-DE" dirty="0" smtClean="0"/>
           </a:p>
         </p:txBody>
       </p:sp>
-      <p:sp>
-        <p:nvSpPr>
-          <p:cNvPr id="6" name="Inhaltsplatzhalter 5"/>
-          <p:cNvSpPr>
-            <a:spLocks noGrp="1"/>
-          </p:cNvSpPr>
+      <p:pic>
+        <p:nvPicPr>
+          <p:cNvPr id="3" name="Inhaltsplatzhalter 2"/>
+          <p:cNvPicPr>
+            <a:picLocks noGrp="1" noChangeAspect="1"/>
+          </p:cNvPicPr>
           <p:nvPr>
             <p:ph sz="half" idx="2"/>
           </p:nvPr>
-        </p:nvSpPr>
+        </p:nvPicPr>
+        <p:blipFill>
+          <a:blip r:embed="rId2">
+            <a:extLst>
+              <a:ext uri="{28A0092B-C50C-407E-A947-70E740481C1C}">
+                <a14:useLocalDpi xmlns:a14="http://schemas.microsoft.com/office/drawing/2010/main" val="0"/>
+              </a:ext>
+            </a:extLst>
+          </a:blip>
+          <a:stretch>
+            <a:fillRect/>
+          </a:stretch>
+        </p:blipFill>
         <p:spPr>
           <a:xfrm>
-            <a:off x="4648200" y="2438400"/>
-            <a:ext cx="4038600" cy="3687763"/>
+            <a:off x="4877989" y="2438400"/>
+            <a:ext cx="3579021" cy="3687763"/>
           </a:xfrm>
         </p:spPr>
-        <p:txBody>
-          <a:bodyPr/>
-          <a:lstStyle/>
-          <a:p>
-            <a:endParaRPr lang="de-DE" dirty="0"/>
-          </a:p>
-        </p:txBody>
-      </p:sp>
+      </p:pic>
     </p:spTree>
     <p:extLst>
       <p:ext uri="{BB962C8B-B14F-4D97-AF65-F5344CB8AC3E}">
-        <p14:creationId xmlns:p14="http://schemas.microsoft.com/office/powerpoint/2010/main" val="1461945958"/>
+        <p14:creationId xmlns:p14="http://schemas.microsoft.com/office/powerpoint/2010/main" val="2680953876"/>
       </p:ext>
     </p:extLst>
   </p:cSld>
@@ -5212,11 +6197,7 @@
             </a:r>
             <a:r>
               <a:rPr lang="de-DE" sz="3600" dirty="0" smtClean="0"/>
-              <a:t> Pi </a:t>
-            </a:r>
-            <a:r>
-              <a:rPr lang="de-DE" sz="3600" dirty="0" smtClean="0"/>
-              <a:t>2</a:t>
+              <a:t> Pi 2</a:t>
             </a:r>
             <a:r>
               <a:rPr lang="de-DE" sz="3600" dirty="0"/>
@@ -5254,38 +6235,94 @@
           <a:lstStyle/>
           <a:p>
             <a:pPr lvl="1"/>
+            <a:r>
+              <a:rPr lang="de-DE" dirty="0" smtClean="0"/>
+              <a:t>4DPi-35</a:t>
+            </a:r>
+          </a:p>
+          <a:p>
+            <a:pPr lvl="2"/>
+            <a:r>
+              <a:rPr lang="de-DE" dirty="0" smtClean="0"/>
+              <a:t>3,5 Zoll</a:t>
+            </a:r>
+          </a:p>
+          <a:p>
+            <a:pPr lvl="2"/>
+            <a:r>
+              <a:rPr lang="de-DE" dirty="0" smtClean="0"/>
+              <a:t>Auflösung 480x320</a:t>
+            </a:r>
+          </a:p>
+          <a:p>
+            <a:pPr lvl="2"/>
+            <a:r>
+              <a:rPr lang="de-DE" dirty="0" smtClean="0"/>
+              <a:t>Anschluss direkt über </a:t>
+            </a:r>
+            <a:r>
+              <a:rPr lang="de-DE" dirty="0" err="1" smtClean="0"/>
+              <a:t>GPIO‘s</a:t>
+            </a:r>
+            <a:endParaRPr lang="de-DE" dirty="0" smtClean="0"/>
+          </a:p>
+          <a:p>
+            <a:pPr lvl="2"/>
+            <a:r>
+              <a:rPr lang="de-DE" dirty="0" smtClean="0"/>
+              <a:t>Primäres Display</a:t>
+            </a:r>
+          </a:p>
+          <a:p>
+            <a:pPr lvl="2"/>
+            <a:r>
+              <a:rPr lang="de-DE" dirty="0" smtClean="0"/>
+              <a:t>Durchschnittlich 17 FPS</a:t>
+            </a:r>
+          </a:p>
+          <a:p>
+            <a:pPr lvl="2"/>
+            <a:r>
+              <a:rPr lang="de-DE" dirty="0" smtClean="0"/>
+              <a:t>Passender Kernel vom Hersteller</a:t>
+            </a:r>
             <a:endParaRPr lang="de-DE" dirty="0" smtClean="0"/>
           </a:p>
         </p:txBody>
       </p:sp>
-      <p:sp>
-        <p:nvSpPr>
-          <p:cNvPr id="6" name="Inhaltsplatzhalter 5"/>
-          <p:cNvSpPr>
-            <a:spLocks noGrp="1"/>
-          </p:cNvSpPr>
+      <p:pic>
+        <p:nvPicPr>
+          <p:cNvPr id="3" name="Inhaltsplatzhalter 2"/>
+          <p:cNvPicPr>
+            <a:picLocks noGrp="1" noChangeAspect="1"/>
+          </p:cNvPicPr>
           <p:nvPr>
             <p:ph sz="half" idx="2"/>
           </p:nvPr>
-        </p:nvSpPr>
+        </p:nvPicPr>
+        <p:blipFill>
+          <a:blip r:embed="rId2">
+            <a:extLst>
+              <a:ext uri="{28A0092B-C50C-407E-A947-70E740481C1C}">
+                <a14:useLocalDpi xmlns:a14="http://schemas.microsoft.com/office/drawing/2010/main" val="0"/>
+              </a:ext>
+            </a:extLst>
+          </a:blip>
+          <a:stretch>
+            <a:fillRect/>
+          </a:stretch>
+        </p:blipFill>
         <p:spPr>
           <a:xfrm>
-            <a:off x="4648200" y="2438400"/>
-            <a:ext cx="4038600" cy="3687763"/>
+            <a:off x="4724908" y="2902858"/>
+            <a:ext cx="4111117" cy="2744448"/>
           </a:xfrm>
         </p:spPr>
-        <p:txBody>
-          <a:bodyPr/>
-          <a:lstStyle/>
-          <a:p>
-            <a:endParaRPr lang="de-DE" dirty="0"/>
-          </a:p>
-        </p:txBody>
-      </p:sp>
+      </p:pic>
     </p:spTree>
     <p:extLst>
       <p:ext uri="{BB962C8B-B14F-4D97-AF65-F5344CB8AC3E}">
-        <p14:creationId xmlns:p14="http://schemas.microsoft.com/office/powerpoint/2010/main" val="2680953876"/>
+        <p14:creationId xmlns:p14="http://schemas.microsoft.com/office/powerpoint/2010/main" val="4216351868"/>
       </p:ext>
     </p:extLst>
   </p:cSld>
@@ -5353,11 +6390,7 @@
             </a:r>
             <a:r>
               <a:rPr lang="de-DE" sz="3600" dirty="0" smtClean="0"/>
-              <a:t> Pi </a:t>
-            </a:r>
-            <a:r>
-              <a:rPr lang="de-DE" sz="3600" dirty="0" smtClean="0"/>
-              <a:t>2</a:t>
+              <a:t> Pi 2</a:t>
             </a:r>
             <a:r>
               <a:rPr lang="de-DE" sz="3600" dirty="0"/>
@@ -5368,7 +6401,7 @@
             </a:br>
             <a:r>
               <a:rPr lang="de-DE" sz="3200" dirty="0" smtClean="0"/>
-              <a:t>drahtlose Verbindung</a:t>
+              <a:t>Produkte scannen</a:t>
             </a:r>
             <a:endParaRPr lang="de-DE" sz="3200" dirty="0"/>
           </a:p>
@@ -5395,7 +6428,24 @@
           <a:lstStyle/>
           <a:p>
             <a:pPr lvl="1"/>
-            <a:endParaRPr lang="de-DE" dirty="0" smtClean="0"/>
+            <a:r>
+              <a:rPr lang="de-DE" dirty="0" smtClean="0"/>
+              <a:t>USB Barcodescanner</a:t>
+            </a:r>
+          </a:p>
+          <a:p>
+            <a:pPr lvl="2"/>
+            <a:r>
+              <a:rPr lang="de-DE" dirty="0" smtClean="0"/>
+              <a:t>Wird als Tastatur erkannt</a:t>
+            </a:r>
+          </a:p>
+          <a:p>
+            <a:pPr lvl="2"/>
+            <a:r>
+              <a:rPr lang="de-DE" dirty="0" smtClean="0"/>
+              <a:t>Scannen wie an einer Kasse</a:t>
+            </a:r>
           </a:p>
         </p:txBody>
       </p:sp>
@@ -5419,14 +6469,37 @@
           <a:bodyPr/>
           <a:lstStyle/>
           <a:p>
-            <a:endParaRPr lang="de-DE" dirty="0"/>
+            <a:pPr lvl="1"/>
+            <a:r>
+              <a:rPr lang="de-DE" dirty="0" err="1" smtClean="0"/>
+              <a:t>Barcodescannermodul</a:t>
+            </a:r>
+            <a:endParaRPr lang="de-DE" dirty="0" smtClean="0"/>
+          </a:p>
+          <a:p>
+            <a:pPr lvl="2"/>
+            <a:r>
+              <a:rPr lang="de-DE" dirty="0" smtClean="0"/>
+              <a:t>Klein und handlich</a:t>
+            </a:r>
+          </a:p>
+          <a:p>
+            <a:pPr lvl="2"/>
+            <a:r>
+              <a:rPr lang="de-DE" dirty="0" err="1" smtClean="0"/>
+              <a:t>Raspberry</a:t>
+            </a:r>
+            <a:r>
+              <a:rPr lang="de-DE" dirty="0" smtClean="0"/>
+              <a:t> liefert 5Volt, Modul benötigt aber 3Volt</a:t>
+            </a:r>
           </a:p>
         </p:txBody>
       </p:sp>
     </p:spTree>
     <p:extLst>
       <p:ext uri="{BB962C8B-B14F-4D97-AF65-F5344CB8AC3E}">
-        <p14:creationId xmlns:p14="http://schemas.microsoft.com/office/powerpoint/2010/main" val="3784410897"/>
+        <p14:creationId xmlns:p14="http://schemas.microsoft.com/office/powerpoint/2010/main" val="1337421475"/>
       </p:ext>
     </p:extLst>
   </p:cSld>
@@ -5494,11 +6567,7 @@
             </a:r>
             <a:r>
               <a:rPr lang="de-DE" sz="3600" dirty="0" smtClean="0"/>
-              <a:t> Pi </a:t>
-            </a:r>
-            <a:r>
-              <a:rPr lang="de-DE" sz="3600" dirty="0" smtClean="0"/>
-              <a:t>2</a:t>
+              <a:t> Pi 2</a:t>
             </a:r>
             <a:r>
               <a:rPr lang="de-DE" sz="3600" dirty="0"/>
@@ -5508,8 +6577,8 @@
               <a:rPr lang="de-DE" sz="3600" dirty="0"/>
             </a:br>
             <a:r>
-              <a:rPr lang="de-DE" sz="3200" dirty="0" err="1" smtClean="0"/>
-              <a:t>Bootscreenlogo</a:t>
+              <a:rPr lang="de-DE" sz="3200" dirty="0" smtClean="0"/>
+              <a:t>drahtlose Verbindung</a:t>
             </a:r>
             <a:endParaRPr lang="de-DE" sz="3200" dirty="0"/>
           </a:p>
@@ -5536,6 +6605,55 @@
           <a:lstStyle/>
           <a:p>
             <a:pPr lvl="1"/>
+            <a:r>
+              <a:rPr lang="de-DE" dirty="0" err="1" smtClean="0"/>
+              <a:t>Edimax</a:t>
+            </a:r>
+            <a:r>
+              <a:rPr lang="de-DE" dirty="0" smtClean="0"/>
+              <a:t> </a:t>
+            </a:r>
+            <a:r>
+              <a:rPr lang="de-DE" dirty="0" err="1" smtClean="0"/>
+              <a:t>Wlan</a:t>
+            </a:r>
+            <a:r>
+              <a:rPr lang="de-DE" dirty="0" smtClean="0"/>
+              <a:t> Stick</a:t>
+            </a:r>
+          </a:p>
+          <a:p>
+            <a:pPr lvl="2"/>
+            <a:r>
+              <a:rPr lang="de-DE" dirty="0" smtClean="0"/>
+              <a:t>Wird direkt vom </a:t>
+            </a:r>
+            <a:r>
+              <a:rPr lang="de-DE" dirty="0" err="1" smtClean="0"/>
+              <a:t>Raspberry</a:t>
+            </a:r>
+            <a:r>
+              <a:rPr lang="de-DE" dirty="0" smtClean="0"/>
+              <a:t> erkannt</a:t>
+            </a:r>
+          </a:p>
+          <a:p>
+            <a:pPr lvl="2"/>
+            <a:r>
+              <a:rPr lang="de-DE" dirty="0" err="1" smtClean="0"/>
+              <a:t>PowerSaving</a:t>
+            </a:r>
+            <a:r>
+              <a:rPr lang="de-DE" dirty="0" smtClean="0"/>
+              <a:t> Mode wurde deaktiviert</a:t>
+            </a:r>
+          </a:p>
+          <a:p>
+            <a:pPr lvl="2"/>
+            <a:endParaRPr lang="de-DE" dirty="0" smtClean="0"/>
+          </a:p>
+          <a:p>
+            <a:pPr lvl="2"/>
             <a:endParaRPr lang="de-DE" dirty="0" smtClean="0"/>
           </a:p>
         </p:txBody>
@@ -5560,14 +6678,160 @@
           <a:bodyPr/>
           <a:lstStyle/>
           <a:p>
-            <a:endParaRPr lang="de-DE" dirty="0"/>
+            <a:pPr marL="0" indent="0">
+              <a:buNone/>
+            </a:pPr>
+            <a:r>
+              <a:rPr lang="de-DE" sz="2400" dirty="0" err="1" smtClean="0"/>
+              <a:t>auto</a:t>
+            </a:r>
+            <a:r>
+              <a:rPr lang="de-DE" sz="2400" dirty="0" smtClean="0"/>
+              <a:t> </a:t>
+            </a:r>
+            <a:r>
+              <a:rPr lang="de-DE" sz="2400" dirty="0"/>
+              <a:t>wlan0</a:t>
+            </a:r>
+          </a:p>
+          <a:p>
+            <a:pPr marL="0" indent="0">
+              <a:buNone/>
+            </a:pPr>
+            <a:r>
+              <a:rPr lang="de-DE" sz="2400" dirty="0" err="1" smtClean="0"/>
+              <a:t>allow-hotplug</a:t>
+            </a:r>
+            <a:r>
+              <a:rPr lang="de-DE" sz="2400" dirty="0" smtClean="0"/>
+              <a:t> </a:t>
+            </a:r>
+            <a:r>
+              <a:rPr lang="de-DE" sz="2400" dirty="0"/>
+              <a:t>wlan0</a:t>
+            </a:r>
+          </a:p>
+          <a:p>
+            <a:pPr marL="0" indent="0">
+              <a:buNone/>
+            </a:pPr>
+            <a:r>
+              <a:rPr lang="de-DE" sz="2400" dirty="0" err="1" smtClean="0"/>
+              <a:t>iface</a:t>
+            </a:r>
+            <a:r>
+              <a:rPr lang="de-DE" sz="2400" dirty="0" smtClean="0"/>
+              <a:t> </a:t>
+            </a:r>
+            <a:r>
+              <a:rPr lang="de-DE" sz="2400" dirty="0"/>
+              <a:t>wlan0 </a:t>
+            </a:r>
+            <a:r>
+              <a:rPr lang="de-DE" sz="2400" dirty="0" err="1"/>
+              <a:t>inet</a:t>
+            </a:r>
+            <a:r>
+              <a:rPr lang="de-DE" sz="2400" dirty="0"/>
+              <a:t> </a:t>
+            </a:r>
+            <a:r>
+              <a:rPr lang="de-DE" sz="2400" dirty="0" err="1"/>
+              <a:t>dhcp</a:t>
+            </a:r>
+            <a:endParaRPr lang="de-DE" sz="2400" dirty="0"/>
+          </a:p>
+          <a:p>
+            <a:pPr marL="0" indent="0">
+              <a:buNone/>
+            </a:pPr>
+            <a:r>
+              <a:rPr lang="de-DE" sz="2400" dirty="0" err="1" smtClean="0"/>
+              <a:t>wpa</a:t>
+            </a:r>
+            <a:r>
+              <a:rPr lang="de-DE" sz="2400" dirty="0" smtClean="0"/>
+              <a:t>-</a:t>
+            </a:r>
+            <a:r>
+              <a:rPr lang="de-DE" sz="2400" dirty="0" err="1" smtClean="0"/>
+              <a:t>ap</a:t>
+            </a:r>
+            <a:r>
+              <a:rPr lang="de-DE" sz="2400" dirty="0" smtClean="0"/>
+              <a:t>-scan </a:t>
+            </a:r>
+            <a:r>
+              <a:rPr lang="de-DE" sz="2400" dirty="0"/>
+              <a:t>1</a:t>
+            </a:r>
+          </a:p>
+          <a:p>
+            <a:pPr marL="0" indent="0">
+              <a:buNone/>
+            </a:pPr>
+            <a:r>
+              <a:rPr lang="de-DE" sz="2400" dirty="0" err="1" smtClean="0"/>
+              <a:t>wpa</a:t>
+            </a:r>
+            <a:r>
+              <a:rPr lang="de-DE" sz="2400" dirty="0" smtClean="0"/>
+              <a:t>-scan-</a:t>
+            </a:r>
+            <a:r>
+              <a:rPr lang="de-DE" sz="2400" dirty="0" err="1" smtClean="0"/>
+              <a:t>ssid</a:t>
+            </a:r>
+            <a:r>
+              <a:rPr lang="de-DE" sz="2400" dirty="0" smtClean="0"/>
+              <a:t> </a:t>
+            </a:r>
+            <a:r>
+              <a:rPr lang="de-DE" sz="2400" dirty="0"/>
+              <a:t>1</a:t>
+            </a:r>
+          </a:p>
+          <a:p>
+            <a:pPr marL="0" indent="0">
+              <a:buNone/>
+            </a:pPr>
+            <a:r>
+              <a:rPr lang="de-DE" sz="2400" dirty="0" err="1" smtClean="0"/>
+              <a:t>wpa-ssid</a:t>
+            </a:r>
+            <a:r>
+              <a:rPr lang="de-DE" sz="2400" dirty="0" smtClean="0"/>
+              <a:t> </a:t>
+            </a:r>
+            <a:r>
+              <a:rPr lang="de-DE" sz="2400" dirty="0"/>
+              <a:t>"WLAN-NAME"</a:t>
+            </a:r>
+          </a:p>
+          <a:p>
+            <a:pPr marL="0" indent="0">
+              <a:buNone/>
+            </a:pPr>
+            <a:r>
+              <a:rPr lang="de-DE" sz="2400" dirty="0" smtClean="0"/>
+              <a:t> </a:t>
+            </a:r>
+            <a:r>
+              <a:rPr lang="de-DE" sz="2400" dirty="0" err="1"/>
+              <a:t>wpa-psk</a:t>
+            </a:r>
+            <a:r>
+              <a:rPr lang="de-DE" sz="2400" dirty="0"/>
+              <a:t> "WLAN-PASSWORT"</a:t>
+            </a:r>
+            <a:endParaRPr lang="de-DE" sz="2400" dirty="0"/>
           </a:p>
         </p:txBody>
       </p:sp>
     </p:spTree>
     <p:extLst>
       <p:ext uri="{BB962C8B-B14F-4D97-AF65-F5344CB8AC3E}">
-        <p14:creationId xmlns:p14="http://schemas.microsoft.com/office/powerpoint/2010/main" val="264805809"/>
+        <p14:creationId xmlns:p14="http://schemas.microsoft.com/office/powerpoint/2010/main" val="3784410897"/>
       </p:ext>
     </p:extLst>
   </p:cSld>
@@ -5833,7 +7097,7 @@
         <a:effectLst/>
         <a:extLst>
           <a:ext uri="{AF507438-7753-43e0-B8FC-AC1667EBCBE1}">
-            <a14:hiddenEffects xmlns="" xmlns:a14="http://schemas.microsoft.com/office/drawing/2010/main">
+            <a14:hiddenEffects xmlns:a14="http://schemas.microsoft.com/office/drawing/2010/main" xmlns="">
               <a:effectLst>
                 <a:outerShdw blurRad="63500" dist="38099" dir="2700000" algn="ctr" rotWithShape="0">
                   <a:schemeClr val="bg2">
@@ -5910,7 +7174,7 @@
         <a:effectLst/>
         <a:extLst>
           <a:ext uri="{AF507438-7753-43e0-B8FC-AC1667EBCBE1}">
-            <a14:hiddenEffects xmlns="" xmlns:a14="http://schemas.microsoft.com/office/drawing/2010/main">
+            <a14:hiddenEffects xmlns:a14="http://schemas.microsoft.com/office/drawing/2010/main" xmlns="">
               <a:effectLst>
                 <a:outerShdw blurRad="63500" dist="38099" dir="2700000" algn="ctr" rotWithShape="0">
                   <a:schemeClr val="bg2">

--- a/documents/presentation/TallyFinal.pptx
+++ b/documents/presentation/TallyFinal.pptx
@@ -5,10 +5,10 @@
     <p:sldMasterId id="2147483648" r:id="rId1"/>
   </p:sldMasterIdLst>
   <p:notesMasterIdLst>
-    <p:notesMasterId r:id="rId16"/>
+    <p:notesMasterId r:id="rId18"/>
   </p:notesMasterIdLst>
   <p:handoutMasterIdLst>
-    <p:handoutMasterId r:id="rId17"/>
+    <p:handoutMasterId r:id="rId19"/>
   </p:handoutMasterIdLst>
   <p:sldIdLst>
     <p:sldId id="256" r:id="rId2"/>
@@ -25,6 +25,8 @@
     <p:sldId id="266" r:id="rId13"/>
     <p:sldId id="269" r:id="rId14"/>
     <p:sldId id="270" r:id="rId15"/>
+    <p:sldId id="271" r:id="rId16"/>
+    <p:sldId id="272" r:id="rId17"/>
   </p:sldIdLst>
   <p:sldSz cx="9144000" cy="6858000" type="screen4x3"/>
   <p:notesSz cx="6858000" cy="9144000"/>
@@ -221,14 +223,14 @@
           </a:ln>
           <a:extLst>
             <a:ext uri="{909E8E84-426E-40dd-AFC4-6F175D3DCCD1}">
-              <a14:hiddenFill xmlns:a14="http://schemas.microsoft.com/office/drawing/2010/main" xmlns="">
+              <a14:hiddenFill xmlns="" xmlns:a14="http://schemas.microsoft.com/office/drawing/2010/main">
                 <a:solidFill>
                   <a:schemeClr val="accent1"/>
                 </a:solidFill>
               </a14:hiddenFill>
             </a:ext>
             <a:ext uri="{91240B29-F687-4f45-9708-019B960494DF}">
-              <a14:hiddenLine xmlns:a14="http://schemas.microsoft.com/office/drawing/2010/main" xmlns="" w="9525">
+              <a14:hiddenLine xmlns="" xmlns:a14="http://schemas.microsoft.com/office/drawing/2010/main" w="9525">
                 <a:solidFill>
                   <a:schemeClr val="tx1"/>
                 </a:solidFill>
@@ -238,7 +240,7 @@
               </a14:hiddenLine>
             </a:ext>
             <a:ext uri="{FAA26D3D-D897-4be2-8F04-BA451C77F1D7}">
-              <ma14:placeholderFlag xmlns:ma14="http://schemas.microsoft.com/office/mac/drawingml/2011/main" xmlns="" val="1"/>
+              <ma14:placeholderFlag xmlns="" xmlns:ma14="http://schemas.microsoft.com/office/mac/drawingml/2011/main" val="1"/>
             </a:ext>
           </a:extLst>
         </p:spPr>
@@ -282,14 +284,14 @@
           </a:ln>
           <a:extLst>
             <a:ext uri="{909E8E84-426E-40dd-AFC4-6F175D3DCCD1}">
-              <a14:hiddenFill xmlns:a14="http://schemas.microsoft.com/office/drawing/2010/main" xmlns="">
+              <a14:hiddenFill xmlns="" xmlns:a14="http://schemas.microsoft.com/office/drawing/2010/main">
                 <a:solidFill>
                   <a:schemeClr val="accent1"/>
                 </a:solidFill>
               </a14:hiddenFill>
             </a:ext>
             <a:ext uri="{91240B29-F687-4f45-9708-019B960494DF}">
-              <a14:hiddenLine xmlns:a14="http://schemas.microsoft.com/office/drawing/2010/main" xmlns="" w="9525">
+              <a14:hiddenLine xmlns="" xmlns:a14="http://schemas.microsoft.com/office/drawing/2010/main" w="9525">
                 <a:solidFill>
                   <a:schemeClr val="tx1"/>
                 </a:solidFill>
@@ -299,7 +301,7 @@
               </a14:hiddenLine>
             </a:ext>
             <a:ext uri="{FAA26D3D-D897-4be2-8F04-BA451C77F1D7}">
-              <ma14:placeholderFlag xmlns:ma14="http://schemas.microsoft.com/office/mac/drawingml/2011/main" xmlns="" val="1"/>
+              <ma14:placeholderFlag xmlns="" xmlns:ma14="http://schemas.microsoft.com/office/mac/drawingml/2011/main" val="1"/>
             </a:ext>
           </a:extLst>
         </p:spPr>
@@ -343,14 +345,14 @@
           </a:ln>
           <a:extLst>
             <a:ext uri="{909E8E84-426E-40dd-AFC4-6F175D3DCCD1}">
-              <a14:hiddenFill xmlns:a14="http://schemas.microsoft.com/office/drawing/2010/main" xmlns="">
+              <a14:hiddenFill xmlns="" xmlns:a14="http://schemas.microsoft.com/office/drawing/2010/main">
                 <a:solidFill>
                   <a:schemeClr val="accent1"/>
                 </a:solidFill>
               </a14:hiddenFill>
             </a:ext>
             <a:ext uri="{91240B29-F687-4f45-9708-019B960494DF}">
-              <a14:hiddenLine xmlns:a14="http://schemas.microsoft.com/office/drawing/2010/main" xmlns="" w="9525">
+              <a14:hiddenLine xmlns="" xmlns:a14="http://schemas.microsoft.com/office/drawing/2010/main" w="9525">
                 <a:solidFill>
                   <a:schemeClr val="tx1"/>
                 </a:solidFill>
@@ -360,7 +362,7 @@
               </a14:hiddenLine>
             </a:ext>
             <a:ext uri="{FAA26D3D-D897-4be2-8F04-BA451C77F1D7}">
-              <ma14:placeholderFlag xmlns:ma14="http://schemas.microsoft.com/office/mac/drawingml/2011/main" xmlns="" val="1"/>
+              <ma14:placeholderFlag xmlns="" xmlns:ma14="http://schemas.microsoft.com/office/mac/drawingml/2011/main" val="1"/>
             </a:ext>
           </a:extLst>
         </p:spPr>
@@ -404,14 +406,14 @@
           </a:ln>
           <a:extLst>
             <a:ext uri="{909E8E84-426E-40dd-AFC4-6F175D3DCCD1}">
-              <a14:hiddenFill xmlns:a14="http://schemas.microsoft.com/office/drawing/2010/main" xmlns="">
+              <a14:hiddenFill xmlns="" xmlns:a14="http://schemas.microsoft.com/office/drawing/2010/main">
                 <a:solidFill>
                   <a:schemeClr val="accent1"/>
                 </a:solidFill>
               </a14:hiddenFill>
             </a:ext>
             <a:ext uri="{91240B29-F687-4f45-9708-019B960494DF}">
-              <a14:hiddenLine xmlns:a14="http://schemas.microsoft.com/office/drawing/2010/main" xmlns="" w="9525">
+              <a14:hiddenLine xmlns="" xmlns:a14="http://schemas.microsoft.com/office/drawing/2010/main" w="9525">
                 <a:solidFill>
                   <a:schemeClr val="tx1"/>
                 </a:solidFill>
@@ -421,7 +423,7 @@
               </a14:hiddenLine>
             </a:ext>
             <a:ext uri="{FAA26D3D-D897-4be2-8F04-BA451C77F1D7}">
-              <ma14:placeholderFlag xmlns:ma14="http://schemas.microsoft.com/office/mac/drawingml/2011/main" xmlns="" val="1"/>
+              <ma14:placeholderFlag xmlns="" xmlns:ma14="http://schemas.microsoft.com/office/mac/drawingml/2011/main" val="1"/>
             </a:ext>
           </a:extLst>
         </p:spPr>
@@ -506,14 +508,14 @@
           </a:ln>
           <a:extLst>
             <a:ext uri="{909E8E84-426E-40dd-AFC4-6F175D3DCCD1}">
-              <a14:hiddenFill xmlns:a14="http://schemas.microsoft.com/office/drawing/2010/main" xmlns="">
+              <a14:hiddenFill xmlns="" xmlns:a14="http://schemas.microsoft.com/office/drawing/2010/main">
                 <a:solidFill>
                   <a:schemeClr val="accent1"/>
                 </a:solidFill>
               </a14:hiddenFill>
             </a:ext>
             <a:ext uri="{91240B29-F687-4f45-9708-019B960494DF}">
-              <a14:hiddenLine xmlns:a14="http://schemas.microsoft.com/office/drawing/2010/main" xmlns="" w="9525">
+              <a14:hiddenLine xmlns="" xmlns:a14="http://schemas.microsoft.com/office/drawing/2010/main" w="9525">
                 <a:solidFill>
                   <a:schemeClr val="tx1"/>
                 </a:solidFill>
@@ -523,7 +525,7 @@
               </a14:hiddenLine>
             </a:ext>
             <a:ext uri="{FAA26D3D-D897-4be2-8F04-BA451C77F1D7}">
-              <ma14:placeholderFlag xmlns:ma14="http://schemas.microsoft.com/office/mac/drawingml/2011/main" xmlns="" val="1"/>
+              <ma14:placeholderFlag xmlns="" xmlns:ma14="http://schemas.microsoft.com/office/mac/drawingml/2011/main" val="1"/>
             </a:ext>
           </a:extLst>
         </p:spPr>
@@ -567,14 +569,14 @@
           </a:ln>
           <a:extLst>
             <a:ext uri="{909E8E84-426E-40dd-AFC4-6F175D3DCCD1}">
-              <a14:hiddenFill xmlns:a14="http://schemas.microsoft.com/office/drawing/2010/main" xmlns="">
+              <a14:hiddenFill xmlns="" xmlns:a14="http://schemas.microsoft.com/office/drawing/2010/main">
                 <a:solidFill>
                   <a:schemeClr val="accent1"/>
                 </a:solidFill>
               </a14:hiddenFill>
             </a:ext>
             <a:ext uri="{91240B29-F687-4f45-9708-019B960494DF}">
-              <a14:hiddenLine xmlns:a14="http://schemas.microsoft.com/office/drawing/2010/main" xmlns="" w="9525">
+              <a14:hiddenLine xmlns="" xmlns:a14="http://schemas.microsoft.com/office/drawing/2010/main" w="9525">
                 <a:solidFill>
                   <a:schemeClr val="tx1"/>
                 </a:solidFill>
@@ -584,7 +586,7 @@
               </a14:hiddenLine>
             </a:ext>
             <a:ext uri="{FAA26D3D-D897-4be2-8F04-BA451C77F1D7}">
-              <ma14:placeholderFlag xmlns:ma14="http://schemas.microsoft.com/office/mac/drawingml/2011/main" xmlns="" val="1"/>
+              <ma14:placeholderFlag xmlns="" xmlns:ma14="http://schemas.microsoft.com/office/mac/drawingml/2011/main" val="1"/>
             </a:ext>
           </a:extLst>
         </p:spPr>
@@ -634,7 +636,7 @@
           <a:effectLst/>
           <a:extLst>
             <a:ext uri="{AF507438-7753-43e0-B8FC-AC1667EBCBE1}">
-              <a14:hiddenEffects xmlns:a14="http://schemas.microsoft.com/office/drawing/2010/main" xmlns="">
+              <a14:hiddenEffects xmlns="" xmlns:a14="http://schemas.microsoft.com/office/drawing/2010/main">
                 <a:effectLst>
                   <a:outerShdw blurRad="63500" dist="38099" dir="2700000" algn="ctr" rotWithShape="0">
                     <a:srgbClr val="000000">
@@ -645,7 +647,7 @@
               </a14:hiddenEffects>
             </a:ext>
             <a:ext uri="{53640926-AAD7-44d8-BBD7-CCE9431645EC}">
-              <a14:shadowObscured xmlns:a14="http://schemas.microsoft.com/office/drawing/2010/main" xmlns="" val="1"/>
+              <a14:shadowObscured xmlns="" xmlns:a14="http://schemas.microsoft.com/office/drawing/2010/main" val="1"/>
             </a:ext>
           </a:extLst>
         </p:spPr>
@@ -674,14 +676,14 @@
           </a:ln>
           <a:extLst>
             <a:ext uri="{909E8E84-426E-40dd-AFC4-6F175D3DCCD1}">
-              <a14:hiddenFill xmlns:a14="http://schemas.microsoft.com/office/drawing/2010/main" xmlns="">
+              <a14:hiddenFill xmlns="" xmlns:a14="http://schemas.microsoft.com/office/drawing/2010/main">
                 <a:solidFill>
                   <a:schemeClr val="accent1"/>
                 </a:solidFill>
               </a14:hiddenFill>
             </a:ext>
             <a:ext uri="{91240B29-F687-4f45-9708-019B960494DF}">
-              <a14:hiddenLine xmlns:a14="http://schemas.microsoft.com/office/drawing/2010/main" xmlns="" w="9525">
+              <a14:hiddenLine xmlns="" xmlns:a14="http://schemas.microsoft.com/office/drawing/2010/main" w="9525">
                 <a:solidFill>
                   <a:schemeClr val="tx1"/>
                 </a:solidFill>
@@ -691,7 +693,7 @@
               </a14:hiddenLine>
             </a:ext>
             <a:ext uri="{FAA26D3D-D897-4be2-8F04-BA451C77F1D7}">
-              <ma14:placeholderFlag xmlns:ma14="http://schemas.microsoft.com/office/mac/drawingml/2011/main" xmlns="" val="1"/>
+              <ma14:placeholderFlag xmlns="" xmlns:ma14="http://schemas.microsoft.com/office/mac/drawingml/2011/main" val="1"/>
             </a:ext>
           </a:extLst>
         </p:spPr>
@@ -763,14 +765,14 @@
           </a:ln>
           <a:extLst>
             <a:ext uri="{909E8E84-426E-40dd-AFC4-6F175D3DCCD1}">
-              <a14:hiddenFill xmlns:a14="http://schemas.microsoft.com/office/drawing/2010/main" xmlns="">
+              <a14:hiddenFill xmlns="" xmlns:a14="http://schemas.microsoft.com/office/drawing/2010/main">
                 <a:solidFill>
                   <a:schemeClr val="accent1"/>
                 </a:solidFill>
               </a14:hiddenFill>
             </a:ext>
             <a:ext uri="{91240B29-F687-4f45-9708-019B960494DF}">
-              <a14:hiddenLine xmlns:a14="http://schemas.microsoft.com/office/drawing/2010/main" xmlns="" w="9525">
+              <a14:hiddenLine xmlns="" xmlns:a14="http://schemas.microsoft.com/office/drawing/2010/main" w="9525">
                 <a:solidFill>
                   <a:schemeClr val="tx1"/>
                 </a:solidFill>
@@ -780,7 +782,7 @@
               </a14:hiddenLine>
             </a:ext>
             <a:ext uri="{FAA26D3D-D897-4be2-8F04-BA451C77F1D7}">
-              <ma14:placeholderFlag xmlns:ma14="http://schemas.microsoft.com/office/mac/drawingml/2011/main" xmlns="" val="1"/>
+              <ma14:placeholderFlag xmlns="" xmlns:ma14="http://schemas.microsoft.com/office/mac/drawingml/2011/main" val="1"/>
             </a:ext>
           </a:extLst>
         </p:spPr>
@@ -824,14 +826,14 @@
           </a:ln>
           <a:extLst>
             <a:ext uri="{909E8E84-426E-40dd-AFC4-6F175D3DCCD1}">
-              <a14:hiddenFill xmlns:a14="http://schemas.microsoft.com/office/drawing/2010/main" xmlns="">
+              <a14:hiddenFill xmlns="" xmlns:a14="http://schemas.microsoft.com/office/drawing/2010/main">
                 <a:solidFill>
                   <a:schemeClr val="accent1"/>
                 </a:solidFill>
               </a14:hiddenFill>
             </a:ext>
             <a:ext uri="{91240B29-F687-4f45-9708-019B960494DF}">
-              <a14:hiddenLine xmlns:a14="http://schemas.microsoft.com/office/drawing/2010/main" xmlns="" w="9525">
+              <a14:hiddenLine xmlns="" xmlns:a14="http://schemas.microsoft.com/office/drawing/2010/main" w="9525">
                 <a:solidFill>
                   <a:schemeClr val="tx1"/>
                 </a:solidFill>
@@ -841,7 +843,7 @@
               </a14:hiddenLine>
             </a:ext>
             <a:ext uri="{FAA26D3D-D897-4be2-8F04-BA451C77F1D7}">
-              <ma14:placeholderFlag xmlns:ma14="http://schemas.microsoft.com/office/mac/drawingml/2011/main" xmlns="" val="1"/>
+              <ma14:placeholderFlag xmlns="" xmlns:ma14="http://schemas.microsoft.com/office/mac/drawingml/2011/main" val="1"/>
             </a:ext>
           </a:extLst>
         </p:spPr>
@@ -1056,7 +1058,7 @@
           <a:ln/>
           <a:extLst>
             <a:ext uri="{FAA26D3D-D897-4be2-8F04-BA451C77F1D7}">
-              <ma14:placeholderFlag xmlns:ma14="http://schemas.microsoft.com/office/mac/drawingml/2011/main" xmlns="" val="1"/>
+              <ma14:placeholderFlag xmlns="" xmlns:ma14="http://schemas.microsoft.com/office/mac/drawingml/2011/main" val="1"/>
             </a:ext>
           </a:extLst>
         </p:spPr>
@@ -1150,7 +1152,7 @@
           <a:ln/>
           <a:extLst>
             <a:ext uri="{FAA26D3D-D897-4be2-8F04-BA451C77F1D7}">
-              <ma14:placeholderFlag xmlns:ma14="http://schemas.microsoft.com/office/mac/drawingml/2011/main" xmlns="" val="1"/>
+              <ma14:placeholderFlag xmlns="" xmlns:ma14="http://schemas.microsoft.com/office/mac/drawingml/2011/main" val="1"/>
             </a:ext>
           </a:extLst>
         </p:spPr>
@@ -1244,7 +1246,7 @@
           <a:ln/>
           <a:extLst>
             <a:ext uri="{FAA26D3D-D897-4be2-8F04-BA451C77F1D7}">
-              <ma14:placeholderFlag xmlns:ma14="http://schemas.microsoft.com/office/mac/drawingml/2011/main" xmlns="" val="1"/>
+              <ma14:placeholderFlag xmlns="" xmlns:ma14="http://schemas.microsoft.com/office/mac/drawingml/2011/main" val="1"/>
             </a:ext>
           </a:extLst>
         </p:spPr>
@@ -1323,7 +1325,7 @@
           <a:effectLst/>
           <a:extLst>
             <a:ext uri="{91240B29-F687-4f45-9708-019B960494DF}">
-              <a14:hiddenLine xmlns:a14="http://schemas.microsoft.com/office/drawing/2010/main" xmlns="" w="9525">
+              <a14:hiddenLine xmlns="" xmlns:a14="http://schemas.microsoft.com/office/drawing/2010/main" w="9525">
                 <a:solidFill>
                   <a:srgbClr val="0E1B44"/>
                 </a:solidFill>
@@ -1333,7 +1335,7 @@
               </a14:hiddenLine>
             </a:ext>
             <a:ext uri="{AF507438-7753-43e0-B8FC-AC1667EBCBE1}">
-              <a14:hiddenEffects xmlns:a14="http://schemas.microsoft.com/office/drawing/2010/main" xmlns="">
+              <a14:hiddenEffects xmlns="" xmlns:a14="http://schemas.microsoft.com/office/drawing/2010/main">
                 <a:effectLst>
                   <a:outerShdw blurRad="63500" dist="38099" dir="2700000" algn="ctr" rotWithShape="0">
                     <a:srgbClr val="000000">
@@ -1377,7 +1379,7 @@
           </a:ln>
           <a:extLst>
             <a:ext uri="{91240B29-F687-4f45-9708-019B960494DF}">
-              <a14:hiddenLine xmlns:a14="http://schemas.microsoft.com/office/drawing/2010/main" xmlns="" w="9525">
+              <a14:hiddenLine xmlns="" xmlns:a14="http://schemas.microsoft.com/office/drawing/2010/main" w="9525">
                 <a:solidFill>
                   <a:schemeClr val="tx1"/>
                 </a:solidFill>
@@ -1428,7 +1430,7 @@
           <a:noFill/>
           <a:extLst>
             <a:ext uri="{909E8E84-426E-40dd-AFC4-6F175D3DCCD1}">
-              <a14:hiddenFill xmlns:a14="http://schemas.microsoft.com/office/drawing/2010/main" xmlns="">
+              <a14:hiddenFill xmlns="" xmlns:a14="http://schemas.microsoft.com/office/drawing/2010/main">
                 <a:solidFill>
                   <a:srgbClr val="FFFFFF"/>
                 </a:solidFill>
@@ -1464,7 +1466,7 @@
           </a:ln>
           <a:extLst>
             <a:ext uri="{909E8E84-426E-40dd-AFC4-6F175D3DCCD1}">
-              <a14:hiddenFill xmlns:a14="http://schemas.microsoft.com/office/drawing/2010/main" xmlns="">
+              <a14:hiddenFill xmlns="" xmlns:a14="http://schemas.microsoft.com/office/drawing/2010/main">
                 <a:noFill/>
               </a14:hiddenFill>
             </a:ext>
@@ -3188,7 +3190,7 @@
           <a:effectLst/>
           <a:extLst>
             <a:ext uri="{91240B29-F687-4f45-9708-019B960494DF}">
-              <a14:hiddenLine xmlns:a14="http://schemas.microsoft.com/office/drawing/2010/main" xmlns="" w="9525">
+              <a14:hiddenLine xmlns="" xmlns:a14="http://schemas.microsoft.com/office/drawing/2010/main" w="9525">
                 <a:solidFill>
                   <a:srgbClr val="0E1B44"/>
                 </a:solidFill>
@@ -3198,7 +3200,7 @@
               </a14:hiddenLine>
             </a:ext>
             <a:ext uri="{AF507438-7753-43e0-B8FC-AC1667EBCBE1}">
-              <a14:hiddenEffects xmlns:a14="http://schemas.microsoft.com/office/drawing/2010/main" xmlns="">
+              <a14:hiddenEffects xmlns="" xmlns:a14="http://schemas.microsoft.com/office/drawing/2010/main">
                 <a:effectLst>
                   <a:outerShdw blurRad="63500" dist="38099" dir="2700000" algn="ctr" rotWithShape="0">
                     <a:srgbClr val="000000">
@@ -3242,7 +3244,7 @@
           </a:ln>
           <a:extLst>
             <a:ext uri="{91240B29-F687-4f45-9708-019B960494DF}">
-              <a14:hiddenLine xmlns:a14="http://schemas.microsoft.com/office/drawing/2010/main" xmlns="" w="9525">
+              <a14:hiddenLine xmlns="" xmlns:a14="http://schemas.microsoft.com/office/drawing/2010/main" w="9525">
                 <a:solidFill>
                   <a:schemeClr val="tx1"/>
                 </a:solidFill>
@@ -3293,7 +3295,7 @@
           <a:noFill/>
           <a:extLst>
             <a:ext uri="{909E8E84-426E-40dd-AFC4-6F175D3DCCD1}">
-              <a14:hiddenFill xmlns:a14="http://schemas.microsoft.com/office/drawing/2010/main" xmlns="">
+              <a14:hiddenFill xmlns="" xmlns:a14="http://schemas.microsoft.com/office/drawing/2010/main">
                 <a:solidFill>
                   <a:srgbClr val="FFFFFF"/>
                 </a:solidFill>
@@ -3329,7 +3331,7 @@
           </a:ln>
           <a:extLst>
             <a:ext uri="{909E8E84-426E-40dd-AFC4-6F175D3DCCD1}">
-              <a14:hiddenFill xmlns:a14="http://schemas.microsoft.com/office/drawing/2010/main" xmlns="">
+              <a14:hiddenFill xmlns="" xmlns:a14="http://schemas.microsoft.com/office/drawing/2010/main">
                 <a:noFill/>
               </a14:hiddenFill>
             </a:ext>
@@ -3794,14 +3796,14 @@
           </a:ln>
           <a:extLst>
             <a:ext uri="{909E8E84-426E-40dd-AFC4-6F175D3DCCD1}">
-              <a14:hiddenFill xmlns:a14="http://schemas.microsoft.com/office/drawing/2010/main" xmlns="">
+              <a14:hiddenFill xmlns="" xmlns:a14="http://schemas.microsoft.com/office/drawing/2010/main">
                 <a:solidFill>
                   <a:schemeClr val="accent1"/>
                 </a:solidFill>
               </a14:hiddenFill>
             </a:ext>
             <a:ext uri="{91240B29-F687-4f45-9708-019B960494DF}">
-              <a14:hiddenLine xmlns:a14="http://schemas.microsoft.com/office/drawing/2010/main" xmlns="" w="9525">
+              <a14:hiddenLine xmlns="" xmlns:a14="http://schemas.microsoft.com/office/drawing/2010/main" w="9525">
                 <a:solidFill>
                   <a:schemeClr val="tx1"/>
                 </a:solidFill>
@@ -3845,14 +3847,14 @@
           <a:effectLst/>
           <a:extLst>
             <a:ext uri="{909E8E84-426E-40dd-AFC4-6F175D3DCCD1}">
-              <a14:hiddenFill xmlns:a14="http://schemas.microsoft.com/office/drawing/2010/main" xmlns="">
+              <a14:hiddenFill xmlns="" xmlns:a14="http://schemas.microsoft.com/office/drawing/2010/main">
                 <a:solidFill>
                   <a:schemeClr val="accent1"/>
                 </a:solidFill>
               </a14:hiddenFill>
             </a:ext>
             <a:ext uri="{91240B29-F687-4f45-9708-019B960494DF}">
-              <a14:hiddenLine xmlns:a14="http://schemas.microsoft.com/office/drawing/2010/main" xmlns="" w="9525">
+              <a14:hiddenLine xmlns="" xmlns:a14="http://schemas.microsoft.com/office/drawing/2010/main" w="9525">
                 <a:solidFill>
                   <a:schemeClr val="tx1"/>
                 </a:solidFill>
@@ -3862,7 +3864,7 @@
               </a14:hiddenLine>
             </a:ext>
             <a:ext uri="{AF507438-7753-43e0-B8FC-AC1667EBCBE1}">
-              <a14:hiddenEffects xmlns:a14="http://schemas.microsoft.com/office/drawing/2010/main" xmlns="">
+              <a14:hiddenEffects xmlns="" xmlns:a14="http://schemas.microsoft.com/office/drawing/2010/main">
                 <a:effectLst>
                   <a:outerShdw blurRad="63500" dist="38099" dir="2700000" algn="ctr" rotWithShape="0">
                     <a:schemeClr val="bg2">
@@ -3936,14 +3938,14 @@
           <a:effectLst/>
           <a:extLst>
             <a:ext uri="{909E8E84-426E-40dd-AFC4-6F175D3DCCD1}">
-              <a14:hiddenFill xmlns:a14="http://schemas.microsoft.com/office/drawing/2010/main" xmlns="">
+              <a14:hiddenFill xmlns="" xmlns:a14="http://schemas.microsoft.com/office/drawing/2010/main">
                 <a:solidFill>
                   <a:schemeClr val="accent1"/>
                 </a:solidFill>
               </a14:hiddenFill>
             </a:ext>
             <a:ext uri="{91240B29-F687-4f45-9708-019B960494DF}">
-              <a14:hiddenLine xmlns:a14="http://schemas.microsoft.com/office/drawing/2010/main" xmlns="" w="9525">
+              <a14:hiddenLine xmlns="" xmlns:a14="http://schemas.microsoft.com/office/drawing/2010/main" w="9525">
                 <a:solidFill>
                   <a:schemeClr val="tx1"/>
                 </a:solidFill>
@@ -3953,7 +3955,7 @@
               </a14:hiddenLine>
             </a:ext>
             <a:ext uri="{AF507438-7753-43e0-B8FC-AC1667EBCBE1}">
-              <a14:hiddenEffects xmlns:a14="http://schemas.microsoft.com/office/drawing/2010/main" xmlns="">
+              <a14:hiddenEffects xmlns="" xmlns:a14="http://schemas.microsoft.com/office/drawing/2010/main">
                 <a:effectLst>
                   <a:outerShdw blurRad="63500" dist="38099" dir="2700000" algn="ctr" rotWithShape="0">
                     <a:schemeClr val="bg2">
@@ -4011,14 +4013,14 @@
           </a:ln>
           <a:extLst>
             <a:ext uri="{909E8E84-426E-40dd-AFC4-6F175D3DCCD1}">
-              <a14:hiddenFill xmlns:a14="http://schemas.microsoft.com/office/drawing/2010/main" xmlns="">
+              <a14:hiddenFill xmlns="" xmlns:a14="http://schemas.microsoft.com/office/drawing/2010/main">
                 <a:solidFill>
                   <a:schemeClr val="accent1"/>
                 </a:solidFill>
               </a14:hiddenFill>
             </a:ext>
             <a:ext uri="{91240B29-F687-4f45-9708-019B960494DF}">
-              <a14:hiddenLine xmlns:a14="http://schemas.microsoft.com/office/drawing/2010/main" xmlns="" w="9525">
+              <a14:hiddenLine xmlns="" xmlns:a14="http://schemas.microsoft.com/office/drawing/2010/main" w="9525">
                 <a:solidFill>
                   <a:schemeClr val="tx1"/>
                 </a:solidFill>
@@ -4632,7 +4634,6 @@
               <a:rPr lang="de-DE" dirty="0" smtClean="0"/>
               <a:t>Nur geeignet für nicht GUI Programme</a:t>
             </a:r>
-            <a:endParaRPr lang="de-DE" dirty="0" smtClean="0"/>
           </a:p>
         </p:txBody>
       </p:sp>
@@ -5011,14 +5012,14 @@
           <a:effectLst/>
           <a:extLst>
             <a:ext uri="{909E8E84-426E-40dd-AFC4-6F175D3DCCD1}">
-              <a14:hiddenFill xmlns:a14="http://schemas.microsoft.com/office/drawing/2010/main" xmlns="">
+              <a14:hiddenFill xmlns="" xmlns:a14="http://schemas.microsoft.com/office/drawing/2010/main">
                 <a:solidFill>
                   <a:schemeClr val="accent1"/>
                 </a:solidFill>
               </a14:hiddenFill>
             </a:ext>
             <a:ext uri="{91240B29-F687-4f45-9708-019B960494DF}">
-              <a14:hiddenLine xmlns:a14="http://schemas.microsoft.com/office/drawing/2010/main" xmlns="" w="9525">
+              <a14:hiddenLine xmlns="" xmlns:a14="http://schemas.microsoft.com/office/drawing/2010/main" w="9525">
                 <a:solidFill>
                   <a:schemeClr val="tx1"/>
                 </a:solidFill>
@@ -5028,7 +5029,7 @@
               </a14:hiddenLine>
             </a:ext>
             <a:ext uri="{AF507438-7753-43e0-B8FC-AC1667EBCBE1}">
-              <a14:hiddenEffects xmlns:a14="http://schemas.microsoft.com/office/drawing/2010/main" xmlns="">
+              <a14:hiddenEffects xmlns="" xmlns:a14="http://schemas.microsoft.com/office/drawing/2010/main">
                 <a:effectLst>
                   <a:outerShdw blurRad="63500" dist="38099" dir="2700000" algn="ctr" rotWithShape="0">
                     <a:schemeClr val="bg2">
@@ -5080,14 +5081,14 @@
           <a:effectLst/>
           <a:extLst>
             <a:ext uri="{909E8E84-426E-40dd-AFC4-6F175D3DCCD1}">
-              <a14:hiddenFill xmlns:a14="http://schemas.microsoft.com/office/drawing/2010/main" xmlns="">
+              <a14:hiddenFill xmlns="" xmlns:a14="http://schemas.microsoft.com/office/drawing/2010/main">
                 <a:solidFill>
                   <a:schemeClr val="accent1"/>
                 </a:solidFill>
               </a14:hiddenFill>
             </a:ext>
             <a:ext uri="{91240B29-F687-4f45-9708-019B960494DF}">
-              <a14:hiddenLine xmlns:a14="http://schemas.microsoft.com/office/drawing/2010/main" xmlns="" w="9525">
+              <a14:hiddenLine xmlns="" xmlns:a14="http://schemas.microsoft.com/office/drawing/2010/main" w="9525">
                 <a:solidFill>
                   <a:schemeClr val="tx1"/>
                 </a:solidFill>
@@ -5097,7 +5098,7 @@
               </a14:hiddenLine>
             </a:ext>
             <a:ext uri="{AF507438-7753-43e0-B8FC-AC1667EBCBE1}">
-              <a14:hiddenEffects xmlns:a14="http://schemas.microsoft.com/office/drawing/2010/main" xmlns="">
+              <a14:hiddenEffects xmlns="" xmlns:a14="http://schemas.microsoft.com/office/drawing/2010/main">
                 <a:effectLst>
                   <a:outerShdw blurRad="63500" dist="38099" dir="2700000" algn="ctr" rotWithShape="0">
                     <a:schemeClr val="bg2">
@@ -5184,6 +5185,269 @@
       </p:par>
     </p:tnLst>
   </p:timing>
+</p:sld>
+</file>
+
+<file path=ppt/slides/slide15.xml><?xml version="1.0" encoding="utf-8"?>
+<p:sld xmlns:a="http://schemas.openxmlformats.org/drawingml/2006/main" xmlns:r="http://schemas.openxmlformats.org/officeDocument/2006/relationships" xmlns:p="http://schemas.openxmlformats.org/presentationml/2006/main">
+  <p:cSld>
+    <p:spTree>
+      <p:nvGrpSpPr>
+        <p:cNvPr id="1" name=""/>
+        <p:cNvGrpSpPr/>
+        <p:nvPr/>
+      </p:nvGrpSpPr>
+      <p:grpSpPr>
+        <a:xfrm>
+          <a:off x="0" y="0"/>
+          <a:ext cx="0" cy="0"/>
+          <a:chOff x="0" y="0"/>
+          <a:chExt cx="0" cy="0"/>
+        </a:xfrm>
+      </p:grpSpPr>
+      <p:sp>
+        <p:nvSpPr>
+          <p:cNvPr id="2" name="Titel 1"/>
+          <p:cNvSpPr>
+            <a:spLocks noGrp="1"/>
+          </p:cNvSpPr>
+          <p:nvPr>
+            <p:ph type="title"/>
+          </p:nvPr>
+        </p:nvSpPr>
+        <p:spPr>
+          <a:xfrm>
+            <a:off x="457200" y="1600200"/>
+            <a:ext cx="8229600" cy="1143000"/>
+          </a:xfrm>
+        </p:spPr>
+        <p:txBody>
+          <a:bodyPr/>
+          <a:lstStyle/>
+          <a:p>
+            <a:r>
+              <a:rPr lang="de-DE" dirty="0" err="1" smtClean="0"/>
+              <a:t>Qt</a:t>
+            </a:r>
+            <a:endParaRPr lang="de-DE" dirty="0"/>
+          </a:p>
+        </p:txBody>
+      </p:sp>
+      <p:sp>
+        <p:nvSpPr>
+          <p:cNvPr id="3" name="Inhaltsplatzhalter 2"/>
+          <p:cNvSpPr>
+            <a:spLocks noGrp="1"/>
+          </p:cNvSpPr>
+          <p:nvPr>
+            <p:ph idx="1"/>
+          </p:nvPr>
+        </p:nvSpPr>
+        <p:spPr>
+          <a:xfrm>
+            <a:off x="457200" y="2802926"/>
+            <a:ext cx="8229600" cy="3696730"/>
+          </a:xfrm>
+        </p:spPr>
+        <p:txBody>
+          <a:bodyPr/>
+          <a:lstStyle/>
+          <a:p>
+            <a:r>
+              <a:rPr lang="de-DE" dirty="0" smtClean="0"/>
+              <a:t>Klassenbibliothek in C++</a:t>
+            </a:r>
+          </a:p>
+          <a:p>
+            <a:r>
+              <a:rPr lang="de-DE" dirty="0" smtClean="0"/>
+              <a:t>Arbeiten mit Version 4.8.1</a:t>
+            </a:r>
+          </a:p>
+          <a:p>
+            <a:r>
+              <a:rPr lang="de-DE" dirty="0" smtClean="0"/>
+              <a:t>Debugger GNU </a:t>
+            </a:r>
+            <a:r>
+              <a:rPr lang="de-DE" dirty="0" err="1" smtClean="0"/>
+              <a:t>gdb</a:t>
+            </a:r>
+            <a:r>
+              <a:rPr lang="de-DE" dirty="0" smtClean="0"/>
+              <a:t> 7.8</a:t>
+            </a:r>
+          </a:p>
+          <a:p>
+            <a:r>
+              <a:rPr lang="de-DE" dirty="0"/>
+              <a:t>C</a:t>
+            </a:r>
+            <a:r>
+              <a:rPr lang="de-DE" dirty="0" smtClean="0"/>
+              <a:t>ompiler </a:t>
+            </a:r>
+            <a:r>
+              <a:rPr lang="de-DE" dirty="0" err="1" smtClean="0"/>
+              <a:t>MinGW</a:t>
+            </a:r>
+            <a:r>
+              <a:rPr lang="de-DE" dirty="0" smtClean="0"/>
+              <a:t> 4.9.1</a:t>
+            </a:r>
+          </a:p>
+          <a:p>
+            <a:r>
+              <a:rPr lang="de-DE" dirty="0" smtClean="0"/>
+              <a:t>Arbeiteten auf unseren eigenen PCs</a:t>
+            </a:r>
+            <a:endParaRPr lang="de-DE" dirty="0"/>
+          </a:p>
+        </p:txBody>
+      </p:sp>
+    </p:spTree>
+    <p:extLst>
+      <p:ext uri="{BB962C8B-B14F-4D97-AF65-F5344CB8AC3E}">
+        <p14:creationId xmlns:p14="http://schemas.microsoft.com/office/powerpoint/2010/main" val="2461881697"/>
+      </p:ext>
+    </p:extLst>
+  </p:cSld>
+  <p:clrMapOvr>
+    <a:masterClrMapping/>
+  </p:clrMapOvr>
+  <p:transition>
+    <p:dissolve/>
+  </p:transition>
+</p:sld>
+</file>
+
+<file path=ppt/slides/slide16.xml><?xml version="1.0" encoding="utf-8"?>
+<p:sld xmlns:a="http://schemas.openxmlformats.org/drawingml/2006/main" xmlns:r="http://schemas.openxmlformats.org/officeDocument/2006/relationships" xmlns:p="http://schemas.openxmlformats.org/presentationml/2006/main">
+  <p:cSld>
+    <p:spTree>
+      <p:nvGrpSpPr>
+        <p:cNvPr id="1" name=""/>
+        <p:cNvGrpSpPr/>
+        <p:nvPr/>
+      </p:nvGrpSpPr>
+      <p:grpSpPr>
+        <a:xfrm>
+          <a:off x="0" y="0"/>
+          <a:ext cx="0" cy="0"/>
+          <a:chOff x="0" y="0"/>
+          <a:chExt cx="0" cy="0"/>
+        </a:xfrm>
+      </p:grpSpPr>
+      <p:sp>
+        <p:nvSpPr>
+          <p:cNvPr id="2" name="Titel 1"/>
+          <p:cNvSpPr>
+            <a:spLocks noGrp="1"/>
+          </p:cNvSpPr>
+          <p:nvPr>
+            <p:ph type="title"/>
+          </p:nvPr>
+        </p:nvSpPr>
+        <p:spPr>
+          <a:xfrm>
+            <a:off x="457200" y="1238465"/>
+            <a:ext cx="8229600" cy="1143000"/>
+          </a:xfrm>
+        </p:spPr>
+        <p:txBody>
+          <a:bodyPr/>
+          <a:lstStyle/>
+          <a:p>
+            <a:r>
+              <a:rPr lang="de-DE" dirty="0" smtClean="0"/>
+              <a:t>Grundgerüst</a:t>
+            </a:r>
+            <a:endParaRPr lang="de-DE" dirty="0"/>
+          </a:p>
+        </p:txBody>
+      </p:sp>
+      <p:sp>
+        <p:nvSpPr>
+          <p:cNvPr id="3" name="Inhaltsplatzhalter 2"/>
+          <p:cNvSpPr>
+            <a:spLocks noGrp="1"/>
+          </p:cNvSpPr>
+          <p:nvPr>
+            <p:ph idx="1"/>
+          </p:nvPr>
+        </p:nvSpPr>
+        <p:spPr>
+          <a:xfrm>
+            <a:off x="457200" y="2621692"/>
+            <a:ext cx="8229600" cy="3910914"/>
+          </a:xfrm>
+        </p:spPr>
+        <p:txBody>
+          <a:bodyPr/>
+          <a:lstStyle/>
+          <a:p>
+            <a:r>
+              <a:rPr lang="de-DE" dirty="0" smtClean="0"/>
+              <a:t>13 Klassen und eine </a:t>
+            </a:r>
+            <a:r>
+              <a:rPr lang="de-DE" dirty="0" err="1" smtClean="0"/>
+              <a:t>main</a:t>
+            </a:r>
+            <a:endParaRPr lang="de-DE" dirty="0" smtClean="0"/>
+          </a:p>
+          <a:p>
+            <a:r>
+              <a:rPr lang="de-DE" dirty="0" smtClean="0"/>
+              <a:t>Automaten als </a:t>
+            </a:r>
+            <a:r>
+              <a:rPr lang="de-DE" dirty="0" err="1" smtClean="0"/>
+              <a:t>Hauptsruktur</a:t>
+            </a:r>
+            <a:endParaRPr lang="de-DE" dirty="0" smtClean="0"/>
+          </a:p>
+          <a:p>
+            <a:r>
+              <a:rPr lang="de-DE" dirty="0" smtClean="0"/>
+              <a:t>Hauptfenster mit </a:t>
+            </a:r>
+            <a:r>
+              <a:rPr lang="de-DE" dirty="0" err="1" smtClean="0"/>
+              <a:t>Widgets</a:t>
+            </a:r>
+            <a:endParaRPr lang="de-DE" dirty="0" smtClean="0"/>
+          </a:p>
+          <a:p>
+            <a:endParaRPr lang="de-DE" dirty="0"/>
+          </a:p>
+          <a:p>
+            <a:pPr marL="0" indent="0">
+              <a:buNone/>
+            </a:pPr>
+            <a:r>
+              <a:rPr lang="de-DE" dirty="0" smtClean="0">
+                <a:sym typeface="Wingdings" panose="05000000000000000000" pitchFamily="2" charset="2"/>
+              </a:rPr>
+              <a:t> Beispiele am Code</a:t>
+            </a:r>
+            <a:endParaRPr lang="de-DE" dirty="0"/>
+          </a:p>
+        </p:txBody>
+      </p:sp>
+    </p:spTree>
+    <p:extLst>
+      <p:ext uri="{BB962C8B-B14F-4D97-AF65-F5344CB8AC3E}">
+        <p14:creationId xmlns:p14="http://schemas.microsoft.com/office/powerpoint/2010/main" val="1052475433"/>
+      </p:ext>
+    </p:extLst>
+  </p:cSld>
+  <p:clrMapOvr>
+    <a:masterClrMapping/>
+  </p:clrMapOvr>
+  <p:transition>
+    <p:dissolve/>
+  </p:transition>
 </p:sld>
 </file>
 
@@ -5227,14 +5491,14 @@
           <a:effectLst/>
           <a:extLst>
             <a:ext uri="{909E8E84-426E-40dd-AFC4-6F175D3DCCD1}">
-              <a14:hiddenFill xmlns:a14="http://schemas.microsoft.com/office/drawing/2010/main" xmlns="">
+              <a14:hiddenFill xmlns="" xmlns:a14="http://schemas.microsoft.com/office/drawing/2010/main">
                 <a:solidFill>
                   <a:schemeClr val="accent1"/>
                 </a:solidFill>
               </a14:hiddenFill>
             </a:ext>
             <a:ext uri="{91240B29-F687-4f45-9708-019B960494DF}">
-              <a14:hiddenLine xmlns:a14="http://schemas.microsoft.com/office/drawing/2010/main" xmlns="" w="9525">
+              <a14:hiddenLine xmlns="" xmlns:a14="http://schemas.microsoft.com/office/drawing/2010/main" w="9525">
                 <a:solidFill>
                   <a:schemeClr val="tx1"/>
                 </a:solidFill>
@@ -5244,7 +5508,7 @@
               </a14:hiddenLine>
             </a:ext>
             <a:ext uri="{AF507438-7753-43e0-B8FC-AC1667EBCBE1}">
-              <a14:hiddenEffects xmlns:a14="http://schemas.microsoft.com/office/drawing/2010/main" xmlns="">
+              <a14:hiddenEffects xmlns="" xmlns:a14="http://schemas.microsoft.com/office/drawing/2010/main">
                 <a:effectLst>
                   <a:outerShdw blurRad="63500" dist="38099" dir="2700000" algn="ctr" rotWithShape="0">
                     <a:schemeClr val="bg2">
@@ -5296,14 +5560,14 @@
           <a:effectLst/>
           <a:extLst>
             <a:ext uri="{909E8E84-426E-40dd-AFC4-6F175D3DCCD1}">
-              <a14:hiddenFill xmlns:a14="http://schemas.microsoft.com/office/drawing/2010/main" xmlns="">
+              <a14:hiddenFill xmlns="" xmlns:a14="http://schemas.microsoft.com/office/drawing/2010/main">
                 <a:solidFill>
                   <a:schemeClr val="accent1"/>
                 </a:solidFill>
               </a14:hiddenFill>
             </a:ext>
             <a:ext uri="{91240B29-F687-4f45-9708-019B960494DF}">
-              <a14:hiddenLine xmlns:a14="http://schemas.microsoft.com/office/drawing/2010/main" xmlns="" w="9525">
+              <a14:hiddenLine xmlns="" xmlns:a14="http://schemas.microsoft.com/office/drawing/2010/main" w="9525">
                 <a:solidFill>
                   <a:schemeClr val="tx1"/>
                 </a:solidFill>
@@ -5313,7 +5577,7 @@
               </a14:hiddenLine>
             </a:ext>
             <a:ext uri="{AF507438-7753-43e0-B8FC-AC1667EBCBE1}">
-              <a14:hiddenEffects xmlns:a14="http://schemas.microsoft.com/office/drawing/2010/main" xmlns="">
+              <a14:hiddenEffects xmlns="" xmlns:a14="http://schemas.microsoft.com/office/drawing/2010/main">
                 <a:effectLst>
                   <a:outerShdw blurRad="63500" dist="38099" dir="2700000" algn="ctr" rotWithShape="0">
                     <a:schemeClr val="bg2">
@@ -6093,7 +6357,6 @@
               <a:rPr lang="de-DE" dirty="0" smtClean="0"/>
               <a:t>LED Hintergrundbeleuchtung</a:t>
             </a:r>
-            <a:endParaRPr lang="de-DE" dirty="0" smtClean="0"/>
           </a:p>
         </p:txBody>
       </p:sp>
@@ -6286,7 +6549,6 @@
               <a:rPr lang="de-DE" dirty="0" smtClean="0"/>
               <a:t>Passender Kernel vom Hersteller</a:t>
             </a:r>
-            <a:endParaRPr lang="de-DE" dirty="0" smtClean="0"/>
           </a:p>
         </p:txBody>
       </p:sp>
@@ -6824,7 +7086,6 @@
               <a:rPr lang="de-DE" sz="2400" dirty="0"/>
               <a:t> "WLAN-PASSWORT"</a:t>
             </a:r>
-            <a:endParaRPr lang="de-DE" sz="2400" dirty="0"/>
           </a:p>
         </p:txBody>
       </p:sp>
@@ -7097,7 +7358,7 @@
         <a:effectLst/>
         <a:extLst>
           <a:ext uri="{AF507438-7753-43e0-B8FC-AC1667EBCBE1}">
-            <a14:hiddenEffects xmlns:a14="http://schemas.microsoft.com/office/drawing/2010/main" xmlns="">
+            <a14:hiddenEffects xmlns="" xmlns:a14="http://schemas.microsoft.com/office/drawing/2010/main">
               <a:effectLst>
                 <a:outerShdw blurRad="63500" dist="38099" dir="2700000" algn="ctr" rotWithShape="0">
                   <a:schemeClr val="bg2">
@@ -7174,7 +7435,7 @@
         <a:effectLst/>
         <a:extLst>
           <a:ext uri="{AF507438-7753-43e0-B8FC-AC1667EBCBE1}">
-            <a14:hiddenEffects xmlns:a14="http://schemas.microsoft.com/office/drawing/2010/main" xmlns="">
+            <a14:hiddenEffects xmlns="" xmlns:a14="http://schemas.microsoft.com/office/drawing/2010/main">
               <a:effectLst>
                 <a:outerShdw blurRad="63500" dist="38099" dir="2700000" algn="ctr" rotWithShape="0">
                   <a:schemeClr val="bg2">

--- a/documents/presentation/TallyFinal.pptx
+++ b/documents/presentation/TallyFinal.pptx
@@ -5,10 +5,10 @@
     <p:sldMasterId id="2147483648" r:id="rId1"/>
   </p:sldMasterIdLst>
   <p:notesMasterIdLst>
-    <p:notesMasterId r:id="rId18"/>
+    <p:notesMasterId r:id="rId22"/>
   </p:notesMasterIdLst>
   <p:handoutMasterIdLst>
-    <p:handoutMasterId r:id="rId19"/>
+    <p:handoutMasterId r:id="rId23"/>
   </p:handoutMasterIdLst>
   <p:sldIdLst>
     <p:sldId id="256" r:id="rId2"/>
@@ -22,11 +22,15 @@
     <p:sldId id="263" r:id="rId10"/>
     <p:sldId id="264" r:id="rId11"/>
     <p:sldId id="265" r:id="rId12"/>
-    <p:sldId id="266" r:id="rId13"/>
-    <p:sldId id="269" r:id="rId14"/>
-    <p:sldId id="270" r:id="rId15"/>
-    <p:sldId id="271" r:id="rId16"/>
-    <p:sldId id="272" r:id="rId17"/>
+    <p:sldId id="276" r:id="rId13"/>
+    <p:sldId id="266" r:id="rId14"/>
+    <p:sldId id="269" r:id="rId15"/>
+    <p:sldId id="270" r:id="rId16"/>
+    <p:sldId id="271" r:id="rId17"/>
+    <p:sldId id="272" r:id="rId18"/>
+    <p:sldId id="274" r:id="rId19"/>
+    <p:sldId id="275" r:id="rId20"/>
+    <p:sldId id="273" r:id="rId21"/>
   </p:sldIdLst>
   <p:sldSz cx="9144000" cy="6858000" type="screen4x3"/>
   <p:notesSz cx="6858000" cy="9144000"/>
@@ -223,14 +227,14 @@
           </a:ln>
           <a:extLst>
             <a:ext uri="{909E8E84-426E-40dd-AFC4-6F175D3DCCD1}">
-              <a14:hiddenFill xmlns="" xmlns:a14="http://schemas.microsoft.com/office/drawing/2010/main">
+              <a14:hiddenFill xmlns:a14="http://schemas.microsoft.com/office/drawing/2010/main" xmlns="">
                 <a:solidFill>
                   <a:schemeClr val="accent1"/>
                 </a:solidFill>
               </a14:hiddenFill>
             </a:ext>
             <a:ext uri="{91240B29-F687-4f45-9708-019B960494DF}">
-              <a14:hiddenLine xmlns="" xmlns:a14="http://schemas.microsoft.com/office/drawing/2010/main" w="9525">
+              <a14:hiddenLine xmlns:a14="http://schemas.microsoft.com/office/drawing/2010/main" xmlns="" w="9525">
                 <a:solidFill>
                   <a:schemeClr val="tx1"/>
                 </a:solidFill>
@@ -240,7 +244,7 @@
               </a14:hiddenLine>
             </a:ext>
             <a:ext uri="{FAA26D3D-D897-4be2-8F04-BA451C77F1D7}">
-              <ma14:placeholderFlag xmlns="" xmlns:ma14="http://schemas.microsoft.com/office/mac/drawingml/2011/main" val="1"/>
+              <ma14:placeholderFlag xmlns:ma14="http://schemas.microsoft.com/office/mac/drawingml/2011/main" xmlns="" val="1"/>
             </a:ext>
           </a:extLst>
         </p:spPr>
@@ -284,14 +288,14 @@
           </a:ln>
           <a:extLst>
             <a:ext uri="{909E8E84-426E-40dd-AFC4-6F175D3DCCD1}">
-              <a14:hiddenFill xmlns="" xmlns:a14="http://schemas.microsoft.com/office/drawing/2010/main">
+              <a14:hiddenFill xmlns:a14="http://schemas.microsoft.com/office/drawing/2010/main" xmlns="">
                 <a:solidFill>
                   <a:schemeClr val="accent1"/>
                 </a:solidFill>
               </a14:hiddenFill>
             </a:ext>
             <a:ext uri="{91240B29-F687-4f45-9708-019B960494DF}">
-              <a14:hiddenLine xmlns="" xmlns:a14="http://schemas.microsoft.com/office/drawing/2010/main" w="9525">
+              <a14:hiddenLine xmlns:a14="http://schemas.microsoft.com/office/drawing/2010/main" xmlns="" w="9525">
                 <a:solidFill>
                   <a:schemeClr val="tx1"/>
                 </a:solidFill>
@@ -301,7 +305,7 @@
               </a14:hiddenLine>
             </a:ext>
             <a:ext uri="{FAA26D3D-D897-4be2-8F04-BA451C77F1D7}">
-              <ma14:placeholderFlag xmlns="" xmlns:ma14="http://schemas.microsoft.com/office/mac/drawingml/2011/main" val="1"/>
+              <ma14:placeholderFlag xmlns:ma14="http://schemas.microsoft.com/office/mac/drawingml/2011/main" xmlns="" val="1"/>
             </a:ext>
           </a:extLst>
         </p:spPr>
@@ -345,14 +349,14 @@
           </a:ln>
           <a:extLst>
             <a:ext uri="{909E8E84-426E-40dd-AFC4-6F175D3DCCD1}">
-              <a14:hiddenFill xmlns="" xmlns:a14="http://schemas.microsoft.com/office/drawing/2010/main">
+              <a14:hiddenFill xmlns:a14="http://schemas.microsoft.com/office/drawing/2010/main" xmlns="">
                 <a:solidFill>
                   <a:schemeClr val="accent1"/>
                 </a:solidFill>
               </a14:hiddenFill>
             </a:ext>
             <a:ext uri="{91240B29-F687-4f45-9708-019B960494DF}">
-              <a14:hiddenLine xmlns="" xmlns:a14="http://schemas.microsoft.com/office/drawing/2010/main" w="9525">
+              <a14:hiddenLine xmlns:a14="http://schemas.microsoft.com/office/drawing/2010/main" xmlns="" w="9525">
                 <a:solidFill>
                   <a:schemeClr val="tx1"/>
                 </a:solidFill>
@@ -362,7 +366,7 @@
               </a14:hiddenLine>
             </a:ext>
             <a:ext uri="{FAA26D3D-D897-4be2-8F04-BA451C77F1D7}">
-              <ma14:placeholderFlag xmlns="" xmlns:ma14="http://schemas.microsoft.com/office/mac/drawingml/2011/main" val="1"/>
+              <ma14:placeholderFlag xmlns:ma14="http://schemas.microsoft.com/office/mac/drawingml/2011/main" xmlns="" val="1"/>
             </a:ext>
           </a:extLst>
         </p:spPr>
@@ -406,14 +410,14 @@
           </a:ln>
           <a:extLst>
             <a:ext uri="{909E8E84-426E-40dd-AFC4-6F175D3DCCD1}">
-              <a14:hiddenFill xmlns="" xmlns:a14="http://schemas.microsoft.com/office/drawing/2010/main">
+              <a14:hiddenFill xmlns:a14="http://schemas.microsoft.com/office/drawing/2010/main" xmlns="">
                 <a:solidFill>
                   <a:schemeClr val="accent1"/>
                 </a:solidFill>
               </a14:hiddenFill>
             </a:ext>
             <a:ext uri="{91240B29-F687-4f45-9708-019B960494DF}">
-              <a14:hiddenLine xmlns="" xmlns:a14="http://schemas.microsoft.com/office/drawing/2010/main" w="9525">
+              <a14:hiddenLine xmlns:a14="http://schemas.microsoft.com/office/drawing/2010/main" xmlns="" w="9525">
                 <a:solidFill>
                   <a:schemeClr val="tx1"/>
                 </a:solidFill>
@@ -423,7 +427,7 @@
               </a14:hiddenLine>
             </a:ext>
             <a:ext uri="{FAA26D3D-D897-4be2-8F04-BA451C77F1D7}">
-              <ma14:placeholderFlag xmlns="" xmlns:ma14="http://schemas.microsoft.com/office/mac/drawingml/2011/main" val="1"/>
+              <ma14:placeholderFlag xmlns:ma14="http://schemas.microsoft.com/office/mac/drawingml/2011/main" xmlns="" val="1"/>
             </a:ext>
           </a:extLst>
         </p:spPr>
@@ -508,14 +512,14 @@
           </a:ln>
           <a:extLst>
             <a:ext uri="{909E8E84-426E-40dd-AFC4-6F175D3DCCD1}">
-              <a14:hiddenFill xmlns="" xmlns:a14="http://schemas.microsoft.com/office/drawing/2010/main">
+              <a14:hiddenFill xmlns:a14="http://schemas.microsoft.com/office/drawing/2010/main" xmlns="">
                 <a:solidFill>
                   <a:schemeClr val="accent1"/>
                 </a:solidFill>
               </a14:hiddenFill>
             </a:ext>
             <a:ext uri="{91240B29-F687-4f45-9708-019B960494DF}">
-              <a14:hiddenLine xmlns="" xmlns:a14="http://schemas.microsoft.com/office/drawing/2010/main" w="9525">
+              <a14:hiddenLine xmlns:a14="http://schemas.microsoft.com/office/drawing/2010/main" xmlns="" w="9525">
                 <a:solidFill>
                   <a:schemeClr val="tx1"/>
                 </a:solidFill>
@@ -525,7 +529,7 @@
               </a14:hiddenLine>
             </a:ext>
             <a:ext uri="{FAA26D3D-D897-4be2-8F04-BA451C77F1D7}">
-              <ma14:placeholderFlag xmlns="" xmlns:ma14="http://schemas.microsoft.com/office/mac/drawingml/2011/main" val="1"/>
+              <ma14:placeholderFlag xmlns:ma14="http://schemas.microsoft.com/office/mac/drawingml/2011/main" xmlns="" val="1"/>
             </a:ext>
           </a:extLst>
         </p:spPr>
@@ -569,14 +573,14 @@
           </a:ln>
           <a:extLst>
             <a:ext uri="{909E8E84-426E-40dd-AFC4-6F175D3DCCD1}">
-              <a14:hiddenFill xmlns="" xmlns:a14="http://schemas.microsoft.com/office/drawing/2010/main">
+              <a14:hiddenFill xmlns:a14="http://schemas.microsoft.com/office/drawing/2010/main" xmlns="">
                 <a:solidFill>
                   <a:schemeClr val="accent1"/>
                 </a:solidFill>
               </a14:hiddenFill>
             </a:ext>
             <a:ext uri="{91240B29-F687-4f45-9708-019B960494DF}">
-              <a14:hiddenLine xmlns="" xmlns:a14="http://schemas.microsoft.com/office/drawing/2010/main" w="9525">
+              <a14:hiddenLine xmlns:a14="http://schemas.microsoft.com/office/drawing/2010/main" xmlns="" w="9525">
                 <a:solidFill>
                   <a:schemeClr val="tx1"/>
                 </a:solidFill>
@@ -586,7 +590,7 @@
               </a14:hiddenLine>
             </a:ext>
             <a:ext uri="{FAA26D3D-D897-4be2-8F04-BA451C77F1D7}">
-              <ma14:placeholderFlag xmlns="" xmlns:ma14="http://schemas.microsoft.com/office/mac/drawingml/2011/main" val="1"/>
+              <ma14:placeholderFlag xmlns:ma14="http://schemas.microsoft.com/office/mac/drawingml/2011/main" xmlns="" val="1"/>
             </a:ext>
           </a:extLst>
         </p:spPr>
@@ -636,7 +640,7 @@
           <a:effectLst/>
           <a:extLst>
             <a:ext uri="{AF507438-7753-43e0-B8FC-AC1667EBCBE1}">
-              <a14:hiddenEffects xmlns="" xmlns:a14="http://schemas.microsoft.com/office/drawing/2010/main">
+              <a14:hiddenEffects xmlns:a14="http://schemas.microsoft.com/office/drawing/2010/main" xmlns="">
                 <a:effectLst>
                   <a:outerShdw blurRad="63500" dist="38099" dir="2700000" algn="ctr" rotWithShape="0">
                     <a:srgbClr val="000000">
@@ -647,7 +651,7 @@
               </a14:hiddenEffects>
             </a:ext>
             <a:ext uri="{53640926-AAD7-44d8-BBD7-CCE9431645EC}">
-              <a14:shadowObscured xmlns="" xmlns:a14="http://schemas.microsoft.com/office/drawing/2010/main" val="1"/>
+              <a14:shadowObscured xmlns:a14="http://schemas.microsoft.com/office/drawing/2010/main" xmlns="" val="1"/>
             </a:ext>
           </a:extLst>
         </p:spPr>
@@ -676,14 +680,14 @@
           </a:ln>
           <a:extLst>
             <a:ext uri="{909E8E84-426E-40dd-AFC4-6F175D3DCCD1}">
-              <a14:hiddenFill xmlns="" xmlns:a14="http://schemas.microsoft.com/office/drawing/2010/main">
+              <a14:hiddenFill xmlns:a14="http://schemas.microsoft.com/office/drawing/2010/main" xmlns="">
                 <a:solidFill>
                   <a:schemeClr val="accent1"/>
                 </a:solidFill>
               </a14:hiddenFill>
             </a:ext>
             <a:ext uri="{91240B29-F687-4f45-9708-019B960494DF}">
-              <a14:hiddenLine xmlns="" xmlns:a14="http://schemas.microsoft.com/office/drawing/2010/main" w="9525">
+              <a14:hiddenLine xmlns:a14="http://schemas.microsoft.com/office/drawing/2010/main" xmlns="" w="9525">
                 <a:solidFill>
                   <a:schemeClr val="tx1"/>
                 </a:solidFill>
@@ -693,7 +697,7 @@
               </a14:hiddenLine>
             </a:ext>
             <a:ext uri="{FAA26D3D-D897-4be2-8F04-BA451C77F1D7}">
-              <ma14:placeholderFlag xmlns="" xmlns:ma14="http://schemas.microsoft.com/office/mac/drawingml/2011/main" val="1"/>
+              <ma14:placeholderFlag xmlns:ma14="http://schemas.microsoft.com/office/mac/drawingml/2011/main" xmlns="" val="1"/>
             </a:ext>
           </a:extLst>
         </p:spPr>
@@ -765,14 +769,14 @@
           </a:ln>
           <a:extLst>
             <a:ext uri="{909E8E84-426E-40dd-AFC4-6F175D3DCCD1}">
-              <a14:hiddenFill xmlns="" xmlns:a14="http://schemas.microsoft.com/office/drawing/2010/main">
+              <a14:hiddenFill xmlns:a14="http://schemas.microsoft.com/office/drawing/2010/main" xmlns="">
                 <a:solidFill>
                   <a:schemeClr val="accent1"/>
                 </a:solidFill>
               </a14:hiddenFill>
             </a:ext>
             <a:ext uri="{91240B29-F687-4f45-9708-019B960494DF}">
-              <a14:hiddenLine xmlns="" xmlns:a14="http://schemas.microsoft.com/office/drawing/2010/main" w="9525">
+              <a14:hiddenLine xmlns:a14="http://schemas.microsoft.com/office/drawing/2010/main" xmlns="" w="9525">
                 <a:solidFill>
                   <a:schemeClr val="tx1"/>
                 </a:solidFill>
@@ -782,7 +786,7 @@
               </a14:hiddenLine>
             </a:ext>
             <a:ext uri="{FAA26D3D-D897-4be2-8F04-BA451C77F1D7}">
-              <ma14:placeholderFlag xmlns="" xmlns:ma14="http://schemas.microsoft.com/office/mac/drawingml/2011/main" val="1"/>
+              <ma14:placeholderFlag xmlns:ma14="http://schemas.microsoft.com/office/mac/drawingml/2011/main" xmlns="" val="1"/>
             </a:ext>
           </a:extLst>
         </p:spPr>
@@ -826,14 +830,14 @@
           </a:ln>
           <a:extLst>
             <a:ext uri="{909E8E84-426E-40dd-AFC4-6F175D3DCCD1}">
-              <a14:hiddenFill xmlns="" xmlns:a14="http://schemas.microsoft.com/office/drawing/2010/main">
+              <a14:hiddenFill xmlns:a14="http://schemas.microsoft.com/office/drawing/2010/main" xmlns="">
                 <a:solidFill>
                   <a:schemeClr val="accent1"/>
                 </a:solidFill>
               </a14:hiddenFill>
             </a:ext>
             <a:ext uri="{91240B29-F687-4f45-9708-019B960494DF}">
-              <a14:hiddenLine xmlns="" xmlns:a14="http://schemas.microsoft.com/office/drawing/2010/main" w="9525">
+              <a14:hiddenLine xmlns:a14="http://schemas.microsoft.com/office/drawing/2010/main" xmlns="" w="9525">
                 <a:solidFill>
                   <a:schemeClr val="tx1"/>
                 </a:solidFill>
@@ -843,7 +847,7 @@
               </a14:hiddenLine>
             </a:ext>
             <a:ext uri="{FAA26D3D-D897-4be2-8F04-BA451C77F1D7}">
-              <ma14:placeholderFlag xmlns="" xmlns:ma14="http://schemas.microsoft.com/office/mac/drawingml/2011/main" val="1"/>
+              <ma14:placeholderFlag xmlns:ma14="http://schemas.microsoft.com/office/mac/drawingml/2011/main" xmlns="" val="1"/>
             </a:ext>
           </a:extLst>
         </p:spPr>
@@ -1058,7 +1062,7 @@
           <a:ln/>
           <a:extLst>
             <a:ext uri="{FAA26D3D-D897-4be2-8F04-BA451C77F1D7}">
-              <ma14:placeholderFlag xmlns="" xmlns:ma14="http://schemas.microsoft.com/office/mac/drawingml/2011/main" val="1"/>
+              <ma14:placeholderFlag xmlns:ma14="http://schemas.microsoft.com/office/mac/drawingml/2011/main" xmlns="" val="1"/>
             </a:ext>
           </a:extLst>
         </p:spPr>
@@ -1152,7 +1156,7 @@
           <a:ln/>
           <a:extLst>
             <a:ext uri="{FAA26D3D-D897-4be2-8F04-BA451C77F1D7}">
-              <ma14:placeholderFlag xmlns="" xmlns:ma14="http://schemas.microsoft.com/office/mac/drawingml/2011/main" val="1"/>
+              <ma14:placeholderFlag xmlns:ma14="http://schemas.microsoft.com/office/mac/drawingml/2011/main" xmlns="" val="1"/>
             </a:ext>
           </a:extLst>
         </p:spPr>
@@ -1226,7 +1230,7 @@
             <a:fld id="{B31B1B0F-6CC3-3C45-BB73-8213046D6868}" type="slidenum">
               <a:rPr lang="de-DE"/>
               <a:pPr/>
-              <a:t>14</a:t>
+              <a:t>15</a:t>
             </a:fld>
             <a:endParaRPr lang="de-DE"/>
           </a:p>
@@ -1246,7 +1250,7 @@
           <a:ln/>
           <a:extLst>
             <a:ext uri="{FAA26D3D-D897-4be2-8F04-BA451C77F1D7}">
-              <ma14:placeholderFlag xmlns="" xmlns:ma14="http://schemas.microsoft.com/office/mac/drawingml/2011/main" val="1"/>
+              <ma14:placeholderFlag xmlns:ma14="http://schemas.microsoft.com/office/mac/drawingml/2011/main" xmlns="" val="1"/>
             </a:ext>
           </a:extLst>
         </p:spPr>
@@ -1325,7 +1329,7 @@
           <a:effectLst/>
           <a:extLst>
             <a:ext uri="{91240B29-F687-4f45-9708-019B960494DF}">
-              <a14:hiddenLine xmlns="" xmlns:a14="http://schemas.microsoft.com/office/drawing/2010/main" w="9525">
+              <a14:hiddenLine xmlns:a14="http://schemas.microsoft.com/office/drawing/2010/main" xmlns="" w="9525">
                 <a:solidFill>
                   <a:srgbClr val="0E1B44"/>
                 </a:solidFill>
@@ -1335,7 +1339,7 @@
               </a14:hiddenLine>
             </a:ext>
             <a:ext uri="{AF507438-7753-43e0-B8FC-AC1667EBCBE1}">
-              <a14:hiddenEffects xmlns="" xmlns:a14="http://schemas.microsoft.com/office/drawing/2010/main">
+              <a14:hiddenEffects xmlns:a14="http://schemas.microsoft.com/office/drawing/2010/main" xmlns="">
                 <a:effectLst>
                   <a:outerShdw blurRad="63500" dist="38099" dir="2700000" algn="ctr" rotWithShape="0">
                     <a:srgbClr val="000000">
@@ -1379,7 +1383,7 @@
           </a:ln>
           <a:extLst>
             <a:ext uri="{91240B29-F687-4f45-9708-019B960494DF}">
-              <a14:hiddenLine xmlns="" xmlns:a14="http://schemas.microsoft.com/office/drawing/2010/main" w="9525">
+              <a14:hiddenLine xmlns:a14="http://schemas.microsoft.com/office/drawing/2010/main" xmlns="" w="9525">
                 <a:solidFill>
                   <a:schemeClr val="tx1"/>
                 </a:solidFill>
@@ -1430,7 +1434,7 @@
           <a:noFill/>
           <a:extLst>
             <a:ext uri="{909E8E84-426E-40dd-AFC4-6F175D3DCCD1}">
-              <a14:hiddenFill xmlns="" xmlns:a14="http://schemas.microsoft.com/office/drawing/2010/main">
+              <a14:hiddenFill xmlns:a14="http://schemas.microsoft.com/office/drawing/2010/main" xmlns="">
                 <a:solidFill>
                   <a:srgbClr val="FFFFFF"/>
                 </a:solidFill>
@@ -1466,7 +1470,7 @@
           </a:ln>
           <a:extLst>
             <a:ext uri="{909E8E84-426E-40dd-AFC4-6F175D3DCCD1}">
-              <a14:hiddenFill xmlns="" xmlns:a14="http://schemas.microsoft.com/office/drawing/2010/main">
+              <a14:hiddenFill xmlns:a14="http://schemas.microsoft.com/office/drawing/2010/main" xmlns="">
                 <a:noFill/>
               </a14:hiddenFill>
             </a:ext>
@@ -1485,9 +1489,18 @@
   <p:clrMapOvr>
     <a:masterClrMapping/>
   </p:clrMapOvr>
-  <p:transition>
-    <p:dissolve/>
-  </p:transition>
+  <mc:AlternateContent xmlns:mc="http://schemas.openxmlformats.org/markup-compatibility/2006">
+    <mc:Choice xmlns:p14="http://schemas.microsoft.com/office/powerpoint/2010/main" Requires="p14">
+      <p:transition spd="med" p14:dur="700">
+        <p:fade/>
+      </p:transition>
+    </mc:Choice>
+    <mc:Fallback>
+      <p:transition spd="med">
+        <p:fade/>
+      </p:transition>
+    </mc:Fallback>
+  </mc:AlternateContent>
 </p:sldLayout>
 </file>
 
@@ -1609,9 +1622,18 @@
   <p:clrMapOvr>
     <a:masterClrMapping/>
   </p:clrMapOvr>
-  <p:transition>
-    <p:dissolve/>
-  </p:transition>
+  <mc:AlternateContent xmlns:mc="http://schemas.openxmlformats.org/markup-compatibility/2006">
+    <mc:Choice xmlns:p14="http://schemas.microsoft.com/office/powerpoint/2010/main" Requires="p14">
+      <p:transition spd="med" p14:dur="700">
+        <p:fade/>
+      </p:transition>
+    </mc:Choice>
+    <mc:Fallback>
+      <p:transition spd="med">
+        <p:fade/>
+      </p:transition>
+    </mc:Fallback>
+  </mc:AlternateContent>
 </p:sldLayout>
 </file>
 
@@ -1733,9 +1755,18 @@
   <p:clrMapOvr>
     <a:masterClrMapping/>
   </p:clrMapOvr>
-  <p:transition>
-    <p:dissolve/>
-  </p:transition>
+  <mc:AlternateContent xmlns:mc="http://schemas.openxmlformats.org/markup-compatibility/2006">
+    <mc:Choice xmlns:p14="http://schemas.microsoft.com/office/powerpoint/2010/main" Requires="p14">
+      <p:transition spd="med" p14:dur="700">
+        <p:fade/>
+      </p:transition>
+    </mc:Choice>
+    <mc:Fallback>
+      <p:transition spd="med">
+        <p:fade/>
+      </p:transition>
+    </mc:Fallback>
+  </mc:AlternateContent>
 </p:sldLayout>
 </file>
 
@@ -1857,9 +1888,18 @@
   <p:clrMapOvr>
     <a:masterClrMapping/>
   </p:clrMapOvr>
-  <p:transition>
-    <p:dissolve/>
-  </p:transition>
+  <mc:AlternateContent xmlns:mc="http://schemas.openxmlformats.org/markup-compatibility/2006">
+    <mc:Choice xmlns:p14="http://schemas.microsoft.com/office/powerpoint/2010/main" Requires="p14">
+      <p:transition spd="med" p14:dur="700">
+        <p:fade/>
+      </p:transition>
+    </mc:Choice>
+    <mc:Fallback>
+      <p:transition spd="med">
+        <p:fade/>
+      </p:transition>
+    </mc:Fallback>
+  </mc:AlternateContent>
 </p:sldLayout>
 </file>
 
@@ -1993,9 +2033,18 @@
   <p:clrMapOvr>
     <a:masterClrMapping/>
   </p:clrMapOvr>
-  <p:transition>
-    <p:dissolve/>
-  </p:transition>
+  <mc:AlternateContent xmlns:mc="http://schemas.openxmlformats.org/markup-compatibility/2006">
+    <mc:Choice xmlns:p14="http://schemas.microsoft.com/office/powerpoint/2010/main" Requires="p14">
+      <p:transition spd="med" p14:dur="700">
+        <p:fade/>
+      </p:transition>
+    </mc:Choice>
+    <mc:Fallback>
+      <p:transition spd="med">
+        <p:fade/>
+      </p:transition>
+    </mc:Fallback>
+  </mc:AlternateContent>
 </p:sldLayout>
 </file>
 
@@ -2233,9 +2282,18 @@
   <p:clrMapOvr>
     <a:masterClrMapping/>
   </p:clrMapOvr>
-  <p:transition>
-    <p:dissolve/>
-  </p:transition>
+  <mc:AlternateContent xmlns:mc="http://schemas.openxmlformats.org/markup-compatibility/2006">
+    <mc:Choice xmlns:p14="http://schemas.microsoft.com/office/powerpoint/2010/main" Requires="p14">
+      <p:transition spd="med" p14:dur="700">
+        <p:fade/>
+      </p:transition>
+    </mc:Choice>
+    <mc:Fallback>
+      <p:transition spd="med">
+        <p:fade/>
+      </p:transition>
+    </mc:Fallback>
+  </mc:AlternateContent>
 </p:sldLayout>
 </file>
 
@@ -2613,9 +2671,18 @@
   <p:clrMapOvr>
     <a:masterClrMapping/>
   </p:clrMapOvr>
-  <p:transition>
-    <p:dissolve/>
-  </p:transition>
+  <mc:AlternateContent xmlns:mc="http://schemas.openxmlformats.org/markup-compatibility/2006">
+    <mc:Choice xmlns:p14="http://schemas.microsoft.com/office/powerpoint/2010/main" Requires="p14">
+      <p:transition spd="med" p14:dur="700">
+        <p:fade/>
+      </p:transition>
+    </mc:Choice>
+    <mc:Fallback>
+      <p:transition spd="med">
+        <p:fade/>
+      </p:transition>
+    </mc:Fallback>
+  </mc:AlternateContent>
 </p:sldLayout>
 </file>
 
@@ -2677,9 +2744,18 @@
   <p:clrMapOvr>
     <a:masterClrMapping/>
   </p:clrMapOvr>
-  <p:transition>
-    <p:dissolve/>
-  </p:transition>
+  <mc:AlternateContent xmlns:mc="http://schemas.openxmlformats.org/markup-compatibility/2006">
+    <mc:Choice xmlns:p14="http://schemas.microsoft.com/office/powerpoint/2010/main" Requires="p14">
+      <p:transition spd="med" p14:dur="700">
+        <p:fade/>
+      </p:transition>
+    </mc:Choice>
+    <mc:Fallback>
+      <p:transition spd="med">
+        <p:fade/>
+      </p:transition>
+    </mc:Fallback>
+  </mc:AlternateContent>
 </p:sldLayout>
 </file>
 
@@ -2710,9 +2786,18 @@
   <p:clrMapOvr>
     <a:masterClrMapping/>
   </p:clrMapOvr>
-  <p:transition>
-    <p:dissolve/>
-  </p:transition>
+  <mc:AlternateContent xmlns:mc="http://schemas.openxmlformats.org/markup-compatibility/2006">
+    <mc:Choice xmlns:p14="http://schemas.microsoft.com/office/powerpoint/2010/main" Requires="p14">
+      <p:transition spd="med" p14:dur="700">
+        <p:fade/>
+      </p:transition>
+    </mc:Choice>
+    <mc:Fallback>
+      <p:transition spd="med">
+        <p:fade/>
+      </p:transition>
+    </mc:Fallback>
+  </mc:AlternateContent>
 </p:sldLayout>
 </file>
 
@@ -2934,9 +3019,18 @@
   <p:clrMapOvr>
     <a:masterClrMapping/>
   </p:clrMapOvr>
-  <p:transition>
-    <p:dissolve/>
-  </p:transition>
+  <mc:AlternateContent xmlns:mc="http://schemas.openxmlformats.org/markup-compatibility/2006">
+    <mc:Choice xmlns:p14="http://schemas.microsoft.com/office/powerpoint/2010/main" Requires="p14">
+      <p:transition spd="med" p14:dur="700">
+        <p:fade/>
+      </p:transition>
+    </mc:Choice>
+    <mc:Fallback>
+      <p:transition spd="med">
+        <p:fade/>
+      </p:transition>
+    </mc:Fallback>
+  </mc:AlternateContent>
 </p:sldLayout>
 </file>
 
@@ -3134,9 +3228,18 @@
   <p:clrMapOvr>
     <a:masterClrMapping/>
   </p:clrMapOvr>
-  <p:transition>
-    <p:dissolve/>
-  </p:transition>
+  <mc:AlternateContent xmlns:mc="http://schemas.openxmlformats.org/markup-compatibility/2006">
+    <mc:Choice xmlns:p14="http://schemas.microsoft.com/office/powerpoint/2010/main" Requires="p14">
+      <p:transition spd="med" p14:dur="700">
+        <p:fade/>
+      </p:transition>
+    </mc:Choice>
+    <mc:Fallback>
+      <p:transition spd="med">
+        <p:fade/>
+      </p:transition>
+    </mc:Fallback>
+  </mc:AlternateContent>
 </p:sldLayout>
 </file>
 
@@ -3190,7 +3293,7 @@
           <a:effectLst/>
           <a:extLst>
             <a:ext uri="{91240B29-F687-4f45-9708-019B960494DF}">
-              <a14:hiddenLine xmlns="" xmlns:a14="http://schemas.microsoft.com/office/drawing/2010/main" w="9525">
+              <a14:hiddenLine xmlns:a14="http://schemas.microsoft.com/office/drawing/2010/main" xmlns="" w="9525">
                 <a:solidFill>
                   <a:srgbClr val="0E1B44"/>
                 </a:solidFill>
@@ -3200,7 +3303,7 @@
               </a14:hiddenLine>
             </a:ext>
             <a:ext uri="{AF507438-7753-43e0-B8FC-AC1667EBCBE1}">
-              <a14:hiddenEffects xmlns="" xmlns:a14="http://schemas.microsoft.com/office/drawing/2010/main">
+              <a14:hiddenEffects xmlns:a14="http://schemas.microsoft.com/office/drawing/2010/main" xmlns="">
                 <a:effectLst>
                   <a:outerShdw blurRad="63500" dist="38099" dir="2700000" algn="ctr" rotWithShape="0">
                     <a:srgbClr val="000000">
@@ -3244,7 +3347,7 @@
           </a:ln>
           <a:extLst>
             <a:ext uri="{91240B29-F687-4f45-9708-019B960494DF}">
-              <a14:hiddenLine xmlns="" xmlns:a14="http://schemas.microsoft.com/office/drawing/2010/main" w="9525">
+              <a14:hiddenLine xmlns:a14="http://schemas.microsoft.com/office/drawing/2010/main" xmlns="" w="9525">
                 <a:solidFill>
                   <a:schemeClr val="tx1"/>
                 </a:solidFill>
@@ -3295,7 +3398,7 @@
           <a:noFill/>
           <a:extLst>
             <a:ext uri="{909E8E84-426E-40dd-AFC4-6F175D3DCCD1}">
-              <a14:hiddenFill xmlns="" xmlns:a14="http://schemas.microsoft.com/office/drawing/2010/main">
+              <a14:hiddenFill xmlns:a14="http://schemas.microsoft.com/office/drawing/2010/main" xmlns="">
                 <a:solidFill>
                   <a:srgbClr val="FFFFFF"/>
                 </a:solidFill>
@@ -3331,7 +3434,7 @@
           </a:ln>
           <a:extLst>
             <a:ext uri="{909E8E84-426E-40dd-AFC4-6F175D3DCCD1}">
-              <a14:hiddenFill xmlns="" xmlns:a14="http://schemas.microsoft.com/office/drawing/2010/main">
+              <a14:hiddenFill xmlns:a14="http://schemas.microsoft.com/office/drawing/2010/main" xmlns="">
                 <a:noFill/>
               </a14:hiddenFill>
             </a:ext>
@@ -3361,9 +3464,18 @@
     <p:sldLayoutId id="2147483658" r:id="rId10"/>
     <p:sldLayoutId id="2147483659" r:id="rId11"/>
   </p:sldLayoutIdLst>
-  <p:transition>
-    <p:dissolve/>
-  </p:transition>
+  <mc:AlternateContent xmlns:mc="http://schemas.openxmlformats.org/markup-compatibility/2006">
+    <mc:Choice xmlns:p14="http://schemas.microsoft.com/office/powerpoint/2010/main" Requires="p14">
+      <p:transition spd="med" p14:dur="700">
+        <p:fade/>
+      </p:transition>
+    </mc:Choice>
+    <mc:Fallback>
+      <p:transition spd="med">
+        <p:fade/>
+      </p:transition>
+    </mc:Fallback>
+  </mc:AlternateContent>
   <p:txStyles>
     <p:titleStyle>
       <a:lvl1pPr algn="ctr" rtl="0" fontAlgn="base">
@@ -3796,14 +3908,14 @@
           </a:ln>
           <a:extLst>
             <a:ext uri="{909E8E84-426E-40dd-AFC4-6F175D3DCCD1}">
-              <a14:hiddenFill xmlns="" xmlns:a14="http://schemas.microsoft.com/office/drawing/2010/main">
+              <a14:hiddenFill xmlns:a14="http://schemas.microsoft.com/office/drawing/2010/main" xmlns="">
                 <a:solidFill>
                   <a:schemeClr val="accent1"/>
                 </a:solidFill>
               </a14:hiddenFill>
             </a:ext>
             <a:ext uri="{91240B29-F687-4f45-9708-019B960494DF}">
-              <a14:hiddenLine xmlns="" xmlns:a14="http://schemas.microsoft.com/office/drawing/2010/main" w="9525">
+              <a14:hiddenLine xmlns:a14="http://schemas.microsoft.com/office/drawing/2010/main" xmlns="" w="9525">
                 <a:solidFill>
                   <a:schemeClr val="tx1"/>
                 </a:solidFill>
@@ -3847,14 +3959,14 @@
           <a:effectLst/>
           <a:extLst>
             <a:ext uri="{909E8E84-426E-40dd-AFC4-6F175D3DCCD1}">
-              <a14:hiddenFill xmlns="" xmlns:a14="http://schemas.microsoft.com/office/drawing/2010/main">
+              <a14:hiddenFill xmlns:a14="http://schemas.microsoft.com/office/drawing/2010/main" xmlns="">
                 <a:solidFill>
                   <a:schemeClr val="accent1"/>
                 </a:solidFill>
               </a14:hiddenFill>
             </a:ext>
             <a:ext uri="{91240B29-F687-4f45-9708-019B960494DF}">
-              <a14:hiddenLine xmlns="" xmlns:a14="http://schemas.microsoft.com/office/drawing/2010/main" w="9525">
+              <a14:hiddenLine xmlns:a14="http://schemas.microsoft.com/office/drawing/2010/main" xmlns="" w="9525">
                 <a:solidFill>
                   <a:schemeClr val="tx1"/>
                 </a:solidFill>
@@ -3864,7 +3976,7 @@
               </a14:hiddenLine>
             </a:ext>
             <a:ext uri="{AF507438-7753-43e0-B8FC-AC1667EBCBE1}">
-              <a14:hiddenEffects xmlns="" xmlns:a14="http://schemas.microsoft.com/office/drawing/2010/main">
+              <a14:hiddenEffects xmlns:a14="http://schemas.microsoft.com/office/drawing/2010/main" xmlns="">
                 <a:effectLst>
                   <a:outerShdw blurRad="63500" dist="38099" dir="2700000" algn="ctr" rotWithShape="0">
                     <a:schemeClr val="bg2">
@@ -3938,14 +4050,14 @@
           <a:effectLst/>
           <a:extLst>
             <a:ext uri="{909E8E84-426E-40dd-AFC4-6F175D3DCCD1}">
-              <a14:hiddenFill xmlns="" xmlns:a14="http://schemas.microsoft.com/office/drawing/2010/main">
+              <a14:hiddenFill xmlns:a14="http://schemas.microsoft.com/office/drawing/2010/main" xmlns="">
                 <a:solidFill>
                   <a:schemeClr val="accent1"/>
                 </a:solidFill>
               </a14:hiddenFill>
             </a:ext>
             <a:ext uri="{91240B29-F687-4f45-9708-019B960494DF}">
-              <a14:hiddenLine xmlns="" xmlns:a14="http://schemas.microsoft.com/office/drawing/2010/main" w="9525">
+              <a14:hiddenLine xmlns:a14="http://schemas.microsoft.com/office/drawing/2010/main" xmlns="" w="9525">
                 <a:solidFill>
                   <a:schemeClr val="tx1"/>
                 </a:solidFill>
@@ -3955,7 +4067,7 @@
               </a14:hiddenLine>
             </a:ext>
             <a:ext uri="{AF507438-7753-43e0-B8FC-AC1667EBCBE1}">
-              <a14:hiddenEffects xmlns="" xmlns:a14="http://schemas.microsoft.com/office/drawing/2010/main">
+              <a14:hiddenEffects xmlns:a14="http://schemas.microsoft.com/office/drawing/2010/main" xmlns="">
                 <a:effectLst>
                   <a:outerShdw blurRad="63500" dist="38099" dir="2700000" algn="ctr" rotWithShape="0">
                     <a:schemeClr val="bg2">
@@ -4013,14 +4125,14 @@
           </a:ln>
           <a:extLst>
             <a:ext uri="{909E8E84-426E-40dd-AFC4-6F175D3DCCD1}">
-              <a14:hiddenFill xmlns="" xmlns:a14="http://schemas.microsoft.com/office/drawing/2010/main">
+              <a14:hiddenFill xmlns:a14="http://schemas.microsoft.com/office/drawing/2010/main" xmlns="">
                 <a:solidFill>
                   <a:schemeClr val="accent1"/>
                 </a:solidFill>
               </a14:hiddenFill>
             </a:ext>
             <a:ext uri="{91240B29-F687-4f45-9708-019B960494DF}">
-              <a14:hiddenLine xmlns="" xmlns:a14="http://schemas.microsoft.com/office/drawing/2010/main" w="9525">
+              <a14:hiddenLine xmlns:a14="http://schemas.microsoft.com/office/drawing/2010/main" xmlns="" w="9525">
                 <a:solidFill>
                   <a:schemeClr val="tx1"/>
                 </a:solidFill>
@@ -4076,9 +4188,18 @@
   <p:clrMapOvr>
     <a:masterClrMapping/>
   </p:clrMapOvr>
-  <p:transition>
-    <p:dissolve/>
-  </p:transition>
+  <mc:AlternateContent xmlns:mc="http://schemas.openxmlformats.org/markup-compatibility/2006">
+    <mc:Choice xmlns:p14="http://schemas.microsoft.com/office/powerpoint/2010/main" Requires="p14">
+      <p:transition spd="med" p14:dur="700">
+        <p:fade/>
+      </p:transition>
+    </mc:Choice>
+    <mc:Fallback>
+      <p:transition spd="med">
+        <p:fade/>
+      </p:transition>
+    </mc:Fallback>
+  </mc:AlternateContent>
   <p:timing>
     <p:tnLst>
       <p:par>
@@ -4260,9 +4381,18 @@
   <p:clrMapOvr>
     <a:masterClrMapping/>
   </p:clrMapOvr>
-  <p:transition>
-    <p:dissolve/>
-  </p:transition>
+  <mc:AlternateContent xmlns:mc="http://schemas.openxmlformats.org/markup-compatibility/2006">
+    <mc:Choice xmlns:p14="http://schemas.microsoft.com/office/powerpoint/2010/main" Requires="p14">
+      <p:transition spd="med" p14:dur="700">
+        <p:fade/>
+      </p:transition>
+    </mc:Choice>
+    <mc:Fallback>
+      <p:transition spd="med">
+        <p:fade/>
+      </p:transition>
+    </mc:Fallback>
+  </mc:AlternateContent>
   <p:timing>
     <p:tnLst>
       <p:par>
@@ -4504,9 +4634,18 @@
   <p:clrMapOvr>
     <a:masterClrMapping/>
   </p:clrMapOvr>
-  <p:transition>
-    <p:dissolve/>
-  </p:transition>
+  <mc:AlternateContent xmlns:mc="http://schemas.openxmlformats.org/markup-compatibility/2006">
+    <mc:Choice xmlns:p14="http://schemas.microsoft.com/office/powerpoint/2010/main" Requires="p14">
+      <p:transition spd="med" p14:dur="700">
+        <p:fade/>
+      </p:transition>
+    </mc:Choice>
+    <mc:Fallback>
+      <p:transition spd="med">
+        <p:fade/>
+      </p:transition>
+    </mc:Fallback>
+  </mc:AlternateContent>
   <p:timing>
     <p:tnLst>
       <p:par>
@@ -4546,7 +4685,7 @@
         </p:nvSpPr>
         <p:spPr>
           <a:xfrm>
-            <a:off x="457200" y="1206243"/>
+            <a:off x="457200" y="1183347"/>
             <a:ext cx="8229600" cy="1143000"/>
           </a:xfrm>
         </p:spPr>
@@ -4576,11 +4715,7 @@
             </a:br>
             <a:r>
               <a:rPr lang="de-DE" sz="3200" dirty="0" smtClean="0"/>
-              <a:t>Autostart von </a:t>
-            </a:r>
-            <a:r>
-              <a:rPr lang="de-DE" sz="3200" smtClean="0"/>
-              <a:t>Tally</a:t>
+              <a:t>Backups und Mails</a:t>
             </a:r>
             <a:endParaRPr lang="de-DE" sz="3200" dirty="0"/>
           </a:p>
@@ -4599,114 +4734,319 @@
         <p:spPr>
           <a:xfrm>
             <a:off x="457200" y="2438400"/>
-            <a:ext cx="4038600" cy="3687763"/>
+            <a:ext cx="8229600" cy="3687763"/>
           </a:xfrm>
         </p:spPr>
         <p:txBody>
           <a:bodyPr/>
           <a:lstStyle/>
           <a:p>
-            <a:pPr lvl="1"/>
-            <a:r>
-              <a:rPr lang="de-DE" dirty="0" smtClean="0"/>
-              <a:t>Autostart zunächst über Skript das in </a:t>
-            </a:r>
-            <a:r>
-              <a:rPr lang="de-DE" dirty="0" err="1" smtClean="0"/>
-              <a:t>cron</a:t>
-            </a:r>
-            <a:r>
-              <a:rPr lang="de-DE" dirty="0" smtClean="0"/>
-              <a:t> nach dem </a:t>
-            </a:r>
-            <a:r>
-              <a:rPr lang="de-DE" dirty="0" err="1" smtClean="0"/>
-              <a:t>reboot</a:t>
-            </a:r>
-            <a:r>
-              <a:rPr lang="de-DE" dirty="0" smtClean="0"/>
-              <a:t> geladen wird</a:t>
-            </a:r>
-          </a:p>
-          <a:p>
-            <a:pPr lvl="2"/>
-            <a:r>
-              <a:rPr lang="de-DE" dirty="0" smtClean="0"/>
-              <a:t>Nur geeignet für nicht GUI Programme</a:t>
-            </a:r>
-          </a:p>
-        </p:txBody>
-      </p:sp>
-      <p:sp>
-        <p:nvSpPr>
-          <p:cNvPr id="6" name="Inhaltsplatzhalter 5"/>
-          <p:cNvSpPr>
-            <a:spLocks noGrp="1"/>
-          </p:cNvSpPr>
-          <p:nvPr>
-            <p:ph sz="half" idx="2"/>
-          </p:nvPr>
-        </p:nvSpPr>
-        <p:spPr>
-          <a:xfrm>
-            <a:off x="4648200" y="2438400"/>
-            <a:ext cx="4038600" cy="3687763"/>
-          </a:xfrm>
-        </p:spPr>
-        <p:txBody>
-          <a:bodyPr/>
-          <a:lstStyle/>
-          <a:p>
-            <a:pPr lvl="1"/>
-            <a:r>
-              <a:rPr lang="de-DE" dirty="0" smtClean="0"/>
-              <a:t>Autostart über Skript in /</a:t>
-            </a:r>
-            <a:r>
-              <a:rPr lang="de-DE" dirty="0" err="1" smtClean="0"/>
-              <a:t>etc</a:t>
-            </a:r>
-            <a:r>
-              <a:rPr lang="de-DE" dirty="0" smtClean="0"/>
-              <a:t>/</a:t>
-            </a:r>
-            <a:r>
-              <a:rPr lang="de-DE" dirty="0" err="1" smtClean="0"/>
-              <a:t>xdg</a:t>
-            </a:r>
-            <a:r>
-              <a:rPr lang="de-DE" dirty="0" smtClean="0"/>
-              <a:t>/</a:t>
-            </a:r>
-            <a:r>
-              <a:rPr lang="de-DE" dirty="0" err="1" smtClean="0"/>
-              <a:t>autostart</a:t>
-            </a:r>
-            <a:endParaRPr lang="de-DE" dirty="0" smtClean="0"/>
-          </a:p>
-          <a:p>
-            <a:pPr lvl="2"/>
-            <a:r>
-              <a:rPr lang="de-DE" dirty="0" smtClean="0"/>
-              <a:t>Autostart wie bei Windows</a:t>
-            </a:r>
-            <a:endParaRPr lang="de-DE" dirty="0"/>
+            <a:pPr marL="457200" lvl="1" indent="0">
+              <a:buNone/>
+            </a:pPr>
+            <a:r>
+              <a:rPr lang="de-DE" sz="1400" dirty="0"/>
+              <a:t>#!/bin/</a:t>
+            </a:r>
+            <a:r>
+              <a:rPr lang="de-DE" sz="1400" dirty="0" err="1"/>
+              <a:t>bash</a:t>
+            </a:r>
+            <a:r>
+              <a:rPr lang="de-DE" sz="1400" dirty="0"/>
+              <a:t/>
+            </a:r>
+            <a:br>
+              <a:rPr lang="de-DE" sz="1400" dirty="0"/>
+            </a:br>
+            <a:r>
+              <a:rPr lang="de-DE" sz="1400" dirty="0"/>
+              <a:t/>
+            </a:r>
+            <a:br>
+              <a:rPr lang="de-DE" sz="1400" dirty="0"/>
+            </a:br>
+            <a:r>
+              <a:rPr lang="de-DE" sz="1400" dirty="0"/>
+              <a:t># Sender </a:t>
+            </a:r>
+            <a:r>
+              <a:rPr lang="de-DE" sz="1400" dirty="0" err="1"/>
+              <a:t>of</a:t>
+            </a:r>
+            <a:r>
+              <a:rPr lang="de-DE" sz="1400" dirty="0"/>
+              <a:t> </a:t>
+            </a:r>
+            <a:r>
+              <a:rPr lang="de-DE" sz="1400" dirty="0" err="1"/>
+              <a:t>the</a:t>
+            </a:r>
+            <a:r>
+              <a:rPr lang="de-DE" sz="1400" dirty="0"/>
+              <a:t> mail</a:t>
+            </a:r>
+            <a:br>
+              <a:rPr lang="de-DE" sz="1400" dirty="0"/>
+            </a:br>
+            <a:r>
+              <a:rPr lang="de-DE" sz="1400" dirty="0"/>
+              <a:t>SENDER="absender@domain.de"</a:t>
+            </a:r>
+            <a:br>
+              <a:rPr lang="de-DE" sz="1400" dirty="0"/>
+            </a:br>
+            <a:r>
+              <a:rPr lang="de-DE" sz="1400" dirty="0"/>
+              <a:t/>
+            </a:r>
+            <a:br>
+              <a:rPr lang="de-DE" sz="1400" dirty="0"/>
+            </a:br>
+            <a:r>
+              <a:rPr lang="de-DE" sz="1400" dirty="0"/>
+              <a:t># </a:t>
+            </a:r>
+            <a:r>
+              <a:rPr lang="de-DE" sz="1400" dirty="0" err="1"/>
+              <a:t>Recipient</a:t>
+            </a:r>
+            <a:r>
+              <a:rPr lang="de-DE" sz="1400" dirty="0"/>
+              <a:t> </a:t>
+            </a:r>
+            <a:r>
+              <a:rPr lang="de-DE" sz="1400" dirty="0" err="1"/>
+              <a:t>of</a:t>
+            </a:r>
+            <a:r>
+              <a:rPr lang="de-DE" sz="1400" dirty="0"/>
+              <a:t> </a:t>
+            </a:r>
+            <a:r>
+              <a:rPr lang="de-DE" sz="1400" dirty="0" err="1"/>
+              <a:t>the</a:t>
+            </a:r>
+            <a:r>
+              <a:rPr lang="de-DE" sz="1400" dirty="0"/>
+              <a:t> mail</a:t>
+            </a:r>
+            <a:br>
+              <a:rPr lang="de-DE" sz="1400" dirty="0"/>
+            </a:br>
+            <a:r>
+              <a:rPr lang="de-DE" sz="1400" dirty="0"/>
+              <a:t>RECIPIENT="empfaenger@domain.de"</a:t>
+            </a:r>
+            <a:br>
+              <a:rPr lang="de-DE" sz="1400" dirty="0"/>
+            </a:br>
+            <a:r>
+              <a:rPr lang="de-DE" sz="1400" dirty="0"/>
+              <a:t/>
+            </a:r>
+            <a:br>
+              <a:rPr lang="de-DE" sz="1400" dirty="0"/>
+            </a:br>
+            <a:r>
+              <a:rPr lang="de-DE" sz="1400" dirty="0"/>
+              <a:t># SMTP </a:t>
+            </a:r>
+            <a:r>
+              <a:rPr lang="de-DE" sz="1400" dirty="0" err="1"/>
+              <a:t>server</a:t>
+            </a:r>
+            <a:r>
+              <a:rPr lang="de-DE" sz="1400" dirty="0"/>
+              <a:t/>
+            </a:r>
+            <a:br>
+              <a:rPr lang="de-DE" sz="1400" dirty="0"/>
+            </a:br>
+            <a:r>
+              <a:rPr lang="de-DE" sz="1400" dirty="0"/>
+              <a:t>SMTPSERVER="smtp.domain.de"</a:t>
+            </a:r>
+            <a:br>
+              <a:rPr lang="de-DE" sz="1400" dirty="0"/>
+            </a:br>
+            <a:r>
+              <a:rPr lang="de-DE" sz="1400" dirty="0"/>
+              <a:t/>
+            </a:r>
+            <a:br>
+              <a:rPr lang="de-DE" sz="1400" dirty="0"/>
+            </a:br>
+            <a:r>
+              <a:rPr lang="de-DE" sz="1400" dirty="0"/>
+              <a:t># User </a:t>
+            </a:r>
+            <a:r>
+              <a:rPr lang="de-DE" sz="1400" dirty="0" err="1"/>
+              <a:t>name</a:t>
+            </a:r>
+            <a:r>
+              <a:rPr lang="de-DE" sz="1400" dirty="0"/>
+              <a:t> on </a:t>
+            </a:r>
+            <a:r>
+              <a:rPr lang="de-DE" sz="1400" dirty="0" err="1"/>
+              <a:t>the</a:t>
+            </a:r>
+            <a:r>
+              <a:rPr lang="de-DE" sz="1400" dirty="0"/>
+              <a:t> SMTP </a:t>
+            </a:r>
+            <a:r>
+              <a:rPr lang="de-DE" sz="1400" dirty="0" err="1"/>
+              <a:t>server</a:t>
+            </a:r>
+            <a:r>
+              <a:rPr lang="de-DE" sz="1400" dirty="0"/>
+              <a:t/>
+            </a:r>
+            <a:br>
+              <a:rPr lang="de-DE" sz="1400" dirty="0"/>
+            </a:br>
+            <a:r>
+              <a:rPr lang="de-DE" sz="1400" dirty="0"/>
+              <a:t>SMTPUSERNAME="</a:t>
+            </a:r>
+            <a:r>
+              <a:rPr lang="de-DE" sz="1400" dirty="0" err="1"/>
+              <a:t>MeinMailAccount</a:t>
+            </a:r>
+            <a:r>
+              <a:rPr lang="de-DE" sz="1400" dirty="0"/>
+              <a:t>"</a:t>
+            </a:r>
+            <a:br>
+              <a:rPr lang="de-DE" sz="1400" dirty="0"/>
+            </a:br>
+            <a:r>
+              <a:rPr lang="de-DE" sz="1400" dirty="0"/>
+              <a:t/>
+            </a:r>
+            <a:br>
+              <a:rPr lang="de-DE" sz="1400" dirty="0"/>
+            </a:br>
+            <a:r>
+              <a:rPr lang="de-DE" sz="1400" dirty="0"/>
+              <a:t># Password on </a:t>
+            </a:r>
+            <a:r>
+              <a:rPr lang="de-DE" sz="1400" dirty="0" err="1"/>
+              <a:t>the</a:t>
+            </a:r>
+            <a:r>
+              <a:rPr lang="de-DE" sz="1400" dirty="0"/>
+              <a:t> SMTP </a:t>
+            </a:r>
+            <a:r>
+              <a:rPr lang="de-DE" sz="1400" dirty="0" err="1"/>
+              <a:t>server</a:t>
+            </a:r>
+            <a:r>
+              <a:rPr lang="de-DE" sz="1400" dirty="0"/>
+              <a:t/>
+            </a:r>
+            <a:br>
+              <a:rPr lang="de-DE" sz="1400" dirty="0"/>
+            </a:br>
+            <a:r>
+              <a:rPr lang="de-DE" sz="1400" dirty="0"/>
+              <a:t>SMTPPASSWORD="</a:t>
+            </a:r>
+            <a:r>
+              <a:rPr lang="de-DE" sz="1400" dirty="0" err="1"/>
+              <a:t>MeinMailPasswort</a:t>
+            </a:r>
+            <a:r>
+              <a:rPr lang="de-DE" sz="1400" dirty="0"/>
+              <a:t>"</a:t>
+            </a:r>
+            <a:br>
+              <a:rPr lang="de-DE" sz="1400" dirty="0"/>
+            </a:br>
+            <a:r>
+              <a:rPr lang="de-DE" sz="1400" dirty="0"/>
+              <a:t/>
+            </a:r>
+            <a:br>
+              <a:rPr lang="de-DE" sz="1400" dirty="0"/>
+            </a:br>
+            <a:r>
+              <a:rPr lang="de-DE" sz="1400" dirty="0"/>
+              <a:t># </a:t>
+            </a:r>
+            <a:r>
+              <a:rPr lang="de-DE" sz="1400" dirty="0" err="1"/>
+              <a:t>Enable</a:t>
+            </a:r>
+            <a:r>
+              <a:rPr lang="de-DE" sz="1400" dirty="0"/>
+              <a:t> TLS </a:t>
+            </a:r>
+            <a:r>
+              <a:rPr lang="de-DE" sz="1400" dirty="0" err="1"/>
+              <a:t>for</a:t>
+            </a:r>
+            <a:r>
+              <a:rPr lang="de-DE" sz="1400" dirty="0"/>
+              <a:t> </a:t>
+            </a:r>
+            <a:r>
+              <a:rPr lang="de-DE" sz="1400" dirty="0" err="1"/>
+              <a:t>the</a:t>
+            </a:r>
+            <a:r>
+              <a:rPr lang="de-DE" sz="1400" dirty="0"/>
+              <a:t> SMTP </a:t>
+            </a:r>
+            <a:r>
+              <a:rPr lang="de-DE" sz="1400" dirty="0" err="1"/>
+              <a:t>connection</a:t>
+            </a:r>
+            <a:r>
+              <a:rPr lang="de-DE" sz="1400" dirty="0"/>
+              <a:t/>
+            </a:r>
+            <a:br>
+              <a:rPr lang="de-DE" sz="1400" dirty="0"/>
+            </a:br>
+            <a:r>
+              <a:rPr lang="de-DE" sz="1400" dirty="0"/>
+              <a:t>USETLS=1</a:t>
+            </a:r>
+            <a:r>
+              <a:rPr lang="de-DE" sz="1400" dirty="0" smtClean="0"/>
+              <a:t>	</a:t>
+            </a:r>
           </a:p>
         </p:txBody>
       </p:sp>
     </p:spTree>
     <p:extLst>
       <p:ext uri="{BB962C8B-B14F-4D97-AF65-F5344CB8AC3E}">
-        <p14:creationId xmlns:p14="http://schemas.microsoft.com/office/powerpoint/2010/main" val="176377381"/>
+        <p14:creationId xmlns:p14="http://schemas.microsoft.com/office/powerpoint/2010/main" val="1189340227"/>
       </p:ext>
     </p:extLst>
   </p:cSld>
   <p:clrMapOvr>
     <a:masterClrMapping/>
   </p:clrMapOvr>
-  <p:transition>
-    <p:dissolve/>
-  </p:transition>
+  <mc:AlternateContent xmlns:mc="http://schemas.openxmlformats.org/markup-compatibility/2006">
+    <mc:Choice xmlns:p14="http://schemas.microsoft.com/office/powerpoint/2010/main" Requires="p14">
+      <p:transition spd="med" p14:dur="700">
+        <p:fade/>
+      </p:transition>
+    </mc:Choice>
+    <mc:Fallback>
+      <p:transition spd="med">
+        <p:fade/>
+      </p:transition>
+    </mc:Fallback>
+  </mc:AlternateContent>
   <p:timing>
     <p:tnLst>
       <p:par>
@@ -4779,6 +5119,223 @@
               <a:t>Autostart von </a:t>
             </a:r>
             <a:r>
+              <a:rPr lang="de-DE" sz="3200" smtClean="0"/>
+              <a:t>Tally</a:t>
+            </a:r>
+            <a:endParaRPr lang="de-DE" sz="3200" dirty="0"/>
+          </a:p>
+        </p:txBody>
+      </p:sp>
+      <p:sp>
+        <p:nvSpPr>
+          <p:cNvPr id="4" name="Inhaltsplatzhalter 3"/>
+          <p:cNvSpPr>
+            <a:spLocks noGrp="1"/>
+          </p:cNvSpPr>
+          <p:nvPr>
+            <p:ph sz="half" idx="1"/>
+          </p:nvPr>
+        </p:nvSpPr>
+        <p:spPr>
+          <a:xfrm>
+            <a:off x="457200" y="2438400"/>
+            <a:ext cx="4038600" cy="3687763"/>
+          </a:xfrm>
+        </p:spPr>
+        <p:txBody>
+          <a:bodyPr/>
+          <a:lstStyle/>
+          <a:p>
+            <a:pPr lvl="1"/>
+            <a:r>
+              <a:rPr lang="de-DE" dirty="0" smtClean="0"/>
+              <a:t>Autostart zunächst über Skript das in </a:t>
+            </a:r>
+            <a:r>
+              <a:rPr lang="de-DE" dirty="0" smtClean="0"/>
+              <a:t>der </a:t>
+            </a:r>
+            <a:r>
+              <a:rPr lang="de-DE" dirty="0" err="1" smtClean="0"/>
+              <a:t>crontab</a:t>
+            </a:r>
+            <a:r>
+              <a:rPr lang="de-DE" dirty="0" smtClean="0"/>
+              <a:t> </a:t>
+            </a:r>
+            <a:r>
+              <a:rPr lang="de-DE" dirty="0" smtClean="0"/>
+              <a:t>nach dem </a:t>
+            </a:r>
+            <a:r>
+              <a:rPr lang="de-DE" dirty="0" err="1" smtClean="0"/>
+              <a:t>reboot</a:t>
+            </a:r>
+            <a:r>
+              <a:rPr lang="de-DE" dirty="0" smtClean="0"/>
+              <a:t> geladen wird</a:t>
+            </a:r>
+          </a:p>
+          <a:p>
+            <a:pPr lvl="2"/>
+            <a:r>
+              <a:rPr lang="de-DE" dirty="0" smtClean="0"/>
+              <a:t>Nur geeignet für nicht GUI Programme</a:t>
+            </a:r>
+          </a:p>
+        </p:txBody>
+      </p:sp>
+      <p:sp>
+        <p:nvSpPr>
+          <p:cNvPr id="6" name="Inhaltsplatzhalter 5"/>
+          <p:cNvSpPr>
+            <a:spLocks noGrp="1"/>
+          </p:cNvSpPr>
+          <p:nvPr>
+            <p:ph sz="half" idx="2"/>
+          </p:nvPr>
+        </p:nvSpPr>
+        <p:spPr>
+          <a:xfrm>
+            <a:off x="4648200" y="2438400"/>
+            <a:ext cx="4038600" cy="3687763"/>
+          </a:xfrm>
+        </p:spPr>
+        <p:txBody>
+          <a:bodyPr/>
+          <a:lstStyle/>
+          <a:p>
+            <a:pPr lvl="1"/>
+            <a:r>
+              <a:rPr lang="de-DE" dirty="0" smtClean="0"/>
+              <a:t>Autostart über Skript in /</a:t>
+            </a:r>
+            <a:r>
+              <a:rPr lang="de-DE" dirty="0" err="1" smtClean="0"/>
+              <a:t>etc</a:t>
+            </a:r>
+            <a:r>
+              <a:rPr lang="de-DE" dirty="0" smtClean="0"/>
+              <a:t>/</a:t>
+            </a:r>
+            <a:r>
+              <a:rPr lang="de-DE" dirty="0" err="1" smtClean="0"/>
+              <a:t>xdg</a:t>
+            </a:r>
+            <a:r>
+              <a:rPr lang="de-DE" dirty="0" smtClean="0"/>
+              <a:t>/</a:t>
+            </a:r>
+            <a:r>
+              <a:rPr lang="de-DE" dirty="0" err="1" smtClean="0"/>
+              <a:t>autostart</a:t>
+            </a:r>
+            <a:endParaRPr lang="de-DE" dirty="0" smtClean="0"/>
+          </a:p>
+          <a:p>
+            <a:pPr lvl="2"/>
+            <a:r>
+              <a:rPr lang="de-DE" dirty="0" smtClean="0"/>
+              <a:t>Autostart wie bei Windows</a:t>
+            </a:r>
+            <a:endParaRPr lang="de-DE" dirty="0"/>
+          </a:p>
+        </p:txBody>
+      </p:sp>
+    </p:spTree>
+    <p:extLst>
+      <p:ext uri="{BB962C8B-B14F-4D97-AF65-F5344CB8AC3E}">
+        <p14:creationId xmlns:p14="http://schemas.microsoft.com/office/powerpoint/2010/main" val="176377381"/>
+      </p:ext>
+    </p:extLst>
+  </p:cSld>
+  <p:clrMapOvr>
+    <a:masterClrMapping/>
+  </p:clrMapOvr>
+  <mc:AlternateContent xmlns:mc="http://schemas.openxmlformats.org/markup-compatibility/2006">
+    <mc:Choice xmlns:p14="http://schemas.microsoft.com/office/powerpoint/2010/main" Requires="p14">
+      <p:transition spd="med" p14:dur="700">
+        <p:fade/>
+      </p:transition>
+    </mc:Choice>
+    <mc:Fallback>
+      <p:transition spd="med">
+        <p:fade/>
+      </p:transition>
+    </mc:Fallback>
+  </mc:AlternateContent>
+  <p:timing>
+    <p:tnLst>
+      <p:par>
+        <p:cTn id="1" dur="indefinite" restart="never" nodeType="tmRoot"/>
+      </p:par>
+    </p:tnLst>
+  </p:timing>
+</p:sld>
+</file>
+
+<file path=ppt/slides/slide14.xml><?xml version="1.0" encoding="utf-8"?>
+<p:sld xmlns:a="http://schemas.openxmlformats.org/drawingml/2006/main" xmlns:r="http://schemas.openxmlformats.org/officeDocument/2006/relationships" xmlns:p="http://schemas.openxmlformats.org/presentationml/2006/main">
+  <p:cSld>
+    <p:spTree>
+      <p:nvGrpSpPr>
+        <p:cNvPr id="1" name=""/>
+        <p:cNvGrpSpPr/>
+        <p:nvPr/>
+      </p:nvGrpSpPr>
+      <p:grpSpPr>
+        <a:xfrm>
+          <a:off x="0" y="0"/>
+          <a:ext cx="0" cy="0"/>
+          <a:chOff x="0" y="0"/>
+          <a:chExt cx="0" cy="0"/>
+        </a:xfrm>
+      </p:grpSpPr>
+      <p:sp>
+        <p:nvSpPr>
+          <p:cNvPr id="2" name="Titel 1"/>
+          <p:cNvSpPr>
+            <a:spLocks noGrp="1"/>
+          </p:cNvSpPr>
+          <p:nvPr>
+            <p:ph type="title"/>
+          </p:nvPr>
+        </p:nvSpPr>
+        <p:spPr>
+          <a:xfrm>
+            <a:off x="457200" y="1206243"/>
+            <a:ext cx="8229600" cy="1143000"/>
+          </a:xfrm>
+        </p:spPr>
+        <p:txBody>
+          <a:bodyPr/>
+          <a:lstStyle/>
+          <a:p>
+            <a:pPr algn="l"/>
+            <a:r>
+              <a:rPr lang="de-DE" sz="3600" dirty="0" smtClean="0"/>
+              <a:t>Der </a:t>
+            </a:r>
+            <a:r>
+              <a:rPr lang="de-DE" sz="3600" dirty="0" err="1" smtClean="0"/>
+              <a:t>Raspberry</a:t>
+            </a:r>
+            <a:r>
+              <a:rPr lang="de-DE" sz="3600" dirty="0" smtClean="0"/>
+              <a:t> Pi 2</a:t>
+            </a:r>
+            <a:r>
+              <a:rPr lang="de-DE" sz="3600" dirty="0"/>
+              <a:t/>
+            </a:r>
+            <a:br>
+              <a:rPr lang="de-DE" sz="3600" dirty="0"/>
+            </a:br>
+            <a:r>
+              <a:rPr lang="de-DE" sz="3200" dirty="0" smtClean="0"/>
+              <a:t>Autostart von </a:t>
+            </a:r>
+            <a:r>
               <a:rPr lang="de-DE" sz="3200" dirty="0" err="1" smtClean="0"/>
               <a:t>Tally</a:t>
             </a:r>
@@ -4959,9 +5516,18 @@
   <p:clrMapOvr>
     <a:masterClrMapping/>
   </p:clrMapOvr>
-  <p:transition>
-    <p:dissolve/>
-  </p:transition>
+  <mc:AlternateContent xmlns:mc="http://schemas.openxmlformats.org/markup-compatibility/2006">
+    <mc:Choice xmlns:p14="http://schemas.microsoft.com/office/powerpoint/2010/main" Requires="p14">
+      <p:transition spd="med" p14:dur="700">
+        <p:fade/>
+      </p:transition>
+    </mc:Choice>
+    <mc:Fallback>
+      <p:transition spd="med">
+        <p:fade/>
+      </p:transition>
+    </mc:Fallback>
+  </mc:AlternateContent>
   <p:timing>
     <p:tnLst>
       <p:par>
@@ -4972,7 +5538,7 @@
 </p:sld>
 </file>
 
-<file path=ppt/slides/slide14.xml><?xml version="1.0" encoding="utf-8"?>
+<file path=ppt/slides/slide15.xml><?xml version="1.0" encoding="utf-8"?>
 <p:sld xmlns:a="http://schemas.openxmlformats.org/drawingml/2006/main" xmlns:r="http://schemas.openxmlformats.org/officeDocument/2006/relationships" xmlns:p="http://schemas.openxmlformats.org/presentationml/2006/main">
   <p:cSld>
     <p:spTree>
@@ -5012,14 +5578,14 @@
           <a:effectLst/>
           <a:extLst>
             <a:ext uri="{909E8E84-426E-40dd-AFC4-6F175D3DCCD1}">
-              <a14:hiddenFill xmlns="" xmlns:a14="http://schemas.microsoft.com/office/drawing/2010/main">
+              <a14:hiddenFill xmlns:a14="http://schemas.microsoft.com/office/drawing/2010/main" xmlns="">
                 <a:solidFill>
                   <a:schemeClr val="accent1"/>
                 </a:solidFill>
               </a14:hiddenFill>
             </a:ext>
             <a:ext uri="{91240B29-F687-4f45-9708-019B960494DF}">
-              <a14:hiddenLine xmlns="" xmlns:a14="http://schemas.microsoft.com/office/drawing/2010/main" w="9525">
+              <a14:hiddenLine xmlns:a14="http://schemas.microsoft.com/office/drawing/2010/main" xmlns="" w="9525">
                 <a:solidFill>
                   <a:schemeClr val="tx1"/>
                 </a:solidFill>
@@ -5029,7 +5595,7 @@
               </a14:hiddenLine>
             </a:ext>
             <a:ext uri="{AF507438-7753-43e0-B8FC-AC1667EBCBE1}">
-              <a14:hiddenEffects xmlns="" xmlns:a14="http://schemas.microsoft.com/office/drawing/2010/main">
+              <a14:hiddenEffects xmlns:a14="http://schemas.microsoft.com/office/drawing/2010/main" xmlns="">
                 <a:effectLst>
                   <a:outerShdw blurRad="63500" dist="38099" dir="2700000" algn="ctr" rotWithShape="0">
                     <a:schemeClr val="bg2">
@@ -5081,14 +5647,14 @@
           <a:effectLst/>
           <a:extLst>
             <a:ext uri="{909E8E84-426E-40dd-AFC4-6F175D3DCCD1}">
-              <a14:hiddenFill xmlns="" xmlns:a14="http://schemas.microsoft.com/office/drawing/2010/main">
+              <a14:hiddenFill xmlns:a14="http://schemas.microsoft.com/office/drawing/2010/main" xmlns="">
                 <a:solidFill>
                   <a:schemeClr val="accent1"/>
                 </a:solidFill>
               </a14:hiddenFill>
             </a:ext>
             <a:ext uri="{91240B29-F687-4f45-9708-019B960494DF}">
-              <a14:hiddenLine xmlns="" xmlns:a14="http://schemas.microsoft.com/office/drawing/2010/main" w="9525">
+              <a14:hiddenLine xmlns:a14="http://schemas.microsoft.com/office/drawing/2010/main" xmlns="" w="9525">
                 <a:solidFill>
                   <a:schemeClr val="tx1"/>
                 </a:solidFill>
@@ -5098,7 +5664,7 @@
               </a14:hiddenLine>
             </a:ext>
             <a:ext uri="{AF507438-7753-43e0-B8FC-AC1667EBCBE1}">
-              <a14:hiddenEffects xmlns="" xmlns:a14="http://schemas.microsoft.com/office/drawing/2010/main">
+              <a14:hiddenEffects xmlns:a14="http://schemas.microsoft.com/office/drawing/2010/main" xmlns="">
                 <a:effectLst>
                   <a:outerShdw blurRad="63500" dist="38099" dir="2700000" algn="ctr" rotWithShape="0">
                     <a:schemeClr val="bg2">
@@ -5175,9 +5741,18 @@
   <p:clrMapOvr>
     <a:masterClrMapping/>
   </p:clrMapOvr>
-  <p:transition>
-    <p:dissolve/>
-  </p:transition>
+  <mc:AlternateContent xmlns:mc="http://schemas.openxmlformats.org/markup-compatibility/2006">
+    <mc:Choice xmlns:p14="http://schemas.microsoft.com/office/powerpoint/2010/main" Requires="p14">
+      <p:transition spd="med" p14:dur="700">
+        <p:fade/>
+      </p:transition>
+    </mc:Choice>
+    <mc:Fallback>
+      <p:transition spd="med">
+        <p:fade/>
+      </p:transition>
+    </mc:Fallback>
+  </mc:AlternateContent>
   <p:timing>
     <p:tnLst>
       <p:par>
@@ -5185,139 +5760,6 @@
       </p:par>
     </p:tnLst>
   </p:timing>
-</p:sld>
-</file>
-
-<file path=ppt/slides/slide15.xml><?xml version="1.0" encoding="utf-8"?>
-<p:sld xmlns:a="http://schemas.openxmlformats.org/drawingml/2006/main" xmlns:r="http://schemas.openxmlformats.org/officeDocument/2006/relationships" xmlns:p="http://schemas.openxmlformats.org/presentationml/2006/main">
-  <p:cSld>
-    <p:spTree>
-      <p:nvGrpSpPr>
-        <p:cNvPr id="1" name=""/>
-        <p:cNvGrpSpPr/>
-        <p:nvPr/>
-      </p:nvGrpSpPr>
-      <p:grpSpPr>
-        <a:xfrm>
-          <a:off x="0" y="0"/>
-          <a:ext cx="0" cy="0"/>
-          <a:chOff x="0" y="0"/>
-          <a:chExt cx="0" cy="0"/>
-        </a:xfrm>
-      </p:grpSpPr>
-      <p:sp>
-        <p:nvSpPr>
-          <p:cNvPr id="2" name="Titel 1"/>
-          <p:cNvSpPr>
-            <a:spLocks noGrp="1"/>
-          </p:cNvSpPr>
-          <p:nvPr>
-            <p:ph type="title"/>
-          </p:nvPr>
-        </p:nvSpPr>
-        <p:spPr>
-          <a:xfrm>
-            <a:off x="457200" y="1600200"/>
-            <a:ext cx="8229600" cy="1143000"/>
-          </a:xfrm>
-        </p:spPr>
-        <p:txBody>
-          <a:bodyPr/>
-          <a:lstStyle/>
-          <a:p>
-            <a:r>
-              <a:rPr lang="de-DE" dirty="0" err="1" smtClean="0"/>
-              <a:t>Qt</a:t>
-            </a:r>
-            <a:endParaRPr lang="de-DE" dirty="0"/>
-          </a:p>
-        </p:txBody>
-      </p:sp>
-      <p:sp>
-        <p:nvSpPr>
-          <p:cNvPr id="3" name="Inhaltsplatzhalter 2"/>
-          <p:cNvSpPr>
-            <a:spLocks noGrp="1"/>
-          </p:cNvSpPr>
-          <p:nvPr>
-            <p:ph idx="1"/>
-          </p:nvPr>
-        </p:nvSpPr>
-        <p:spPr>
-          <a:xfrm>
-            <a:off x="457200" y="2802926"/>
-            <a:ext cx="8229600" cy="3696730"/>
-          </a:xfrm>
-        </p:spPr>
-        <p:txBody>
-          <a:bodyPr/>
-          <a:lstStyle/>
-          <a:p>
-            <a:r>
-              <a:rPr lang="de-DE" dirty="0" smtClean="0"/>
-              <a:t>Klassenbibliothek in C++</a:t>
-            </a:r>
-          </a:p>
-          <a:p>
-            <a:r>
-              <a:rPr lang="de-DE" dirty="0" smtClean="0"/>
-              <a:t>Arbeiten mit Version 4.8.1</a:t>
-            </a:r>
-          </a:p>
-          <a:p>
-            <a:r>
-              <a:rPr lang="de-DE" dirty="0" smtClean="0"/>
-              <a:t>Debugger GNU </a:t>
-            </a:r>
-            <a:r>
-              <a:rPr lang="de-DE" dirty="0" err="1" smtClean="0"/>
-              <a:t>gdb</a:t>
-            </a:r>
-            <a:r>
-              <a:rPr lang="de-DE" dirty="0" smtClean="0"/>
-              <a:t> 7.8</a:t>
-            </a:r>
-          </a:p>
-          <a:p>
-            <a:r>
-              <a:rPr lang="de-DE" dirty="0"/>
-              <a:t>C</a:t>
-            </a:r>
-            <a:r>
-              <a:rPr lang="de-DE" dirty="0" smtClean="0"/>
-              <a:t>ompiler </a:t>
-            </a:r>
-            <a:r>
-              <a:rPr lang="de-DE" dirty="0" err="1" smtClean="0"/>
-              <a:t>MinGW</a:t>
-            </a:r>
-            <a:r>
-              <a:rPr lang="de-DE" dirty="0" smtClean="0"/>
-              <a:t> 4.9.1</a:t>
-            </a:r>
-          </a:p>
-          <a:p>
-            <a:r>
-              <a:rPr lang="de-DE" dirty="0" smtClean="0"/>
-              <a:t>Arbeiteten auf unseren eigenen PCs</a:t>
-            </a:r>
-            <a:endParaRPr lang="de-DE" dirty="0"/>
-          </a:p>
-        </p:txBody>
-      </p:sp>
-    </p:spTree>
-    <p:extLst>
-      <p:ext uri="{BB962C8B-B14F-4D97-AF65-F5344CB8AC3E}">
-        <p14:creationId xmlns:p14="http://schemas.microsoft.com/office/powerpoint/2010/main" val="2461881697"/>
-      </p:ext>
-    </p:extLst>
-  </p:cSld>
-  <p:clrMapOvr>
-    <a:masterClrMapping/>
-  </p:clrMapOvr>
-  <p:transition>
-    <p:dissolve/>
-  </p:transition>
 </p:sld>
 </file>
 
@@ -5350,6 +5792,155 @@
         </p:nvSpPr>
         <p:spPr>
           <a:xfrm>
+            <a:off x="457200" y="1600200"/>
+            <a:ext cx="8229600" cy="1143000"/>
+          </a:xfrm>
+        </p:spPr>
+        <p:txBody>
+          <a:bodyPr/>
+          <a:lstStyle/>
+          <a:p>
+            <a:r>
+              <a:rPr lang="de-DE" dirty="0" err="1" smtClean="0"/>
+              <a:t>Qt</a:t>
+            </a:r>
+            <a:endParaRPr lang="de-DE" dirty="0"/>
+          </a:p>
+        </p:txBody>
+      </p:sp>
+      <p:sp>
+        <p:nvSpPr>
+          <p:cNvPr id="3" name="Inhaltsplatzhalter 2"/>
+          <p:cNvSpPr>
+            <a:spLocks noGrp="1"/>
+          </p:cNvSpPr>
+          <p:nvPr>
+            <p:ph idx="1"/>
+          </p:nvPr>
+        </p:nvSpPr>
+        <p:spPr>
+          <a:xfrm>
+            <a:off x="457200" y="2802926"/>
+            <a:ext cx="8229600" cy="3696730"/>
+          </a:xfrm>
+        </p:spPr>
+        <p:txBody>
+          <a:bodyPr/>
+          <a:lstStyle/>
+          <a:p>
+            <a:r>
+              <a:rPr lang="de-DE" dirty="0" smtClean="0"/>
+              <a:t>Klassenbibliothek in C++</a:t>
+            </a:r>
+          </a:p>
+          <a:p>
+            <a:r>
+              <a:rPr lang="de-DE" dirty="0" smtClean="0"/>
+              <a:t>Arbeiten mit Version 4.8.1</a:t>
+            </a:r>
+          </a:p>
+          <a:p>
+            <a:r>
+              <a:rPr lang="de-DE" dirty="0" smtClean="0"/>
+              <a:t>Debugger GNU </a:t>
+            </a:r>
+            <a:r>
+              <a:rPr lang="de-DE" dirty="0" err="1" smtClean="0"/>
+              <a:t>gdb</a:t>
+            </a:r>
+            <a:r>
+              <a:rPr lang="de-DE" dirty="0" smtClean="0"/>
+              <a:t> 7.8</a:t>
+            </a:r>
+          </a:p>
+          <a:p>
+            <a:r>
+              <a:rPr lang="de-DE" dirty="0"/>
+              <a:t>C</a:t>
+            </a:r>
+            <a:r>
+              <a:rPr lang="de-DE" dirty="0" smtClean="0"/>
+              <a:t>ompiler </a:t>
+            </a:r>
+            <a:r>
+              <a:rPr lang="de-DE" dirty="0" err="1" smtClean="0"/>
+              <a:t>MinGW</a:t>
+            </a:r>
+            <a:r>
+              <a:rPr lang="de-DE" dirty="0" smtClean="0"/>
+              <a:t> 4.9.1</a:t>
+            </a:r>
+          </a:p>
+          <a:p>
+            <a:r>
+              <a:rPr lang="de-DE" dirty="0" smtClean="0"/>
+              <a:t>Arbeiteten auf unseren eigenen PCs</a:t>
+            </a:r>
+            <a:endParaRPr lang="de-DE" dirty="0"/>
+          </a:p>
+        </p:txBody>
+      </p:sp>
+    </p:spTree>
+    <p:extLst>
+      <p:ext uri="{BB962C8B-B14F-4D97-AF65-F5344CB8AC3E}">
+        <p14:creationId xmlns:p14="http://schemas.microsoft.com/office/powerpoint/2010/main" val="2461881697"/>
+      </p:ext>
+    </p:extLst>
+  </p:cSld>
+  <p:clrMapOvr>
+    <a:masterClrMapping/>
+  </p:clrMapOvr>
+  <mc:AlternateContent xmlns:mc="http://schemas.openxmlformats.org/markup-compatibility/2006">
+    <mc:Choice xmlns:p14="http://schemas.microsoft.com/office/powerpoint/2010/main" Requires="p14">
+      <p:transition spd="med" p14:dur="700">
+        <p:fade/>
+      </p:transition>
+    </mc:Choice>
+    <mc:Fallback>
+      <p:transition spd="med">
+        <p:fade/>
+      </p:transition>
+    </mc:Fallback>
+  </mc:AlternateContent>
+  <p:timing>
+    <p:tnLst>
+      <p:par>
+        <p:cTn id="1" dur="indefinite" restart="never" nodeType="tmRoot"/>
+      </p:par>
+    </p:tnLst>
+  </p:timing>
+</p:sld>
+</file>
+
+<file path=ppt/slides/slide17.xml><?xml version="1.0" encoding="utf-8"?>
+<p:sld xmlns:a="http://schemas.openxmlformats.org/drawingml/2006/main" xmlns:r="http://schemas.openxmlformats.org/officeDocument/2006/relationships" xmlns:p="http://schemas.openxmlformats.org/presentationml/2006/main">
+  <p:cSld>
+    <p:spTree>
+      <p:nvGrpSpPr>
+        <p:cNvPr id="1" name=""/>
+        <p:cNvGrpSpPr/>
+        <p:nvPr/>
+      </p:nvGrpSpPr>
+      <p:grpSpPr>
+        <a:xfrm>
+          <a:off x="0" y="0"/>
+          <a:ext cx="0" cy="0"/>
+          <a:chOff x="0" y="0"/>
+          <a:chExt cx="0" cy="0"/>
+        </a:xfrm>
+      </p:grpSpPr>
+      <p:sp>
+        <p:nvSpPr>
+          <p:cNvPr id="2" name="Titel 1"/>
+          <p:cNvSpPr>
+            <a:spLocks noGrp="1"/>
+          </p:cNvSpPr>
+          <p:nvPr>
+            <p:ph type="title"/>
+          </p:nvPr>
+        </p:nvSpPr>
+        <p:spPr>
+          <a:xfrm>
             <a:off x="457200" y="1238465"/>
             <a:ext cx="8229600" cy="1143000"/>
           </a:xfrm>
@@ -5407,32 +5998,6 @@
             </a:r>
             <a:endParaRPr lang="de-DE" dirty="0" smtClean="0"/>
           </a:p>
-          <a:p>
-            <a:r>
-              <a:rPr lang="de-DE" dirty="0" smtClean="0"/>
-              <a:t>Hauptfenster mit </a:t>
-            </a:r>
-            <a:r>
-              <a:rPr lang="de-DE" dirty="0" err="1" smtClean="0"/>
-              <a:t>Widgets</a:t>
-            </a:r>
-            <a:endParaRPr lang="de-DE" dirty="0" smtClean="0"/>
-          </a:p>
-          <a:p>
-            <a:endParaRPr lang="de-DE" dirty="0"/>
-          </a:p>
-          <a:p>
-            <a:pPr marL="0" indent="0">
-              <a:buNone/>
-            </a:pPr>
-            <a:r>
-              <a:rPr lang="de-DE" dirty="0" smtClean="0">
-                <a:sym typeface="Wingdings" panose="05000000000000000000" pitchFamily="2" charset="2"/>
-              </a:rPr>
-              <a:t> Beispiele am Code</a:t>
-            </a:r>
-            <a:endParaRPr lang="de-DE" dirty="0"/>
-          </a:p>
         </p:txBody>
       </p:sp>
     </p:spTree>
@@ -5445,9 +6010,255 @@
   <p:clrMapOvr>
     <a:masterClrMapping/>
   </p:clrMapOvr>
-  <p:transition>
-    <p:dissolve/>
-  </p:transition>
+  <mc:AlternateContent xmlns:mc="http://schemas.openxmlformats.org/markup-compatibility/2006">
+    <mc:Choice xmlns:p14="http://schemas.microsoft.com/office/powerpoint/2010/main" Requires="p14">
+      <p:transition spd="med" p14:dur="700">
+        <p:fade/>
+      </p:transition>
+    </mc:Choice>
+    <mc:Fallback>
+      <p:transition spd="med">
+        <p:fade/>
+      </p:transition>
+    </mc:Fallback>
+  </mc:AlternateContent>
+  <p:timing>
+    <p:tnLst>
+      <p:par>
+        <p:cTn id="1" dur="indefinite" restart="never" nodeType="tmRoot"/>
+      </p:par>
+    </p:tnLst>
+  </p:timing>
+</p:sld>
+</file>
+
+<file path=ppt/slides/slide18.xml><?xml version="1.0" encoding="utf-8"?>
+<p:sld xmlns:a="http://schemas.openxmlformats.org/drawingml/2006/main" xmlns:r="http://schemas.openxmlformats.org/officeDocument/2006/relationships" xmlns:p="http://schemas.openxmlformats.org/presentationml/2006/main">
+  <p:cSld>
+    <p:spTree>
+      <p:nvGrpSpPr>
+        <p:cNvPr id="1" name=""/>
+        <p:cNvGrpSpPr/>
+        <p:nvPr/>
+      </p:nvGrpSpPr>
+      <p:grpSpPr>
+        <a:xfrm>
+          <a:off x="0" y="0"/>
+          <a:ext cx="0" cy="0"/>
+          <a:chOff x="0" y="0"/>
+          <a:chExt cx="0" cy="0"/>
+        </a:xfrm>
+      </p:grpSpPr>
+      <p:sp>
+        <p:nvSpPr>
+          <p:cNvPr id="2" name="Titel 1"/>
+          <p:cNvSpPr>
+            <a:spLocks noGrp="1"/>
+          </p:cNvSpPr>
+          <p:nvPr>
+            <p:ph type="title"/>
+          </p:nvPr>
+        </p:nvSpPr>
+        <p:spPr>
+          <a:xfrm>
+            <a:off x="457200" y="1238465"/>
+            <a:ext cx="8229600" cy="1143000"/>
+          </a:xfrm>
+        </p:spPr>
+        <p:txBody>
+          <a:bodyPr/>
+          <a:lstStyle/>
+          <a:p>
+            <a:endParaRPr lang="de-DE" dirty="0"/>
+          </a:p>
+        </p:txBody>
+      </p:sp>
+      <p:pic>
+        <p:nvPicPr>
+          <p:cNvPr id="4" name="Inhaltsplatzhalter 3"/>
+          <p:cNvPicPr>
+            <a:picLocks noGrp="1" noChangeAspect="1"/>
+          </p:cNvPicPr>
+          <p:nvPr>
+            <p:ph idx="1"/>
+          </p:nvPr>
+        </p:nvPicPr>
+        <p:blipFill>
+          <a:blip r:embed="rId2">
+            <a:extLst>
+              <a:ext uri="{28A0092B-C50C-407E-A947-70E740481C1C}">
+                <a14:useLocalDpi xmlns:a14="http://schemas.microsoft.com/office/drawing/2010/main" val="0"/>
+              </a:ext>
+            </a:extLst>
+          </a:blip>
+          <a:stretch>
+            <a:fillRect/>
+          </a:stretch>
+        </p:blipFill>
+        <p:spPr>
+          <a:xfrm>
+            <a:off x="2096887" y="2620963"/>
+            <a:ext cx="4950225" cy="3911600"/>
+          </a:xfrm>
+        </p:spPr>
+      </p:pic>
+    </p:spTree>
+    <p:extLst>
+      <p:ext uri="{BB962C8B-B14F-4D97-AF65-F5344CB8AC3E}">
+        <p14:creationId xmlns:p14="http://schemas.microsoft.com/office/powerpoint/2010/main" val="2743022704"/>
+      </p:ext>
+    </p:extLst>
+  </p:cSld>
+  <p:clrMapOvr>
+    <a:masterClrMapping/>
+  </p:clrMapOvr>
+  <mc:AlternateContent xmlns:mc="http://schemas.openxmlformats.org/markup-compatibility/2006">
+    <mc:Choice xmlns:p14="http://schemas.microsoft.com/office/powerpoint/2010/main" Requires="p14">
+      <p:transition spd="med" p14:dur="700">
+        <p:fade/>
+      </p:transition>
+    </mc:Choice>
+    <mc:Fallback>
+      <p:transition spd="med">
+        <p:fade/>
+      </p:transition>
+    </mc:Fallback>
+  </mc:AlternateContent>
+  <p:timing>
+    <p:tnLst>
+      <p:par>
+        <p:cTn id="1" dur="indefinite" restart="never" nodeType="tmRoot"/>
+      </p:par>
+    </p:tnLst>
+  </p:timing>
+</p:sld>
+</file>
+
+<file path=ppt/slides/slide19.xml><?xml version="1.0" encoding="utf-8"?>
+<p:sld xmlns:a="http://schemas.openxmlformats.org/drawingml/2006/main" xmlns:r="http://schemas.openxmlformats.org/officeDocument/2006/relationships" xmlns:p="http://schemas.openxmlformats.org/presentationml/2006/main">
+  <p:cSld>
+    <p:spTree>
+      <p:nvGrpSpPr>
+        <p:cNvPr id="1" name=""/>
+        <p:cNvGrpSpPr/>
+        <p:nvPr/>
+      </p:nvGrpSpPr>
+      <p:grpSpPr>
+        <a:xfrm>
+          <a:off x="0" y="0"/>
+          <a:ext cx="0" cy="0"/>
+          <a:chOff x="0" y="0"/>
+          <a:chExt cx="0" cy="0"/>
+        </a:xfrm>
+      </p:grpSpPr>
+      <p:sp>
+        <p:nvSpPr>
+          <p:cNvPr id="2" name="Titel 1"/>
+          <p:cNvSpPr>
+            <a:spLocks noGrp="1"/>
+          </p:cNvSpPr>
+          <p:nvPr>
+            <p:ph type="title"/>
+          </p:nvPr>
+        </p:nvSpPr>
+        <p:spPr>
+          <a:xfrm>
+            <a:off x="457200" y="1238465"/>
+            <a:ext cx="8229600" cy="1143000"/>
+          </a:xfrm>
+        </p:spPr>
+        <p:txBody>
+          <a:bodyPr/>
+          <a:lstStyle/>
+          <a:p>
+            <a:r>
+              <a:rPr lang="de-DE" dirty="0" smtClean="0"/>
+              <a:t>Grundgerüst</a:t>
+            </a:r>
+            <a:endParaRPr lang="de-DE" dirty="0"/>
+          </a:p>
+        </p:txBody>
+      </p:sp>
+      <p:sp>
+        <p:nvSpPr>
+          <p:cNvPr id="3" name="Inhaltsplatzhalter 2"/>
+          <p:cNvSpPr>
+            <a:spLocks noGrp="1"/>
+          </p:cNvSpPr>
+          <p:nvPr>
+            <p:ph idx="1"/>
+          </p:nvPr>
+        </p:nvSpPr>
+        <p:spPr>
+          <a:xfrm>
+            <a:off x="457200" y="2621692"/>
+            <a:ext cx="8229600" cy="3910914"/>
+          </a:xfrm>
+        </p:spPr>
+        <p:txBody>
+          <a:bodyPr/>
+          <a:lstStyle/>
+          <a:p>
+            <a:r>
+              <a:rPr lang="de-DE" dirty="0" smtClean="0"/>
+              <a:t>Hauptfenster </a:t>
+            </a:r>
+            <a:r>
+              <a:rPr lang="de-DE" dirty="0" smtClean="0"/>
+              <a:t>mit </a:t>
+            </a:r>
+            <a:r>
+              <a:rPr lang="de-DE" dirty="0" err="1" smtClean="0"/>
+              <a:t>Widgets</a:t>
+            </a:r>
+            <a:endParaRPr lang="de-DE" dirty="0" smtClean="0"/>
+          </a:p>
+          <a:p>
+            <a:endParaRPr lang="de-DE" dirty="0"/>
+          </a:p>
+          <a:p>
+            <a:pPr marL="0" indent="0">
+              <a:buNone/>
+            </a:pPr>
+            <a:r>
+              <a:rPr lang="de-DE" dirty="0" smtClean="0">
+                <a:sym typeface="Wingdings" panose="05000000000000000000" pitchFamily="2" charset="2"/>
+              </a:rPr>
+              <a:t> Beispiele am Code</a:t>
+            </a:r>
+            <a:endParaRPr lang="de-DE" dirty="0"/>
+          </a:p>
+        </p:txBody>
+      </p:sp>
+    </p:spTree>
+    <p:extLst>
+      <p:ext uri="{BB962C8B-B14F-4D97-AF65-F5344CB8AC3E}">
+        <p14:creationId xmlns:p14="http://schemas.microsoft.com/office/powerpoint/2010/main" val="3231286889"/>
+      </p:ext>
+    </p:extLst>
+  </p:cSld>
+  <p:clrMapOvr>
+    <a:masterClrMapping/>
+  </p:clrMapOvr>
+  <mc:AlternateContent xmlns:mc="http://schemas.openxmlformats.org/markup-compatibility/2006">
+    <mc:Choice xmlns:p14="http://schemas.microsoft.com/office/powerpoint/2010/main" Requires="p14">
+      <p:transition spd="med" p14:dur="700">
+        <p:fade/>
+      </p:transition>
+    </mc:Choice>
+    <mc:Fallback>
+      <p:transition spd="med">
+        <p:fade/>
+      </p:transition>
+    </mc:Fallback>
+  </mc:AlternateContent>
+  <p:timing>
+    <p:tnLst>
+      <p:par>
+        <p:cTn id="1" dur="indefinite" restart="never" nodeType="tmRoot"/>
+      </p:par>
+    </p:tnLst>
+  </p:timing>
 </p:sld>
 </file>
 
@@ -5491,14 +6302,14 @@
           <a:effectLst/>
           <a:extLst>
             <a:ext uri="{909E8E84-426E-40dd-AFC4-6F175D3DCCD1}">
-              <a14:hiddenFill xmlns="" xmlns:a14="http://schemas.microsoft.com/office/drawing/2010/main">
+              <a14:hiddenFill xmlns:a14="http://schemas.microsoft.com/office/drawing/2010/main" xmlns="">
                 <a:solidFill>
                   <a:schemeClr val="accent1"/>
                 </a:solidFill>
               </a14:hiddenFill>
             </a:ext>
             <a:ext uri="{91240B29-F687-4f45-9708-019B960494DF}">
-              <a14:hiddenLine xmlns="" xmlns:a14="http://schemas.microsoft.com/office/drawing/2010/main" w="9525">
+              <a14:hiddenLine xmlns:a14="http://schemas.microsoft.com/office/drawing/2010/main" xmlns="" w="9525">
                 <a:solidFill>
                   <a:schemeClr val="tx1"/>
                 </a:solidFill>
@@ -5508,7 +6319,7 @@
               </a14:hiddenLine>
             </a:ext>
             <a:ext uri="{AF507438-7753-43e0-B8FC-AC1667EBCBE1}">
-              <a14:hiddenEffects xmlns="" xmlns:a14="http://schemas.microsoft.com/office/drawing/2010/main">
+              <a14:hiddenEffects xmlns:a14="http://schemas.microsoft.com/office/drawing/2010/main" xmlns="">
                 <a:effectLst>
                   <a:outerShdw blurRad="63500" dist="38099" dir="2700000" algn="ctr" rotWithShape="0">
                     <a:schemeClr val="bg2">
@@ -5560,14 +6371,14 @@
           <a:effectLst/>
           <a:extLst>
             <a:ext uri="{909E8E84-426E-40dd-AFC4-6F175D3DCCD1}">
-              <a14:hiddenFill xmlns="" xmlns:a14="http://schemas.microsoft.com/office/drawing/2010/main">
+              <a14:hiddenFill xmlns:a14="http://schemas.microsoft.com/office/drawing/2010/main" xmlns="">
                 <a:solidFill>
                   <a:schemeClr val="accent1"/>
                 </a:solidFill>
               </a14:hiddenFill>
             </a:ext>
             <a:ext uri="{91240B29-F687-4f45-9708-019B960494DF}">
-              <a14:hiddenLine xmlns="" xmlns:a14="http://schemas.microsoft.com/office/drawing/2010/main" w="9525">
+              <a14:hiddenLine xmlns:a14="http://schemas.microsoft.com/office/drawing/2010/main" xmlns="" w="9525">
                 <a:solidFill>
                   <a:schemeClr val="tx1"/>
                 </a:solidFill>
@@ -5577,7 +6388,7 @@
               </a14:hiddenLine>
             </a:ext>
             <a:ext uri="{AF507438-7753-43e0-B8FC-AC1667EBCBE1}">
-              <a14:hiddenEffects xmlns="" xmlns:a14="http://schemas.microsoft.com/office/drawing/2010/main">
+              <a14:hiddenEffects xmlns:a14="http://schemas.microsoft.com/office/drawing/2010/main" xmlns="">
                 <a:effectLst>
                   <a:outerShdw blurRad="63500" dist="38099" dir="2700000" algn="ctr" rotWithShape="0">
                     <a:schemeClr val="bg2">
@@ -5649,9 +6460,166 @@
   <p:clrMapOvr>
     <a:masterClrMapping/>
   </p:clrMapOvr>
-  <p:transition>
-    <p:dissolve/>
-  </p:transition>
+  <mc:AlternateContent xmlns:mc="http://schemas.openxmlformats.org/markup-compatibility/2006">
+    <mc:Choice xmlns:p14="http://schemas.microsoft.com/office/powerpoint/2010/main" Requires="p14">
+      <p:transition spd="med" p14:dur="700">
+        <p:fade/>
+      </p:transition>
+    </mc:Choice>
+    <mc:Fallback>
+      <p:transition spd="med">
+        <p:fade/>
+      </p:transition>
+    </mc:Fallback>
+  </mc:AlternateContent>
+  <p:timing>
+    <p:tnLst>
+      <p:par>
+        <p:cTn id="1" dur="indefinite" restart="never" nodeType="tmRoot"/>
+      </p:par>
+    </p:tnLst>
+  </p:timing>
+</p:sld>
+</file>
+
+<file path=ppt/slides/slide20.xml><?xml version="1.0" encoding="utf-8"?>
+<p:sld xmlns:a="http://schemas.openxmlformats.org/drawingml/2006/main" xmlns:r="http://schemas.openxmlformats.org/officeDocument/2006/relationships" xmlns:p="http://schemas.openxmlformats.org/presentationml/2006/main">
+  <p:cSld>
+    <p:spTree>
+      <p:nvGrpSpPr>
+        <p:cNvPr id="1" name=""/>
+        <p:cNvGrpSpPr/>
+        <p:nvPr/>
+      </p:nvGrpSpPr>
+      <p:grpSpPr>
+        <a:xfrm>
+          <a:off x="0" y="0"/>
+          <a:ext cx="0" cy="0"/>
+          <a:chOff x="0" y="0"/>
+          <a:chExt cx="0" cy="0"/>
+        </a:xfrm>
+      </p:grpSpPr>
+      <p:sp>
+        <p:nvSpPr>
+          <p:cNvPr id="2" name="Titel 1"/>
+          <p:cNvSpPr>
+            <a:spLocks noGrp="1"/>
+          </p:cNvSpPr>
+          <p:nvPr>
+            <p:ph type="title"/>
+          </p:nvPr>
+        </p:nvSpPr>
+        <p:spPr>
+          <a:xfrm>
+            <a:off x="457200" y="1198563"/>
+            <a:ext cx="8229600" cy="1143000"/>
+          </a:xfrm>
+        </p:spPr>
+        <p:txBody>
+          <a:bodyPr/>
+          <a:lstStyle/>
+          <a:p>
+            <a:r>
+              <a:rPr lang="de-DE" dirty="0" err="1" smtClean="0"/>
+              <a:t>Webapp</a:t>
+            </a:r>
+            <a:r>
+              <a:rPr lang="de-DE" dirty="0" smtClean="0"/>
+              <a:t>- Interface</a:t>
+            </a:r>
+            <a:endParaRPr lang="de-DE" dirty="0"/>
+          </a:p>
+        </p:txBody>
+      </p:sp>
+      <p:sp>
+        <p:nvSpPr>
+          <p:cNvPr id="3" name="Inhaltsplatzhalter 2"/>
+          <p:cNvSpPr>
+            <a:spLocks noGrp="1"/>
+          </p:cNvSpPr>
+          <p:nvPr>
+            <p:ph idx="1"/>
+          </p:nvPr>
+        </p:nvSpPr>
+        <p:spPr>
+          <a:xfrm>
+            <a:off x="457200" y="2438400"/>
+            <a:ext cx="8229600" cy="3687763"/>
+          </a:xfrm>
+        </p:spPr>
+        <p:txBody>
+          <a:bodyPr/>
+          <a:lstStyle/>
+          <a:p>
+            <a:r>
+              <a:rPr lang="de-DE" dirty="0" smtClean="0"/>
+              <a:t>Umsetzung der </a:t>
+            </a:r>
+            <a:r>
+              <a:rPr lang="de-DE" dirty="0" err="1" smtClean="0"/>
+              <a:t>Webapp</a:t>
+            </a:r>
+            <a:r>
+              <a:rPr lang="de-DE" dirty="0" smtClean="0"/>
+              <a:t> als </a:t>
+            </a:r>
+            <a:r>
+              <a:rPr lang="de-DE" dirty="0" err="1" smtClean="0"/>
+              <a:t>SinglePageApp</a:t>
+            </a:r>
+            <a:endParaRPr lang="de-DE" dirty="0" smtClean="0"/>
+          </a:p>
+          <a:p>
+            <a:r>
+              <a:rPr lang="de-DE" dirty="0" smtClean="0"/>
+              <a:t>Zugriff wird schneller</a:t>
+            </a:r>
+          </a:p>
+          <a:p>
+            <a:r>
+              <a:rPr lang="de-DE" dirty="0" smtClean="0"/>
+              <a:t>Daten sind überall abrufbar</a:t>
+            </a:r>
+          </a:p>
+          <a:p>
+            <a:r>
+              <a:rPr lang="de-DE" dirty="0" smtClean="0"/>
+              <a:t>Mit Angular.js wird das Projekt übersichtlicher, dank </a:t>
+            </a:r>
+            <a:r>
+              <a:rPr lang="de-DE" smtClean="0"/>
+              <a:t>stark ausgeprägter </a:t>
+            </a:r>
+            <a:r>
+              <a:rPr lang="de-DE" dirty="0" smtClean="0"/>
+              <a:t>Atomarisierung</a:t>
+            </a:r>
+            <a:endParaRPr lang="de-DE" dirty="0"/>
+          </a:p>
+        </p:txBody>
+      </p:sp>
+    </p:spTree>
+    <p:extLst>
+      <p:ext uri="{BB962C8B-B14F-4D97-AF65-F5344CB8AC3E}">
+        <p14:creationId xmlns:p14="http://schemas.microsoft.com/office/powerpoint/2010/main" val="1476256868"/>
+      </p:ext>
+    </p:extLst>
+  </p:cSld>
+  <p:clrMapOvr>
+    <a:masterClrMapping/>
+  </p:clrMapOvr>
+  <mc:AlternateContent xmlns:mc="http://schemas.openxmlformats.org/markup-compatibility/2006">
+    <mc:Choice xmlns:p14="http://schemas.microsoft.com/office/powerpoint/2010/main" Requires="p14">
+      <p:transition spd="med" p14:dur="700">
+        <p:fade/>
+      </p:transition>
+    </mc:Choice>
+    <mc:Fallback>
+      <p:transition spd="med">
+        <p:fade/>
+      </p:transition>
+    </mc:Fallback>
+  </mc:AlternateContent>
   <p:timing>
     <p:tnLst>
       <p:par>
@@ -5818,9 +6786,25 @@
   <p:clrMapOvr>
     <a:masterClrMapping/>
   </p:clrMapOvr>
-  <p:transition>
-    <p:dissolve/>
-  </p:transition>
+  <mc:AlternateContent xmlns:mc="http://schemas.openxmlformats.org/markup-compatibility/2006">
+    <mc:Choice xmlns:p14="http://schemas.microsoft.com/office/powerpoint/2010/main" Requires="p14">
+      <p:transition spd="med" p14:dur="700">
+        <p:fade/>
+      </p:transition>
+    </mc:Choice>
+    <mc:Fallback>
+      <p:transition spd="med">
+        <p:fade/>
+      </p:transition>
+    </mc:Fallback>
+  </mc:AlternateContent>
+  <p:timing>
+    <p:tnLst>
+      <p:par>
+        <p:cTn id="1" dur="indefinite" restart="never" nodeType="tmRoot"/>
+      </p:par>
+    </p:tnLst>
+  </p:timing>
 </p:sld>
 </file>
 
@@ -6036,9 +7020,18 @@
   <p:clrMapOvr>
     <a:masterClrMapping/>
   </p:clrMapOvr>
-  <p:transition>
-    <p:dissolve/>
-  </p:transition>
+  <mc:AlternateContent xmlns:mc="http://schemas.openxmlformats.org/markup-compatibility/2006">
+    <mc:Choice xmlns:p14="http://schemas.microsoft.com/office/powerpoint/2010/main" Requires="p14">
+      <p:transition spd="med" p14:dur="700">
+        <p:fade/>
+      </p:transition>
+    </mc:Choice>
+    <mc:Fallback>
+      <p:transition spd="med">
+        <p:fade/>
+      </p:transition>
+    </mc:Fallback>
+  </mc:AlternateContent>
   <p:timing>
     <p:tnLst>
       <p:par>
@@ -6218,9 +7211,18 @@
   <p:clrMapOvr>
     <a:masterClrMapping/>
   </p:clrMapOvr>
-  <p:transition>
-    <p:dissolve/>
-  </p:transition>
+  <mc:AlternateContent xmlns:mc="http://schemas.openxmlformats.org/markup-compatibility/2006">
+    <mc:Choice xmlns:p14="http://schemas.microsoft.com/office/powerpoint/2010/main" Requires="p14">
+      <p:transition spd="med" p14:dur="700">
+        <p:fade/>
+      </p:transition>
+    </mc:Choice>
+    <mc:Fallback>
+      <p:transition spd="med">
+        <p:fade/>
+      </p:transition>
+    </mc:Fallback>
+  </mc:AlternateContent>
   <p:timing>
     <p:tnLst>
       <p:par>
@@ -6399,9 +7401,18 @@
   <p:clrMapOvr>
     <a:masterClrMapping/>
   </p:clrMapOvr>
-  <p:transition>
-    <p:dissolve/>
-  </p:transition>
+  <mc:AlternateContent xmlns:mc="http://schemas.openxmlformats.org/markup-compatibility/2006">
+    <mc:Choice xmlns:p14="http://schemas.microsoft.com/office/powerpoint/2010/main" Requires="p14">
+      <p:transition spd="med" p14:dur="700">
+        <p:fade/>
+      </p:transition>
+    </mc:Choice>
+    <mc:Fallback>
+      <p:transition spd="med">
+        <p:fade/>
+      </p:transition>
+    </mc:Fallback>
+  </mc:AlternateContent>
   <p:timing>
     <p:tnLst>
       <p:par>
@@ -6591,9 +7602,18 @@
   <p:clrMapOvr>
     <a:masterClrMapping/>
   </p:clrMapOvr>
-  <p:transition>
-    <p:dissolve/>
-  </p:transition>
+  <mc:AlternateContent xmlns:mc="http://schemas.openxmlformats.org/markup-compatibility/2006">
+    <mc:Choice xmlns:p14="http://schemas.microsoft.com/office/powerpoint/2010/main" Requires="p14">
+      <p:transition spd="med" p14:dur="700">
+        <p:fade/>
+      </p:transition>
+    </mc:Choice>
+    <mc:Fallback>
+      <p:transition spd="med">
+        <p:fade/>
+      </p:transition>
+    </mc:Fallback>
+  </mc:AlternateContent>
   <p:timing>
     <p:tnLst>
       <p:par>
@@ -6768,9 +7788,18 @@
   <p:clrMapOvr>
     <a:masterClrMapping/>
   </p:clrMapOvr>
-  <p:transition>
-    <p:dissolve/>
-  </p:transition>
+  <mc:AlternateContent xmlns:mc="http://schemas.openxmlformats.org/markup-compatibility/2006">
+    <mc:Choice xmlns:p14="http://schemas.microsoft.com/office/powerpoint/2010/main" Requires="p14">
+      <p:transition spd="med" p14:dur="700">
+        <p:fade/>
+      </p:transition>
+    </mc:Choice>
+    <mc:Fallback>
+      <p:transition spd="med">
+        <p:fade/>
+      </p:transition>
+    </mc:Fallback>
+  </mc:AlternateContent>
   <p:timing>
     <p:tnLst>
       <p:par>
@@ -7099,9 +8128,18 @@
   <p:clrMapOvr>
     <a:masterClrMapping/>
   </p:clrMapOvr>
-  <p:transition>
-    <p:dissolve/>
-  </p:transition>
+  <mc:AlternateContent xmlns:mc="http://schemas.openxmlformats.org/markup-compatibility/2006">
+    <mc:Choice xmlns:p14="http://schemas.microsoft.com/office/powerpoint/2010/main" Requires="p14">
+      <p:transition spd="med" p14:dur="700">
+        <p:fade/>
+      </p:transition>
+    </mc:Choice>
+    <mc:Fallback>
+      <p:transition spd="med">
+        <p:fade/>
+      </p:transition>
+    </mc:Fallback>
+  </mc:AlternateContent>
   <p:timing>
     <p:tnLst>
       <p:par>
@@ -7358,7 +8396,7 @@
         <a:effectLst/>
         <a:extLst>
           <a:ext uri="{AF507438-7753-43e0-B8FC-AC1667EBCBE1}">
-            <a14:hiddenEffects xmlns="" xmlns:a14="http://schemas.microsoft.com/office/drawing/2010/main">
+            <a14:hiddenEffects xmlns:a14="http://schemas.microsoft.com/office/drawing/2010/main" xmlns="">
               <a:effectLst>
                 <a:outerShdw blurRad="63500" dist="38099" dir="2700000" algn="ctr" rotWithShape="0">
                   <a:schemeClr val="bg2">
@@ -7435,7 +8473,7 @@
         <a:effectLst/>
         <a:extLst>
           <a:ext uri="{AF507438-7753-43e0-B8FC-AC1667EBCBE1}">
-            <a14:hiddenEffects xmlns="" xmlns:a14="http://schemas.microsoft.com/office/drawing/2010/main">
+            <a14:hiddenEffects xmlns:a14="http://schemas.microsoft.com/office/drawing/2010/main" xmlns="">
               <a:effectLst>
                 <a:outerShdw blurRad="63500" dist="38099" dir="2700000" algn="ctr" rotWithShape="0">
                   <a:schemeClr val="bg2">
